--- a/src/main/resources/G03_apresentação.pptx
+++ b/src/main/resources/G03_apresentação.pptx
@@ -108,7 +108,5856 @@
       </a:defRPr>
     </a:lvl9pPr>
   </p:defaultTextStyle>
+  <p:extLst>
+    <p:ext uri="{EFAFB233-063F-42B5-8137-9DF3F51BA10A}">
+      <p15:sldGuideLst xmlns:p15="http://schemas.microsoft.com/office/powerpoint/2012/main"/>
+    </p:ext>
+  </p:extLst>
 </p:presentation>
+</file>
+
+<file path=ppt/diagrams/colors1.xml><?xml version="1.0" encoding="utf-8"?>
+<dgm:colorsDef xmlns:dgm="http://schemas.openxmlformats.org/drawingml/2006/diagram" xmlns:a="http://schemas.openxmlformats.org/drawingml/2006/main" uniqueId="urn:microsoft.com/office/officeart/2005/8/colors/accent1_2">
+  <dgm:title val=""/>
+  <dgm:desc val=""/>
+  <dgm:catLst>
+    <dgm:cat type="accent1" pri="11200"/>
+  </dgm:catLst>
+  <dgm:styleLbl name="node0">
+    <dgm:fillClrLst meth="repeat">
+      <a:schemeClr val="accent1"/>
+    </dgm:fillClrLst>
+    <dgm:linClrLst meth="repeat">
+      <a:schemeClr val="lt1"/>
+    </dgm:linClrLst>
+    <dgm:effectClrLst/>
+    <dgm:txLinClrLst/>
+    <dgm:txFillClrLst/>
+    <dgm:txEffectClrLst/>
+  </dgm:styleLbl>
+  <dgm:styleLbl name="alignNode1">
+    <dgm:fillClrLst meth="repeat">
+      <a:schemeClr val="accent1"/>
+    </dgm:fillClrLst>
+    <dgm:linClrLst meth="repeat">
+      <a:schemeClr val="accent1"/>
+    </dgm:linClrLst>
+    <dgm:effectClrLst/>
+    <dgm:txLinClrLst/>
+    <dgm:txFillClrLst/>
+    <dgm:txEffectClrLst/>
+  </dgm:styleLbl>
+  <dgm:styleLbl name="node1">
+    <dgm:fillClrLst meth="repeat">
+      <a:schemeClr val="accent1"/>
+    </dgm:fillClrLst>
+    <dgm:linClrLst meth="repeat">
+      <a:schemeClr val="lt1"/>
+    </dgm:linClrLst>
+    <dgm:effectClrLst/>
+    <dgm:txLinClrLst/>
+    <dgm:txFillClrLst/>
+    <dgm:txEffectClrLst/>
+  </dgm:styleLbl>
+  <dgm:styleLbl name="lnNode1">
+    <dgm:fillClrLst meth="repeat">
+      <a:schemeClr val="accent1"/>
+    </dgm:fillClrLst>
+    <dgm:linClrLst meth="repeat">
+      <a:schemeClr val="lt1"/>
+    </dgm:linClrLst>
+    <dgm:effectClrLst/>
+    <dgm:txLinClrLst/>
+    <dgm:txFillClrLst/>
+    <dgm:txEffectClrLst/>
+  </dgm:styleLbl>
+  <dgm:styleLbl name="vennNode1">
+    <dgm:fillClrLst meth="repeat">
+      <a:schemeClr val="accent1">
+        <a:alpha val="50000"/>
+      </a:schemeClr>
+    </dgm:fillClrLst>
+    <dgm:linClrLst meth="repeat">
+      <a:schemeClr val="lt1"/>
+    </dgm:linClrLst>
+    <dgm:effectClrLst/>
+    <dgm:txLinClrLst/>
+    <dgm:txFillClrLst/>
+    <dgm:txEffectClrLst/>
+  </dgm:styleLbl>
+  <dgm:styleLbl name="node2">
+    <dgm:fillClrLst meth="repeat">
+      <a:schemeClr val="accent1"/>
+    </dgm:fillClrLst>
+    <dgm:linClrLst meth="repeat">
+      <a:schemeClr val="lt1"/>
+    </dgm:linClrLst>
+    <dgm:effectClrLst/>
+    <dgm:txLinClrLst/>
+    <dgm:txFillClrLst/>
+    <dgm:txEffectClrLst/>
+  </dgm:styleLbl>
+  <dgm:styleLbl name="node3">
+    <dgm:fillClrLst meth="repeat">
+      <a:schemeClr val="accent1"/>
+    </dgm:fillClrLst>
+    <dgm:linClrLst meth="repeat">
+      <a:schemeClr val="lt1"/>
+    </dgm:linClrLst>
+    <dgm:effectClrLst/>
+    <dgm:txLinClrLst/>
+    <dgm:txFillClrLst/>
+    <dgm:txEffectClrLst/>
+  </dgm:styleLbl>
+  <dgm:styleLbl name="node4">
+    <dgm:fillClrLst meth="repeat">
+      <a:schemeClr val="accent1"/>
+    </dgm:fillClrLst>
+    <dgm:linClrLst meth="repeat">
+      <a:schemeClr val="lt1"/>
+    </dgm:linClrLst>
+    <dgm:effectClrLst/>
+    <dgm:txLinClrLst/>
+    <dgm:txFillClrLst/>
+    <dgm:txEffectClrLst/>
+  </dgm:styleLbl>
+  <dgm:styleLbl name="fgImgPlace1">
+    <dgm:fillClrLst meth="repeat">
+      <a:schemeClr val="accent1">
+        <a:tint val="50000"/>
+      </a:schemeClr>
+    </dgm:fillClrLst>
+    <dgm:linClrLst meth="repeat">
+      <a:schemeClr val="lt1"/>
+    </dgm:linClrLst>
+    <dgm:effectClrLst/>
+    <dgm:txLinClrLst/>
+    <dgm:txFillClrLst meth="repeat">
+      <a:schemeClr val="lt1"/>
+    </dgm:txFillClrLst>
+    <dgm:txEffectClrLst/>
+  </dgm:styleLbl>
+  <dgm:styleLbl name="alignImgPlace1">
+    <dgm:fillClrLst meth="repeat">
+      <a:schemeClr val="accent1">
+        <a:tint val="50000"/>
+      </a:schemeClr>
+    </dgm:fillClrLst>
+    <dgm:linClrLst meth="repeat">
+      <a:schemeClr val="lt1"/>
+    </dgm:linClrLst>
+    <dgm:effectClrLst/>
+    <dgm:txLinClrLst/>
+    <dgm:txFillClrLst meth="repeat">
+      <a:schemeClr val="lt1"/>
+    </dgm:txFillClrLst>
+    <dgm:txEffectClrLst/>
+  </dgm:styleLbl>
+  <dgm:styleLbl name="bgImgPlace1">
+    <dgm:fillClrLst meth="repeat">
+      <a:schemeClr val="accent1">
+        <a:tint val="50000"/>
+      </a:schemeClr>
+    </dgm:fillClrLst>
+    <dgm:linClrLst meth="repeat">
+      <a:schemeClr val="lt1"/>
+    </dgm:linClrLst>
+    <dgm:effectClrLst/>
+    <dgm:txLinClrLst/>
+    <dgm:txFillClrLst meth="repeat">
+      <a:schemeClr val="lt1"/>
+    </dgm:txFillClrLst>
+    <dgm:txEffectClrLst/>
+  </dgm:styleLbl>
+  <dgm:styleLbl name="sibTrans2D1">
+    <dgm:fillClrLst meth="repeat">
+      <a:schemeClr val="accent1">
+        <a:tint val="60000"/>
+      </a:schemeClr>
+    </dgm:fillClrLst>
+    <dgm:linClrLst meth="repeat">
+      <a:schemeClr val="accent1">
+        <a:tint val="60000"/>
+      </a:schemeClr>
+    </dgm:linClrLst>
+    <dgm:effectClrLst/>
+    <dgm:txLinClrLst/>
+    <dgm:txFillClrLst/>
+    <dgm:txEffectClrLst/>
+  </dgm:styleLbl>
+  <dgm:styleLbl name="fgSibTrans2D1">
+    <dgm:fillClrLst meth="repeat">
+      <a:schemeClr val="accent1">
+        <a:tint val="60000"/>
+      </a:schemeClr>
+    </dgm:fillClrLst>
+    <dgm:linClrLst meth="repeat">
+      <a:schemeClr val="accent1">
+        <a:tint val="60000"/>
+      </a:schemeClr>
+    </dgm:linClrLst>
+    <dgm:effectClrLst/>
+    <dgm:txLinClrLst/>
+    <dgm:txFillClrLst/>
+    <dgm:txEffectClrLst/>
+  </dgm:styleLbl>
+  <dgm:styleLbl name="bgSibTrans2D1">
+    <dgm:fillClrLst meth="repeat">
+      <a:schemeClr val="accent1">
+        <a:tint val="60000"/>
+      </a:schemeClr>
+    </dgm:fillClrLst>
+    <dgm:linClrLst meth="repeat">
+      <a:schemeClr val="accent1">
+        <a:tint val="60000"/>
+      </a:schemeClr>
+    </dgm:linClrLst>
+    <dgm:effectClrLst/>
+    <dgm:txLinClrLst/>
+    <dgm:txFillClrLst/>
+    <dgm:txEffectClrLst/>
+  </dgm:styleLbl>
+  <dgm:styleLbl name="sibTrans1D1">
+    <dgm:fillClrLst meth="repeat">
+      <a:schemeClr val="accent1"/>
+    </dgm:fillClrLst>
+    <dgm:linClrLst meth="repeat">
+      <a:schemeClr val="accent1"/>
+    </dgm:linClrLst>
+    <dgm:effectClrLst/>
+    <dgm:txLinClrLst/>
+    <dgm:txFillClrLst meth="repeat">
+      <a:schemeClr val="tx1"/>
+    </dgm:txFillClrLst>
+    <dgm:txEffectClrLst/>
+  </dgm:styleLbl>
+  <dgm:styleLbl name="callout">
+    <dgm:fillClrLst meth="repeat">
+      <a:schemeClr val="accent1"/>
+    </dgm:fillClrLst>
+    <dgm:linClrLst meth="repeat">
+      <a:schemeClr val="accent1">
+        <a:tint val="50000"/>
+      </a:schemeClr>
+    </dgm:linClrLst>
+    <dgm:effectClrLst/>
+    <dgm:txLinClrLst/>
+    <dgm:txFillClrLst meth="repeat">
+      <a:schemeClr val="tx1"/>
+    </dgm:txFillClrLst>
+    <dgm:txEffectClrLst/>
+  </dgm:styleLbl>
+  <dgm:styleLbl name="asst0">
+    <dgm:fillClrLst meth="repeat">
+      <a:schemeClr val="accent1"/>
+    </dgm:fillClrLst>
+    <dgm:linClrLst meth="repeat">
+      <a:schemeClr val="lt1"/>
+    </dgm:linClrLst>
+    <dgm:effectClrLst/>
+    <dgm:txLinClrLst/>
+    <dgm:txFillClrLst/>
+    <dgm:txEffectClrLst/>
+  </dgm:styleLbl>
+  <dgm:styleLbl name="asst1">
+    <dgm:fillClrLst meth="repeat">
+      <a:schemeClr val="accent1"/>
+    </dgm:fillClrLst>
+    <dgm:linClrLst meth="repeat">
+      <a:schemeClr val="lt1"/>
+    </dgm:linClrLst>
+    <dgm:effectClrLst/>
+    <dgm:txLinClrLst/>
+    <dgm:txFillClrLst/>
+    <dgm:txEffectClrLst/>
+  </dgm:styleLbl>
+  <dgm:styleLbl name="asst2">
+    <dgm:fillClrLst meth="repeat">
+      <a:schemeClr val="accent1"/>
+    </dgm:fillClrLst>
+    <dgm:linClrLst meth="repeat">
+      <a:schemeClr val="lt1"/>
+    </dgm:linClrLst>
+    <dgm:effectClrLst/>
+    <dgm:txLinClrLst/>
+    <dgm:txFillClrLst/>
+    <dgm:txEffectClrLst/>
+  </dgm:styleLbl>
+  <dgm:styleLbl name="asst3">
+    <dgm:fillClrLst meth="repeat">
+      <a:schemeClr val="accent1"/>
+    </dgm:fillClrLst>
+    <dgm:linClrLst meth="repeat">
+      <a:schemeClr val="lt1"/>
+    </dgm:linClrLst>
+    <dgm:effectClrLst/>
+    <dgm:txLinClrLst/>
+    <dgm:txFillClrLst/>
+    <dgm:txEffectClrLst/>
+  </dgm:styleLbl>
+  <dgm:styleLbl name="asst4">
+    <dgm:fillClrLst meth="repeat">
+      <a:schemeClr val="accent1"/>
+    </dgm:fillClrLst>
+    <dgm:linClrLst meth="repeat">
+      <a:schemeClr val="lt1"/>
+    </dgm:linClrLst>
+    <dgm:effectClrLst/>
+    <dgm:txLinClrLst/>
+    <dgm:txFillClrLst/>
+    <dgm:txEffectClrLst/>
+  </dgm:styleLbl>
+  <dgm:styleLbl name="parChTrans2D1">
+    <dgm:fillClrLst meth="repeat">
+      <a:schemeClr val="accent1">
+        <a:tint val="60000"/>
+      </a:schemeClr>
+    </dgm:fillClrLst>
+    <dgm:linClrLst meth="repeat">
+      <a:schemeClr val="accent1">
+        <a:tint val="60000"/>
+      </a:schemeClr>
+    </dgm:linClrLst>
+    <dgm:effectClrLst/>
+    <dgm:txLinClrLst/>
+    <dgm:txFillClrLst meth="repeat">
+      <a:schemeClr val="lt1"/>
+    </dgm:txFillClrLst>
+    <dgm:txEffectClrLst/>
+  </dgm:styleLbl>
+  <dgm:styleLbl name="parChTrans2D2">
+    <dgm:fillClrLst meth="repeat">
+      <a:schemeClr val="accent1"/>
+    </dgm:fillClrLst>
+    <dgm:linClrLst meth="repeat">
+      <a:schemeClr val="accent1"/>
+    </dgm:linClrLst>
+    <dgm:effectClrLst/>
+    <dgm:txLinClrLst/>
+    <dgm:txFillClrLst meth="repeat">
+      <a:schemeClr val="lt1"/>
+    </dgm:txFillClrLst>
+    <dgm:txEffectClrLst/>
+  </dgm:styleLbl>
+  <dgm:styleLbl name="parChTrans2D3">
+    <dgm:fillClrLst meth="repeat">
+      <a:schemeClr val="accent1"/>
+    </dgm:fillClrLst>
+    <dgm:linClrLst meth="repeat">
+      <a:schemeClr val="accent1"/>
+    </dgm:linClrLst>
+    <dgm:effectClrLst/>
+    <dgm:txLinClrLst/>
+    <dgm:txFillClrLst meth="repeat">
+      <a:schemeClr val="lt1"/>
+    </dgm:txFillClrLst>
+    <dgm:txEffectClrLst/>
+  </dgm:styleLbl>
+  <dgm:styleLbl name="parChTrans2D4">
+    <dgm:fillClrLst meth="repeat">
+      <a:schemeClr val="accent1"/>
+    </dgm:fillClrLst>
+    <dgm:linClrLst meth="repeat">
+      <a:schemeClr val="accent1"/>
+    </dgm:linClrLst>
+    <dgm:effectClrLst/>
+    <dgm:txLinClrLst/>
+    <dgm:txFillClrLst meth="repeat">
+      <a:schemeClr val="lt1"/>
+    </dgm:txFillClrLst>
+    <dgm:txEffectClrLst/>
+  </dgm:styleLbl>
+  <dgm:styleLbl name="parChTrans1D1">
+    <dgm:fillClrLst meth="repeat">
+      <a:schemeClr val="accent1"/>
+    </dgm:fillClrLst>
+    <dgm:linClrLst meth="repeat">
+      <a:schemeClr val="accent1">
+        <a:shade val="60000"/>
+      </a:schemeClr>
+    </dgm:linClrLst>
+    <dgm:effectClrLst/>
+    <dgm:txLinClrLst/>
+    <dgm:txFillClrLst meth="repeat">
+      <a:schemeClr val="tx1"/>
+    </dgm:txFillClrLst>
+    <dgm:txEffectClrLst/>
+  </dgm:styleLbl>
+  <dgm:styleLbl name="parChTrans1D2">
+    <dgm:fillClrLst meth="repeat">
+      <a:schemeClr val="accent1"/>
+    </dgm:fillClrLst>
+    <dgm:linClrLst meth="repeat">
+      <a:schemeClr val="accent1">
+        <a:shade val="60000"/>
+      </a:schemeClr>
+    </dgm:linClrLst>
+    <dgm:effectClrLst/>
+    <dgm:txLinClrLst/>
+    <dgm:txFillClrLst meth="repeat">
+      <a:schemeClr val="tx1"/>
+    </dgm:txFillClrLst>
+    <dgm:txEffectClrLst/>
+  </dgm:styleLbl>
+  <dgm:styleLbl name="parChTrans1D3">
+    <dgm:fillClrLst meth="repeat">
+      <a:schemeClr val="accent1"/>
+    </dgm:fillClrLst>
+    <dgm:linClrLst meth="repeat">
+      <a:schemeClr val="accent1">
+        <a:shade val="80000"/>
+      </a:schemeClr>
+    </dgm:linClrLst>
+    <dgm:effectClrLst/>
+    <dgm:txLinClrLst/>
+    <dgm:txFillClrLst meth="repeat">
+      <a:schemeClr val="tx1"/>
+    </dgm:txFillClrLst>
+    <dgm:txEffectClrLst/>
+  </dgm:styleLbl>
+  <dgm:styleLbl name="parChTrans1D4">
+    <dgm:fillClrLst meth="repeat">
+      <a:schemeClr val="accent1"/>
+    </dgm:fillClrLst>
+    <dgm:linClrLst meth="repeat">
+      <a:schemeClr val="accent1">
+        <a:shade val="80000"/>
+      </a:schemeClr>
+    </dgm:linClrLst>
+    <dgm:effectClrLst/>
+    <dgm:txLinClrLst/>
+    <dgm:txFillClrLst meth="repeat">
+      <a:schemeClr val="tx1"/>
+    </dgm:txFillClrLst>
+    <dgm:txEffectClrLst/>
+  </dgm:styleLbl>
+  <dgm:styleLbl name="fgAcc1">
+    <dgm:fillClrLst meth="repeat">
+      <a:schemeClr val="lt1">
+        <a:alpha val="90000"/>
+      </a:schemeClr>
+    </dgm:fillClrLst>
+    <dgm:linClrLst meth="repeat">
+      <a:schemeClr val="accent1"/>
+    </dgm:linClrLst>
+    <dgm:effectClrLst/>
+    <dgm:txLinClrLst/>
+    <dgm:txFillClrLst meth="repeat">
+      <a:schemeClr val="dk1"/>
+    </dgm:txFillClrLst>
+    <dgm:txEffectClrLst/>
+  </dgm:styleLbl>
+  <dgm:styleLbl name="conFgAcc1">
+    <dgm:fillClrLst meth="repeat">
+      <a:schemeClr val="lt1">
+        <a:alpha val="90000"/>
+      </a:schemeClr>
+    </dgm:fillClrLst>
+    <dgm:linClrLst meth="repeat">
+      <a:schemeClr val="accent1"/>
+    </dgm:linClrLst>
+    <dgm:effectClrLst/>
+    <dgm:txLinClrLst/>
+    <dgm:txFillClrLst meth="repeat">
+      <a:schemeClr val="dk1"/>
+    </dgm:txFillClrLst>
+    <dgm:txEffectClrLst/>
+  </dgm:styleLbl>
+  <dgm:styleLbl name="alignAcc1">
+    <dgm:fillClrLst meth="repeat">
+      <a:schemeClr val="lt1">
+        <a:alpha val="90000"/>
+      </a:schemeClr>
+    </dgm:fillClrLst>
+    <dgm:linClrLst meth="repeat">
+      <a:schemeClr val="accent1"/>
+    </dgm:linClrLst>
+    <dgm:effectClrLst/>
+    <dgm:txLinClrLst/>
+    <dgm:txFillClrLst meth="repeat">
+      <a:schemeClr val="dk1"/>
+    </dgm:txFillClrLst>
+    <dgm:txEffectClrLst/>
+  </dgm:styleLbl>
+  <dgm:styleLbl name="trAlignAcc1">
+    <dgm:fillClrLst meth="repeat">
+      <a:schemeClr val="lt1">
+        <a:alpha val="40000"/>
+      </a:schemeClr>
+    </dgm:fillClrLst>
+    <dgm:linClrLst meth="repeat">
+      <a:schemeClr val="accent1"/>
+    </dgm:linClrLst>
+    <dgm:effectClrLst/>
+    <dgm:txLinClrLst/>
+    <dgm:txFillClrLst meth="repeat">
+      <a:schemeClr val="dk1"/>
+    </dgm:txFillClrLst>
+    <dgm:txEffectClrLst/>
+  </dgm:styleLbl>
+  <dgm:styleLbl name="bgAcc1">
+    <dgm:fillClrLst meth="repeat">
+      <a:schemeClr val="lt1">
+        <a:alpha val="90000"/>
+      </a:schemeClr>
+    </dgm:fillClrLst>
+    <dgm:linClrLst meth="repeat">
+      <a:schemeClr val="accent1"/>
+    </dgm:linClrLst>
+    <dgm:effectClrLst/>
+    <dgm:txLinClrLst/>
+    <dgm:txFillClrLst meth="repeat">
+      <a:schemeClr val="dk1"/>
+    </dgm:txFillClrLst>
+    <dgm:txEffectClrLst/>
+  </dgm:styleLbl>
+  <dgm:styleLbl name="solidFgAcc1">
+    <dgm:fillClrLst meth="repeat">
+      <a:schemeClr val="lt1"/>
+    </dgm:fillClrLst>
+    <dgm:linClrLst meth="repeat">
+      <a:schemeClr val="accent1"/>
+    </dgm:linClrLst>
+    <dgm:effectClrLst/>
+    <dgm:txLinClrLst/>
+    <dgm:txFillClrLst meth="repeat">
+      <a:schemeClr val="dk1"/>
+    </dgm:txFillClrLst>
+    <dgm:txEffectClrLst/>
+  </dgm:styleLbl>
+  <dgm:styleLbl name="solidAlignAcc1">
+    <dgm:fillClrLst meth="repeat">
+      <a:schemeClr val="lt1"/>
+    </dgm:fillClrLst>
+    <dgm:linClrLst meth="repeat">
+      <a:schemeClr val="accent1"/>
+    </dgm:linClrLst>
+    <dgm:effectClrLst/>
+    <dgm:txLinClrLst/>
+    <dgm:txFillClrLst meth="repeat">
+      <a:schemeClr val="dk1"/>
+    </dgm:txFillClrLst>
+    <dgm:txEffectClrLst/>
+  </dgm:styleLbl>
+  <dgm:styleLbl name="solidBgAcc1">
+    <dgm:fillClrLst meth="repeat">
+      <a:schemeClr val="lt1"/>
+    </dgm:fillClrLst>
+    <dgm:linClrLst meth="repeat">
+      <a:schemeClr val="accent1"/>
+    </dgm:linClrLst>
+    <dgm:effectClrLst/>
+    <dgm:txLinClrLst/>
+    <dgm:txFillClrLst meth="repeat">
+      <a:schemeClr val="dk1"/>
+    </dgm:txFillClrLst>
+    <dgm:txEffectClrLst/>
+  </dgm:styleLbl>
+  <dgm:styleLbl name="fgAccFollowNode1">
+    <dgm:fillClrLst meth="repeat">
+      <a:schemeClr val="accent1">
+        <a:alpha val="90000"/>
+        <a:tint val="40000"/>
+      </a:schemeClr>
+    </dgm:fillClrLst>
+    <dgm:linClrLst meth="repeat">
+      <a:schemeClr val="accent1">
+        <a:alpha val="90000"/>
+        <a:tint val="40000"/>
+      </a:schemeClr>
+    </dgm:linClrLst>
+    <dgm:effectClrLst/>
+    <dgm:txLinClrLst/>
+    <dgm:txFillClrLst meth="repeat">
+      <a:schemeClr val="dk1"/>
+    </dgm:txFillClrLst>
+    <dgm:txEffectClrLst/>
+  </dgm:styleLbl>
+  <dgm:styleLbl name="alignAccFollowNode1">
+    <dgm:fillClrLst meth="repeat">
+      <a:schemeClr val="accent1">
+        <a:alpha val="90000"/>
+        <a:tint val="40000"/>
+      </a:schemeClr>
+    </dgm:fillClrLst>
+    <dgm:linClrLst meth="repeat">
+      <a:schemeClr val="accent1">
+        <a:alpha val="90000"/>
+        <a:tint val="40000"/>
+      </a:schemeClr>
+    </dgm:linClrLst>
+    <dgm:effectClrLst/>
+    <dgm:txLinClrLst/>
+    <dgm:txFillClrLst meth="repeat">
+      <a:schemeClr val="dk1"/>
+    </dgm:txFillClrLst>
+    <dgm:txEffectClrLst/>
+  </dgm:styleLbl>
+  <dgm:styleLbl name="bgAccFollowNode1">
+    <dgm:fillClrLst meth="repeat">
+      <a:schemeClr val="accent1">
+        <a:alpha val="90000"/>
+        <a:tint val="40000"/>
+      </a:schemeClr>
+    </dgm:fillClrLst>
+    <dgm:linClrLst meth="repeat">
+      <a:schemeClr val="accent1">
+        <a:alpha val="90000"/>
+        <a:tint val="40000"/>
+      </a:schemeClr>
+    </dgm:linClrLst>
+    <dgm:effectClrLst/>
+    <dgm:txLinClrLst/>
+    <dgm:txFillClrLst meth="repeat">
+      <a:schemeClr val="dk1"/>
+    </dgm:txFillClrLst>
+    <dgm:txEffectClrLst/>
+  </dgm:styleLbl>
+  <dgm:styleLbl name="fgAcc0">
+    <dgm:fillClrLst meth="repeat">
+      <a:schemeClr val="lt1">
+        <a:alpha val="90000"/>
+      </a:schemeClr>
+    </dgm:fillClrLst>
+    <dgm:linClrLst meth="repeat">
+      <a:schemeClr val="accent1"/>
+    </dgm:linClrLst>
+    <dgm:effectClrLst/>
+    <dgm:txLinClrLst/>
+    <dgm:txFillClrLst meth="repeat">
+      <a:schemeClr val="dk1"/>
+    </dgm:txFillClrLst>
+    <dgm:txEffectClrLst/>
+  </dgm:styleLbl>
+  <dgm:styleLbl name="fgAcc2">
+    <dgm:fillClrLst meth="repeat">
+      <a:schemeClr val="lt1">
+        <a:alpha val="90000"/>
+      </a:schemeClr>
+    </dgm:fillClrLst>
+    <dgm:linClrLst meth="repeat">
+      <a:schemeClr val="accent1"/>
+    </dgm:linClrLst>
+    <dgm:effectClrLst/>
+    <dgm:txLinClrLst/>
+    <dgm:txFillClrLst meth="repeat">
+      <a:schemeClr val="dk1"/>
+    </dgm:txFillClrLst>
+    <dgm:txEffectClrLst/>
+  </dgm:styleLbl>
+  <dgm:styleLbl name="fgAcc3">
+    <dgm:fillClrLst meth="repeat">
+      <a:schemeClr val="lt1">
+        <a:alpha val="90000"/>
+      </a:schemeClr>
+    </dgm:fillClrLst>
+    <dgm:linClrLst meth="repeat">
+      <a:schemeClr val="accent1"/>
+    </dgm:linClrLst>
+    <dgm:effectClrLst/>
+    <dgm:txLinClrLst/>
+    <dgm:txFillClrLst meth="repeat">
+      <a:schemeClr val="dk1"/>
+    </dgm:txFillClrLst>
+    <dgm:txEffectClrLst/>
+  </dgm:styleLbl>
+  <dgm:styleLbl name="fgAcc4">
+    <dgm:fillClrLst meth="repeat">
+      <a:schemeClr val="lt1">
+        <a:alpha val="90000"/>
+      </a:schemeClr>
+    </dgm:fillClrLst>
+    <dgm:linClrLst meth="repeat">
+      <a:schemeClr val="accent1"/>
+    </dgm:linClrLst>
+    <dgm:effectClrLst/>
+    <dgm:txLinClrLst/>
+    <dgm:txFillClrLst meth="repeat">
+      <a:schemeClr val="dk1"/>
+    </dgm:txFillClrLst>
+    <dgm:txEffectClrLst/>
+  </dgm:styleLbl>
+  <dgm:styleLbl name="bgShp">
+    <dgm:fillClrLst meth="repeat">
+      <a:schemeClr val="accent1">
+        <a:tint val="40000"/>
+      </a:schemeClr>
+    </dgm:fillClrLst>
+    <dgm:linClrLst meth="repeat">
+      <a:schemeClr val="accent1"/>
+    </dgm:linClrLst>
+    <dgm:effectClrLst/>
+    <dgm:txLinClrLst/>
+    <dgm:txFillClrLst meth="repeat">
+      <a:schemeClr val="dk1"/>
+    </dgm:txFillClrLst>
+    <dgm:txEffectClrLst/>
+  </dgm:styleLbl>
+  <dgm:styleLbl name="dkBgShp">
+    <dgm:fillClrLst meth="repeat">
+      <a:schemeClr val="accent1">
+        <a:shade val="80000"/>
+      </a:schemeClr>
+    </dgm:fillClrLst>
+    <dgm:linClrLst meth="repeat">
+      <a:schemeClr val="accent1"/>
+    </dgm:linClrLst>
+    <dgm:effectClrLst/>
+    <dgm:txLinClrLst/>
+    <dgm:txFillClrLst meth="repeat">
+      <a:schemeClr val="lt1"/>
+    </dgm:txFillClrLst>
+    <dgm:txEffectClrLst/>
+  </dgm:styleLbl>
+  <dgm:styleLbl name="trBgShp">
+    <dgm:fillClrLst meth="repeat">
+      <a:schemeClr val="accent1">
+        <a:tint val="50000"/>
+        <a:alpha val="40000"/>
+      </a:schemeClr>
+    </dgm:fillClrLst>
+    <dgm:linClrLst meth="repeat">
+      <a:schemeClr val="accent1"/>
+    </dgm:linClrLst>
+    <dgm:effectClrLst/>
+    <dgm:txLinClrLst/>
+    <dgm:txFillClrLst meth="repeat">
+      <a:schemeClr val="lt1"/>
+    </dgm:txFillClrLst>
+    <dgm:txEffectClrLst/>
+  </dgm:styleLbl>
+  <dgm:styleLbl name="fgShp">
+    <dgm:fillClrLst meth="repeat">
+      <a:schemeClr val="accent1">
+        <a:tint val="60000"/>
+      </a:schemeClr>
+    </dgm:fillClrLst>
+    <dgm:linClrLst meth="repeat">
+      <a:schemeClr val="lt1"/>
+    </dgm:linClrLst>
+    <dgm:effectClrLst/>
+    <dgm:txLinClrLst/>
+    <dgm:txFillClrLst meth="repeat">
+      <a:schemeClr val="dk1"/>
+    </dgm:txFillClrLst>
+    <dgm:txEffectClrLst/>
+  </dgm:styleLbl>
+  <dgm:styleLbl name="revTx">
+    <dgm:fillClrLst meth="repeat">
+      <a:schemeClr val="lt1">
+        <a:alpha val="0"/>
+      </a:schemeClr>
+    </dgm:fillClrLst>
+    <dgm:linClrLst meth="repeat">
+      <a:schemeClr val="dk1">
+        <a:alpha val="0"/>
+      </a:schemeClr>
+    </dgm:linClrLst>
+    <dgm:effectClrLst/>
+    <dgm:txLinClrLst/>
+    <dgm:txFillClrLst meth="repeat">
+      <a:schemeClr val="tx1"/>
+    </dgm:txFillClrLst>
+    <dgm:txEffectClrLst/>
+  </dgm:styleLbl>
+</dgm:colorsDef>
+</file>
+
+<file path=ppt/diagrams/colors2.xml><?xml version="1.0" encoding="utf-8"?>
+<dgm:colorsDef xmlns:dgm="http://schemas.openxmlformats.org/drawingml/2006/diagram" xmlns:a="http://schemas.openxmlformats.org/drawingml/2006/main" uniqueId="urn:microsoft.com/office/officeart/2005/8/colors/accent1_2">
+  <dgm:title val=""/>
+  <dgm:desc val=""/>
+  <dgm:catLst>
+    <dgm:cat type="accent1" pri="11200"/>
+  </dgm:catLst>
+  <dgm:styleLbl name="node0">
+    <dgm:fillClrLst meth="repeat">
+      <a:schemeClr val="accent1"/>
+    </dgm:fillClrLst>
+    <dgm:linClrLst meth="repeat">
+      <a:schemeClr val="lt1"/>
+    </dgm:linClrLst>
+    <dgm:effectClrLst/>
+    <dgm:txLinClrLst/>
+    <dgm:txFillClrLst/>
+    <dgm:txEffectClrLst/>
+  </dgm:styleLbl>
+  <dgm:styleLbl name="alignNode1">
+    <dgm:fillClrLst meth="repeat">
+      <a:schemeClr val="accent1"/>
+    </dgm:fillClrLst>
+    <dgm:linClrLst meth="repeat">
+      <a:schemeClr val="accent1"/>
+    </dgm:linClrLst>
+    <dgm:effectClrLst/>
+    <dgm:txLinClrLst/>
+    <dgm:txFillClrLst/>
+    <dgm:txEffectClrLst/>
+  </dgm:styleLbl>
+  <dgm:styleLbl name="node1">
+    <dgm:fillClrLst meth="repeat">
+      <a:schemeClr val="accent1"/>
+    </dgm:fillClrLst>
+    <dgm:linClrLst meth="repeat">
+      <a:schemeClr val="lt1"/>
+    </dgm:linClrLst>
+    <dgm:effectClrLst/>
+    <dgm:txLinClrLst/>
+    <dgm:txFillClrLst/>
+    <dgm:txEffectClrLst/>
+  </dgm:styleLbl>
+  <dgm:styleLbl name="lnNode1">
+    <dgm:fillClrLst meth="repeat">
+      <a:schemeClr val="accent1"/>
+    </dgm:fillClrLst>
+    <dgm:linClrLst meth="repeat">
+      <a:schemeClr val="lt1"/>
+    </dgm:linClrLst>
+    <dgm:effectClrLst/>
+    <dgm:txLinClrLst/>
+    <dgm:txFillClrLst/>
+    <dgm:txEffectClrLst/>
+  </dgm:styleLbl>
+  <dgm:styleLbl name="vennNode1">
+    <dgm:fillClrLst meth="repeat">
+      <a:schemeClr val="accent1">
+        <a:alpha val="50000"/>
+      </a:schemeClr>
+    </dgm:fillClrLst>
+    <dgm:linClrLst meth="repeat">
+      <a:schemeClr val="lt1"/>
+    </dgm:linClrLst>
+    <dgm:effectClrLst/>
+    <dgm:txLinClrLst/>
+    <dgm:txFillClrLst/>
+    <dgm:txEffectClrLst/>
+  </dgm:styleLbl>
+  <dgm:styleLbl name="node2">
+    <dgm:fillClrLst meth="repeat">
+      <a:schemeClr val="accent1"/>
+    </dgm:fillClrLst>
+    <dgm:linClrLst meth="repeat">
+      <a:schemeClr val="lt1"/>
+    </dgm:linClrLst>
+    <dgm:effectClrLst/>
+    <dgm:txLinClrLst/>
+    <dgm:txFillClrLst/>
+    <dgm:txEffectClrLst/>
+  </dgm:styleLbl>
+  <dgm:styleLbl name="node3">
+    <dgm:fillClrLst meth="repeat">
+      <a:schemeClr val="accent1"/>
+    </dgm:fillClrLst>
+    <dgm:linClrLst meth="repeat">
+      <a:schemeClr val="lt1"/>
+    </dgm:linClrLst>
+    <dgm:effectClrLst/>
+    <dgm:txLinClrLst/>
+    <dgm:txFillClrLst/>
+    <dgm:txEffectClrLst/>
+  </dgm:styleLbl>
+  <dgm:styleLbl name="node4">
+    <dgm:fillClrLst meth="repeat">
+      <a:schemeClr val="accent1"/>
+    </dgm:fillClrLst>
+    <dgm:linClrLst meth="repeat">
+      <a:schemeClr val="lt1"/>
+    </dgm:linClrLst>
+    <dgm:effectClrLst/>
+    <dgm:txLinClrLst/>
+    <dgm:txFillClrLst/>
+    <dgm:txEffectClrLst/>
+  </dgm:styleLbl>
+  <dgm:styleLbl name="fgImgPlace1">
+    <dgm:fillClrLst meth="repeat">
+      <a:schemeClr val="accent1">
+        <a:tint val="50000"/>
+      </a:schemeClr>
+    </dgm:fillClrLst>
+    <dgm:linClrLst meth="repeat">
+      <a:schemeClr val="lt1"/>
+    </dgm:linClrLst>
+    <dgm:effectClrLst/>
+    <dgm:txLinClrLst/>
+    <dgm:txFillClrLst meth="repeat">
+      <a:schemeClr val="lt1"/>
+    </dgm:txFillClrLst>
+    <dgm:txEffectClrLst/>
+  </dgm:styleLbl>
+  <dgm:styleLbl name="alignImgPlace1">
+    <dgm:fillClrLst meth="repeat">
+      <a:schemeClr val="accent1">
+        <a:tint val="50000"/>
+      </a:schemeClr>
+    </dgm:fillClrLst>
+    <dgm:linClrLst meth="repeat">
+      <a:schemeClr val="lt1"/>
+    </dgm:linClrLst>
+    <dgm:effectClrLst/>
+    <dgm:txLinClrLst/>
+    <dgm:txFillClrLst meth="repeat">
+      <a:schemeClr val="lt1"/>
+    </dgm:txFillClrLst>
+    <dgm:txEffectClrLst/>
+  </dgm:styleLbl>
+  <dgm:styleLbl name="bgImgPlace1">
+    <dgm:fillClrLst meth="repeat">
+      <a:schemeClr val="accent1">
+        <a:tint val="50000"/>
+      </a:schemeClr>
+    </dgm:fillClrLst>
+    <dgm:linClrLst meth="repeat">
+      <a:schemeClr val="lt1"/>
+    </dgm:linClrLst>
+    <dgm:effectClrLst/>
+    <dgm:txLinClrLst/>
+    <dgm:txFillClrLst meth="repeat">
+      <a:schemeClr val="lt1"/>
+    </dgm:txFillClrLst>
+    <dgm:txEffectClrLst/>
+  </dgm:styleLbl>
+  <dgm:styleLbl name="sibTrans2D1">
+    <dgm:fillClrLst meth="repeat">
+      <a:schemeClr val="accent1">
+        <a:tint val="60000"/>
+      </a:schemeClr>
+    </dgm:fillClrLst>
+    <dgm:linClrLst meth="repeat">
+      <a:schemeClr val="accent1">
+        <a:tint val="60000"/>
+      </a:schemeClr>
+    </dgm:linClrLst>
+    <dgm:effectClrLst/>
+    <dgm:txLinClrLst/>
+    <dgm:txFillClrLst/>
+    <dgm:txEffectClrLst/>
+  </dgm:styleLbl>
+  <dgm:styleLbl name="fgSibTrans2D1">
+    <dgm:fillClrLst meth="repeat">
+      <a:schemeClr val="accent1">
+        <a:tint val="60000"/>
+      </a:schemeClr>
+    </dgm:fillClrLst>
+    <dgm:linClrLst meth="repeat">
+      <a:schemeClr val="accent1">
+        <a:tint val="60000"/>
+      </a:schemeClr>
+    </dgm:linClrLst>
+    <dgm:effectClrLst/>
+    <dgm:txLinClrLst/>
+    <dgm:txFillClrLst/>
+    <dgm:txEffectClrLst/>
+  </dgm:styleLbl>
+  <dgm:styleLbl name="bgSibTrans2D1">
+    <dgm:fillClrLst meth="repeat">
+      <a:schemeClr val="accent1">
+        <a:tint val="60000"/>
+      </a:schemeClr>
+    </dgm:fillClrLst>
+    <dgm:linClrLst meth="repeat">
+      <a:schemeClr val="accent1">
+        <a:tint val="60000"/>
+      </a:schemeClr>
+    </dgm:linClrLst>
+    <dgm:effectClrLst/>
+    <dgm:txLinClrLst/>
+    <dgm:txFillClrLst/>
+    <dgm:txEffectClrLst/>
+  </dgm:styleLbl>
+  <dgm:styleLbl name="sibTrans1D1">
+    <dgm:fillClrLst meth="repeat">
+      <a:schemeClr val="accent1"/>
+    </dgm:fillClrLst>
+    <dgm:linClrLst meth="repeat">
+      <a:schemeClr val="accent1"/>
+    </dgm:linClrLst>
+    <dgm:effectClrLst/>
+    <dgm:txLinClrLst/>
+    <dgm:txFillClrLst meth="repeat">
+      <a:schemeClr val="tx1"/>
+    </dgm:txFillClrLst>
+    <dgm:txEffectClrLst/>
+  </dgm:styleLbl>
+  <dgm:styleLbl name="callout">
+    <dgm:fillClrLst meth="repeat">
+      <a:schemeClr val="accent1"/>
+    </dgm:fillClrLst>
+    <dgm:linClrLst meth="repeat">
+      <a:schemeClr val="accent1">
+        <a:tint val="50000"/>
+      </a:schemeClr>
+    </dgm:linClrLst>
+    <dgm:effectClrLst/>
+    <dgm:txLinClrLst/>
+    <dgm:txFillClrLst meth="repeat">
+      <a:schemeClr val="tx1"/>
+    </dgm:txFillClrLst>
+    <dgm:txEffectClrLst/>
+  </dgm:styleLbl>
+  <dgm:styleLbl name="asst0">
+    <dgm:fillClrLst meth="repeat">
+      <a:schemeClr val="accent1"/>
+    </dgm:fillClrLst>
+    <dgm:linClrLst meth="repeat">
+      <a:schemeClr val="lt1"/>
+    </dgm:linClrLst>
+    <dgm:effectClrLst/>
+    <dgm:txLinClrLst/>
+    <dgm:txFillClrLst/>
+    <dgm:txEffectClrLst/>
+  </dgm:styleLbl>
+  <dgm:styleLbl name="asst1">
+    <dgm:fillClrLst meth="repeat">
+      <a:schemeClr val="accent1"/>
+    </dgm:fillClrLst>
+    <dgm:linClrLst meth="repeat">
+      <a:schemeClr val="lt1"/>
+    </dgm:linClrLst>
+    <dgm:effectClrLst/>
+    <dgm:txLinClrLst/>
+    <dgm:txFillClrLst/>
+    <dgm:txEffectClrLst/>
+  </dgm:styleLbl>
+  <dgm:styleLbl name="asst2">
+    <dgm:fillClrLst meth="repeat">
+      <a:schemeClr val="accent1"/>
+    </dgm:fillClrLst>
+    <dgm:linClrLst meth="repeat">
+      <a:schemeClr val="lt1"/>
+    </dgm:linClrLst>
+    <dgm:effectClrLst/>
+    <dgm:txLinClrLst/>
+    <dgm:txFillClrLst/>
+    <dgm:txEffectClrLst/>
+  </dgm:styleLbl>
+  <dgm:styleLbl name="asst3">
+    <dgm:fillClrLst meth="repeat">
+      <a:schemeClr val="accent1"/>
+    </dgm:fillClrLst>
+    <dgm:linClrLst meth="repeat">
+      <a:schemeClr val="lt1"/>
+    </dgm:linClrLst>
+    <dgm:effectClrLst/>
+    <dgm:txLinClrLst/>
+    <dgm:txFillClrLst/>
+    <dgm:txEffectClrLst/>
+  </dgm:styleLbl>
+  <dgm:styleLbl name="asst4">
+    <dgm:fillClrLst meth="repeat">
+      <a:schemeClr val="accent1"/>
+    </dgm:fillClrLst>
+    <dgm:linClrLst meth="repeat">
+      <a:schemeClr val="lt1"/>
+    </dgm:linClrLst>
+    <dgm:effectClrLst/>
+    <dgm:txLinClrLst/>
+    <dgm:txFillClrLst/>
+    <dgm:txEffectClrLst/>
+  </dgm:styleLbl>
+  <dgm:styleLbl name="parChTrans2D1">
+    <dgm:fillClrLst meth="repeat">
+      <a:schemeClr val="accent1">
+        <a:tint val="60000"/>
+      </a:schemeClr>
+    </dgm:fillClrLst>
+    <dgm:linClrLst meth="repeat">
+      <a:schemeClr val="accent1">
+        <a:tint val="60000"/>
+      </a:schemeClr>
+    </dgm:linClrLst>
+    <dgm:effectClrLst/>
+    <dgm:txLinClrLst/>
+    <dgm:txFillClrLst meth="repeat">
+      <a:schemeClr val="lt1"/>
+    </dgm:txFillClrLst>
+    <dgm:txEffectClrLst/>
+  </dgm:styleLbl>
+  <dgm:styleLbl name="parChTrans2D2">
+    <dgm:fillClrLst meth="repeat">
+      <a:schemeClr val="accent1"/>
+    </dgm:fillClrLst>
+    <dgm:linClrLst meth="repeat">
+      <a:schemeClr val="accent1"/>
+    </dgm:linClrLst>
+    <dgm:effectClrLst/>
+    <dgm:txLinClrLst/>
+    <dgm:txFillClrLst meth="repeat">
+      <a:schemeClr val="lt1"/>
+    </dgm:txFillClrLst>
+    <dgm:txEffectClrLst/>
+  </dgm:styleLbl>
+  <dgm:styleLbl name="parChTrans2D3">
+    <dgm:fillClrLst meth="repeat">
+      <a:schemeClr val="accent1"/>
+    </dgm:fillClrLst>
+    <dgm:linClrLst meth="repeat">
+      <a:schemeClr val="accent1"/>
+    </dgm:linClrLst>
+    <dgm:effectClrLst/>
+    <dgm:txLinClrLst/>
+    <dgm:txFillClrLst meth="repeat">
+      <a:schemeClr val="lt1"/>
+    </dgm:txFillClrLst>
+    <dgm:txEffectClrLst/>
+  </dgm:styleLbl>
+  <dgm:styleLbl name="parChTrans2D4">
+    <dgm:fillClrLst meth="repeat">
+      <a:schemeClr val="accent1"/>
+    </dgm:fillClrLst>
+    <dgm:linClrLst meth="repeat">
+      <a:schemeClr val="accent1"/>
+    </dgm:linClrLst>
+    <dgm:effectClrLst/>
+    <dgm:txLinClrLst/>
+    <dgm:txFillClrLst meth="repeat">
+      <a:schemeClr val="lt1"/>
+    </dgm:txFillClrLst>
+    <dgm:txEffectClrLst/>
+  </dgm:styleLbl>
+  <dgm:styleLbl name="parChTrans1D1">
+    <dgm:fillClrLst meth="repeat">
+      <a:schemeClr val="accent1"/>
+    </dgm:fillClrLst>
+    <dgm:linClrLst meth="repeat">
+      <a:schemeClr val="accent1">
+        <a:shade val="60000"/>
+      </a:schemeClr>
+    </dgm:linClrLst>
+    <dgm:effectClrLst/>
+    <dgm:txLinClrLst/>
+    <dgm:txFillClrLst meth="repeat">
+      <a:schemeClr val="tx1"/>
+    </dgm:txFillClrLst>
+    <dgm:txEffectClrLst/>
+  </dgm:styleLbl>
+  <dgm:styleLbl name="parChTrans1D2">
+    <dgm:fillClrLst meth="repeat">
+      <a:schemeClr val="accent1"/>
+    </dgm:fillClrLst>
+    <dgm:linClrLst meth="repeat">
+      <a:schemeClr val="accent1">
+        <a:shade val="60000"/>
+      </a:schemeClr>
+    </dgm:linClrLst>
+    <dgm:effectClrLst/>
+    <dgm:txLinClrLst/>
+    <dgm:txFillClrLst meth="repeat">
+      <a:schemeClr val="tx1"/>
+    </dgm:txFillClrLst>
+    <dgm:txEffectClrLst/>
+  </dgm:styleLbl>
+  <dgm:styleLbl name="parChTrans1D3">
+    <dgm:fillClrLst meth="repeat">
+      <a:schemeClr val="accent1"/>
+    </dgm:fillClrLst>
+    <dgm:linClrLst meth="repeat">
+      <a:schemeClr val="accent1">
+        <a:shade val="80000"/>
+      </a:schemeClr>
+    </dgm:linClrLst>
+    <dgm:effectClrLst/>
+    <dgm:txLinClrLst/>
+    <dgm:txFillClrLst meth="repeat">
+      <a:schemeClr val="tx1"/>
+    </dgm:txFillClrLst>
+    <dgm:txEffectClrLst/>
+  </dgm:styleLbl>
+  <dgm:styleLbl name="parChTrans1D4">
+    <dgm:fillClrLst meth="repeat">
+      <a:schemeClr val="accent1"/>
+    </dgm:fillClrLst>
+    <dgm:linClrLst meth="repeat">
+      <a:schemeClr val="accent1">
+        <a:shade val="80000"/>
+      </a:schemeClr>
+    </dgm:linClrLst>
+    <dgm:effectClrLst/>
+    <dgm:txLinClrLst/>
+    <dgm:txFillClrLst meth="repeat">
+      <a:schemeClr val="tx1"/>
+    </dgm:txFillClrLst>
+    <dgm:txEffectClrLst/>
+  </dgm:styleLbl>
+  <dgm:styleLbl name="fgAcc1">
+    <dgm:fillClrLst meth="repeat">
+      <a:schemeClr val="lt1">
+        <a:alpha val="90000"/>
+      </a:schemeClr>
+    </dgm:fillClrLst>
+    <dgm:linClrLst meth="repeat">
+      <a:schemeClr val="accent1"/>
+    </dgm:linClrLst>
+    <dgm:effectClrLst/>
+    <dgm:txLinClrLst/>
+    <dgm:txFillClrLst meth="repeat">
+      <a:schemeClr val="dk1"/>
+    </dgm:txFillClrLst>
+    <dgm:txEffectClrLst/>
+  </dgm:styleLbl>
+  <dgm:styleLbl name="conFgAcc1">
+    <dgm:fillClrLst meth="repeat">
+      <a:schemeClr val="lt1">
+        <a:alpha val="90000"/>
+      </a:schemeClr>
+    </dgm:fillClrLst>
+    <dgm:linClrLst meth="repeat">
+      <a:schemeClr val="accent1"/>
+    </dgm:linClrLst>
+    <dgm:effectClrLst/>
+    <dgm:txLinClrLst/>
+    <dgm:txFillClrLst meth="repeat">
+      <a:schemeClr val="dk1"/>
+    </dgm:txFillClrLst>
+    <dgm:txEffectClrLst/>
+  </dgm:styleLbl>
+  <dgm:styleLbl name="alignAcc1">
+    <dgm:fillClrLst meth="repeat">
+      <a:schemeClr val="lt1">
+        <a:alpha val="90000"/>
+      </a:schemeClr>
+    </dgm:fillClrLst>
+    <dgm:linClrLst meth="repeat">
+      <a:schemeClr val="accent1"/>
+    </dgm:linClrLst>
+    <dgm:effectClrLst/>
+    <dgm:txLinClrLst/>
+    <dgm:txFillClrLst meth="repeat">
+      <a:schemeClr val="dk1"/>
+    </dgm:txFillClrLst>
+    <dgm:txEffectClrLst/>
+  </dgm:styleLbl>
+  <dgm:styleLbl name="trAlignAcc1">
+    <dgm:fillClrLst meth="repeat">
+      <a:schemeClr val="lt1">
+        <a:alpha val="40000"/>
+      </a:schemeClr>
+    </dgm:fillClrLst>
+    <dgm:linClrLst meth="repeat">
+      <a:schemeClr val="accent1"/>
+    </dgm:linClrLst>
+    <dgm:effectClrLst/>
+    <dgm:txLinClrLst/>
+    <dgm:txFillClrLst meth="repeat">
+      <a:schemeClr val="dk1"/>
+    </dgm:txFillClrLst>
+    <dgm:txEffectClrLst/>
+  </dgm:styleLbl>
+  <dgm:styleLbl name="bgAcc1">
+    <dgm:fillClrLst meth="repeat">
+      <a:schemeClr val="lt1">
+        <a:alpha val="90000"/>
+      </a:schemeClr>
+    </dgm:fillClrLst>
+    <dgm:linClrLst meth="repeat">
+      <a:schemeClr val="accent1"/>
+    </dgm:linClrLst>
+    <dgm:effectClrLst/>
+    <dgm:txLinClrLst/>
+    <dgm:txFillClrLst meth="repeat">
+      <a:schemeClr val="dk1"/>
+    </dgm:txFillClrLst>
+    <dgm:txEffectClrLst/>
+  </dgm:styleLbl>
+  <dgm:styleLbl name="solidFgAcc1">
+    <dgm:fillClrLst meth="repeat">
+      <a:schemeClr val="lt1"/>
+    </dgm:fillClrLst>
+    <dgm:linClrLst meth="repeat">
+      <a:schemeClr val="accent1"/>
+    </dgm:linClrLst>
+    <dgm:effectClrLst/>
+    <dgm:txLinClrLst/>
+    <dgm:txFillClrLst meth="repeat">
+      <a:schemeClr val="dk1"/>
+    </dgm:txFillClrLst>
+    <dgm:txEffectClrLst/>
+  </dgm:styleLbl>
+  <dgm:styleLbl name="solidAlignAcc1">
+    <dgm:fillClrLst meth="repeat">
+      <a:schemeClr val="lt1"/>
+    </dgm:fillClrLst>
+    <dgm:linClrLst meth="repeat">
+      <a:schemeClr val="accent1"/>
+    </dgm:linClrLst>
+    <dgm:effectClrLst/>
+    <dgm:txLinClrLst/>
+    <dgm:txFillClrLst meth="repeat">
+      <a:schemeClr val="dk1"/>
+    </dgm:txFillClrLst>
+    <dgm:txEffectClrLst/>
+  </dgm:styleLbl>
+  <dgm:styleLbl name="solidBgAcc1">
+    <dgm:fillClrLst meth="repeat">
+      <a:schemeClr val="lt1"/>
+    </dgm:fillClrLst>
+    <dgm:linClrLst meth="repeat">
+      <a:schemeClr val="accent1"/>
+    </dgm:linClrLst>
+    <dgm:effectClrLst/>
+    <dgm:txLinClrLst/>
+    <dgm:txFillClrLst meth="repeat">
+      <a:schemeClr val="dk1"/>
+    </dgm:txFillClrLst>
+    <dgm:txEffectClrLst/>
+  </dgm:styleLbl>
+  <dgm:styleLbl name="fgAccFollowNode1">
+    <dgm:fillClrLst meth="repeat">
+      <a:schemeClr val="accent1">
+        <a:alpha val="90000"/>
+        <a:tint val="40000"/>
+      </a:schemeClr>
+    </dgm:fillClrLst>
+    <dgm:linClrLst meth="repeat">
+      <a:schemeClr val="accent1">
+        <a:alpha val="90000"/>
+        <a:tint val="40000"/>
+      </a:schemeClr>
+    </dgm:linClrLst>
+    <dgm:effectClrLst/>
+    <dgm:txLinClrLst/>
+    <dgm:txFillClrLst meth="repeat">
+      <a:schemeClr val="dk1"/>
+    </dgm:txFillClrLst>
+    <dgm:txEffectClrLst/>
+  </dgm:styleLbl>
+  <dgm:styleLbl name="alignAccFollowNode1">
+    <dgm:fillClrLst meth="repeat">
+      <a:schemeClr val="accent1">
+        <a:alpha val="90000"/>
+        <a:tint val="40000"/>
+      </a:schemeClr>
+    </dgm:fillClrLst>
+    <dgm:linClrLst meth="repeat">
+      <a:schemeClr val="accent1">
+        <a:alpha val="90000"/>
+        <a:tint val="40000"/>
+      </a:schemeClr>
+    </dgm:linClrLst>
+    <dgm:effectClrLst/>
+    <dgm:txLinClrLst/>
+    <dgm:txFillClrLst meth="repeat">
+      <a:schemeClr val="dk1"/>
+    </dgm:txFillClrLst>
+    <dgm:txEffectClrLst/>
+  </dgm:styleLbl>
+  <dgm:styleLbl name="bgAccFollowNode1">
+    <dgm:fillClrLst meth="repeat">
+      <a:schemeClr val="accent1">
+        <a:alpha val="90000"/>
+        <a:tint val="40000"/>
+      </a:schemeClr>
+    </dgm:fillClrLst>
+    <dgm:linClrLst meth="repeat">
+      <a:schemeClr val="accent1">
+        <a:alpha val="90000"/>
+        <a:tint val="40000"/>
+      </a:schemeClr>
+    </dgm:linClrLst>
+    <dgm:effectClrLst/>
+    <dgm:txLinClrLst/>
+    <dgm:txFillClrLst meth="repeat">
+      <a:schemeClr val="dk1"/>
+    </dgm:txFillClrLst>
+    <dgm:txEffectClrLst/>
+  </dgm:styleLbl>
+  <dgm:styleLbl name="fgAcc0">
+    <dgm:fillClrLst meth="repeat">
+      <a:schemeClr val="lt1">
+        <a:alpha val="90000"/>
+      </a:schemeClr>
+    </dgm:fillClrLst>
+    <dgm:linClrLst meth="repeat">
+      <a:schemeClr val="accent1"/>
+    </dgm:linClrLst>
+    <dgm:effectClrLst/>
+    <dgm:txLinClrLst/>
+    <dgm:txFillClrLst meth="repeat">
+      <a:schemeClr val="dk1"/>
+    </dgm:txFillClrLst>
+    <dgm:txEffectClrLst/>
+  </dgm:styleLbl>
+  <dgm:styleLbl name="fgAcc2">
+    <dgm:fillClrLst meth="repeat">
+      <a:schemeClr val="lt1">
+        <a:alpha val="90000"/>
+      </a:schemeClr>
+    </dgm:fillClrLst>
+    <dgm:linClrLst meth="repeat">
+      <a:schemeClr val="accent1"/>
+    </dgm:linClrLst>
+    <dgm:effectClrLst/>
+    <dgm:txLinClrLst/>
+    <dgm:txFillClrLst meth="repeat">
+      <a:schemeClr val="dk1"/>
+    </dgm:txFillClrLst>
+    <dgm:txEffectClrLst/>
+  </dgm:styleLbl>
+  <dgm:styleLbl name="fgAcc3">
+    <dgm:fillClrLst meth="repeat">
+      <a:schemeClr val="lt1">
+        <a:alpha val="90000"/>
+      </a:schemeClr>
+    </dgm:fillClrLst>
+    <dgm:linClrLst meth="repeat">
+      <a:schemeClr val="accent1"/>
+    </dgm:linClrLst>
+    <dgm:effectClrLst/>
+    <dgm:txLinClrLst/>
+    <dgm:txFillClrLst meth="repeat">
+      <a:schemeClr val="dk1"/>
+    </dgm:txFillClrLst>
+    <dgm:txEffectClrLst/>
+  </dgm:styleLbl>
+  <dgm:styleLbl name="fgAcc4">
+    <dgm:fillClrLst meth="repeat">
+      <a:schemeClr val="lt1">
+        <a:alpha val="90000"/>
+      </a:schemeClr>
+    </dgm:fillClrLst>
+    <dgm:linClrLst meth="repeat">
+      <a:schemeClr val="accent1"/>
+    </dgm:linClrLst>
+    <dgm:effectClrLst/>
+    <dgm:txLinClrLst/>
+    <dgm:txFillClrLst meth="repeat">
+      <a:schemeClr val="dk1"/>
+    </dgm:txFillClrLst>
+    <dgm:txEffectClrLst/>
+  </dgm:styleLbl>
+  <dgm:styleLbl name="bgShp">
+    <dgm:fillClrLst meth="repeat">
+      <a:schemeClr val="accent1">
+        <a:tint val="40000"/>
+      </a:schemeClr>
+    </dgm:fillClrLst>
+    <dgm:linClrLst meth="repeat">
+      <a:schemeClr val="accent1"/>
+    </dgm:linClrLst>
+    <dgm:effectClrLst/>
+    <dgm:txLinClrLst/>
+    <dgm:txFillClrLst meth="repeat">
+      <a:schemeClr val="dk1"/>
+    </dgm:txFillClrLst>
+    <dgm:txEffectClrLst/>
+  </dgm:styleLbl>
+  <dgm:styleLbl name="dkBgShp">
+    <dgm:fillClrLst meth="repeat">
+      <a:schemeClr val="accent1">
+        <a:shade val="80000"/>
+      </a:schemeClr>
+    </dgm:fillClrLst>
+    <dgm:linClrLst meth="repeat">
+      <a:schemeClr val="accent1"/>
+    </dgm:linClrLst>
+    <dgm:effectClrLst/>
+    <dgm:txLinClrLst/>
+    <dgm:txFillClrLst meth="repeat">
+      <a:schemeClr val="lt1"/>
+    </dgm:txFillClrLst>
+    <dgm:txEffectClrLst/>
+  </dgm:styleLbl>
+  <dgm:styleLbl name="trBgShp">
+    <dgm:fillClrLst meth="repeat">
+      <a:schemeClr val="accent1">
+        <a:tint val="50000"/>
+        <a:alpha val="40000"/>
+      </a:schemeClr>
+    </dgm:fillClrLst>
+    <dgm:linClrLst meth="repeat">
+      <a:schemeClr val="accent1"/>
+    </dgm:linClrLst>
+    <dgm:effectClrLst/>
+    <dgm:txLinClrLst/>
+    <dgm:txFillClrLst meth="repeat">
+      <a:schemeClr val="lt1"/>
+    </dgm:txFillClrLst>
+    <dgm:txEffectClrLst/>
+  </dgm:styleLbl>
+  <dgm:styleLbl name="fgShp">
+    <dgm:fillClrLst meth="repeat">
+      <a:schemeClr val="accent1">
+        <a:tint val="60000"/>
+      </a:schemeClr>
+    </dgm:fillClrLst>
+    <dgm:linClrLst meth="repeat">
+      <a:schemeClr val="lt1"/>
+    </dgm:linClrLst>
+    <dgm:effectClrLst/>
+    <dgm:txLinClrLst/>
+    <dgm:txFillClrLst meth="repeat">
+      <a:schemeClr val="dk1"/>
+    </dgm:txFillClrLst>
+    <dgm:txEffectClrLst/>
+  </dgm:styleLbl>
+  <dgm:styleLbl name="revTx">
+    <dgm:fillClrLst meth="repeat">
+      <a:schemeClr val="lt1">
+        <a:alpha val="0"/>
+      </a:schemeClr>
+    </dgm:fillClrLst>
+    <dgm:linClrLst meth="repeat">
+      <a:schemeClr val="dk1">
+        <a:alpha val="0"/>
+      </a:schemeClr>
+    </dgm:linClrLst>
+    <dgm:effectClrLst/>
+    <dgm:txLinClrLst/>
+    <dgm:txFillClrLst meth="repeat">
+      <a:schemeClr val="tx1"/>
+    </dgm:txFillClrLst>
+    <dgm:txEffectClrLst/>
+  </dgm:styleLbl>
+</dgm:colorsDef>
+</file>
+
+<file path=ppt/diagrams/data1.xml><?xml version="1.0" encoding="utf-8"?>
+<dgm:dataModel xmlns:dgm="http://schemas.openxmlformats.org/drawingml/2006/diagram" xmlns:a="http://schemas.openxmlformats.org/drawingml/2006/main">
+  <dgm:ptLst>
+    <dgm:pt modelId="{4EF7A2BF-1162-4E72-8712-478D03FEF256}" type="doc">
+      <dgm:prSet loTypeId="urn:microsoft.com/office/officeart/2018/2/layout/IconLabelDescriptionList" loCatId="icon" qsTypeId="urn:microsoft.com/office/officeart/2005/8/quickstyle/simple1" qsCatId="simple" csTypeId="urn:microsoft.com/office/officeart/2005/8/colors/accent1_2" csCatId="accent1" phldr="1"/>
+      <dgm:spPr/>
+      <dgm:t>
+        <a:bodyPr/>
+        <a:lstStyle/>
+        <a:p>
+          <a:endParaRPr lang="en-US"/>
+        </a:p>
+      </dgm:t>
+    </dgm:pt>
+    <dgm:pt modelId="{431DCDA1-D5BC-4B12-A71D-A825F29858A8}">
+      <dgm:prSet custT="1"/>
+      <dgm:spPr/>
+      <dgm:t>
+        <a:bodyPr/>
+        <a:lstStyle/>
+        <a:p>
+          <a:pPr>
+            <a:lnSpc>
+              <a:spcPct val="100000"/>
+            </a:lnSpc>
+            <a:defRPr b="1"/>
+          </a:pPr>
+          <a:r>
+            <a:rPr lang="pt-PT" sz="1800" dirty="0"/>
+            <a:t>Considera-se muito relevante para a experiência académica dos alunos do ISEL a divulgação eficaz dos horários e localização das salas de aula e locais de convivência.</a:t>
+          </a:r>
+          <a:endParaRPr lang="en-US" sz="1800" dirty="0"/>
+        </a:p>
+      </dgm:t>
+    </dgm:pt>
+    <dgm:pt modelId="{EF7AD61C-3B19-47AF-A073-A0611F9768FB}" type="parTrans" cxnId="{4CAD1C58-1463-4492-AD7F-736F12252C95}">
+      <dgm:prSet/>
+      <dgm:spPr/>
+      <dgm:t>
+        <a:bodyPr/>
+        <a:lstStyle/>
+        <a:p>
+          <a:endParaRPr lang="en-US"/>
+        </a:p>
+      </dgm:t>
+    </dgm:pt>
+    <dgm:pt modelId="{C6310D9D-94AC-42B7-AC3E-F2432206B632}" type="sibTrans" cxnId="{4CAD1C58-1463-4492-AD7F-736F12252C95}">
+      <dgm:prSet/>
+      <dgm:spPr/>
+      <dgm:t>
+        <a:bodyPr/>
+        <a:lstStyle/>
+        <a:p>
+          <a:endParaRPr lang="en-US"/>
+        </a:p>
+      </dgm:t>
+    </dgm:pt>
+    <dgm:pt modelId="{F979BE77-67D2-44D4-B934-B8E08EC6BFD2}">
+      <dgm:prSet custT="1"/>
+      <dgm:spPr/>
+      <dgm:t>
+        <a:bodyPr/>
+        <a:lstStyle/>
+        <a:p>
+          <a:pPr>
+            <a:lnSpc>
+              <a:spcPct val="100000"/>
+            </a:lnSpc>
+            <a:defRPr b="1"/>
+          </a:pPr>
+          <a:r>
+            <a:rPr lang="pt-PT" sz="1800" b="1" dirty="0"/>
+            <a:t>Problema atual: </a:t>
+          </a:r>
+          <a:endParaRPr lang="en-US" sz="1800" dirty="0"/>
+        </a:p>
+      </dgm:t>
+    </dgm:pt>
+    <dgm:pt modelId="{B006C7B6-4604-4A12-A675-7963DD17C871}" type="parTrans" cxnId="{3DBA38DF-E275-49B5-960E-7D4829398CE3}">
+      <dgm:prSet/>
+      <dgm:spPr/>
+      <dgm:t>
+        <a:bodyPr/>
+        <a:lstStyle/>
+        <a:p>
+          <a:endParaRPr lang="en-US"/>
+        </a:p>
+      </dgm:t>
+    </dgm:pt>
+    <dgm:pt modelId="{A5E47AC2-83A3-4511-AF12-98B2C6A3DAEC}" type="sibTrans" cxnId="{3DBA38DF-E275-49B5-960E-7D4829398CE3}">
+      <dgm:prSet/>
+      <dgm:spPr/>
+      <dgm:t>
+        <a:bodyPr/>
+        <a:lstStyle/>
+        <a:p>
+          <a:endParaRPr lang="en-US"/>
+        </a:p>
+      </dgm:t>
+    </dgm:pt>
+    <dgm:pt modelId="{9227C6FD-3232-45DF-B832-6D04ADF46837}">
+      <dgm:prSet custT="1"/>
+      <dgm:spPr/>
+      <dgm:t>
+        <a:bodyPr/>
+        <a:lstStyle/>
+        <a:p>
+          <a:pPr>
+            <a:lnSpc>
+              <a:spcPct val="100000"/>
+            </a:lnSpc>
+          </a:pPr>
+          <a:r>
+            <a:rPr lang="pt-PT" sz="1400" dirty="0"/>
+            <a:t>Horários de difícil legibilidade e falta de informação sobre locais de interesse.</a:t>
+          </a:r>
+          <a:endParaRPr lang="en-US" sz="1400" dirty="0"/>
+        </a:p>
+      </dgm:t>
+    </dgm:pt>
+    <dgm:pt modelId="{E55D4B11-4509-4B24-AE2B-B8BF63DE569B}" type="parTrans" cxnId="{9EE9D0F9-3F44-4294-8DBD-E390F81EA86C}">
+      <dgm:prSet/>
+      <dgm:spPr/>
+      <dgm:t>
+        <a:bodyPr/>
+        <a:lstStyle/>
+        <a:p>
+          <a:endParaRPr lang="en-US"/>
+        </a:p>
+      </dgm:t>
+    </dgm:pt>
+    <dgm:pt modelId="{C3CE380B-4698-4BA3-83B2-B10C326E64CD}" type="sibTrans" cxnId="{9EE9D0F9-3F44-4294-8DBD-E390F81EA86C}">
+      <dgm:prSet/>
+      <dgm:spPr/>
+      <dgm:t>
+        <a:bodyPr/>
+        <a:lstStyle/>
+        <a:p>
+          <a:endParaRPr lang="en-US"/>
+        </a:p>
+      </dgm:t>
+    </dgm:pt>
+    <dgm:pt modelId="{171F0049-D0E8-4B69-8ACA-E2B48B2A0A8A}">
+      <dgm:prSet custT="1"/>
+      <dgm:spPr/>
+      <dgm:t>
+        <a:bodyPr/>
+        <a:lstStyle/>
+        <a:p>
+          <a:pPr>
+            <a:lnSpc>
+              <a:spcPct val="100000"/>
+            </a:lnSpc>
+            <a:defRPr b="1"/>
+          </a:pPr>
+          <a:r>
+            <a:rPr lang="pt-PT" sz="1800" b="1" dirty="0"/>
+            <a:t>Objetivo do projeto: </a:t>
+          </a:r>
+          <a:endParaRPr lang="en-US" sz="1800" dirty="0"/>
+        </a:p>
+      </dgm:t>
+    </dgm:pt>
+    <dgm:pt modelId="{B23EE5E7-3A7D-4571-A00C-335007CC1DEA}" type="parTrans" cxnId="{D8854067-74F8-4030-AA0C-6BFE9C8AA5EB}">
+      <dgm:prSet/>
+      <dgm:spPr/>
+      <dgm:t>
+        <a:bodyPr/>
+        <a:lstStyle/>
+        <a:p>
+          <a:endParaRPr lang="en-US"/>
+        </a:p>
+      </dgm:t>
+    </dgm:pt>
+    <dgm:pt modelId="{56C79E8F-675E-4C50-990A-49FA3221C40B}" type="sibTrans" cxnId="{D8854067-74F8-4030-AA0C-6BFE9C8AA5EB}">
+      <dgm:prSet/>
+      <dgm:spPr/>
+      <dgm:t>
+        <a:bodyPr/>
+        <a:lstStyle/>
+        <a:p>
+          <a:endParaRPr lang="en-US"/>
+        </a:p>
+      </dgm:t>
+    </dgm:pt>
+    <dgm:pt modelId="{A57102FE-2E1D-41BE-B064-9FE4E686092A}">
+      <dgm:prSet custT="1"/>
+      <dgm:spPr/>
+      <dgm:t>
+        <a:bodyPr/>
+        <a:lstStyle/>
+        <a:p>
+          <a:pPr>
+            <a:lnSpc>
+              <a:spcPct val="100000"/>
+            </a:lnSpc>
+          </a:pPr>
+          <a:r>
+            <a:rPr lang="pt-PT" sz="1400" dirty="0"/>
+            <a:t>Desenvolver uma aplicação que permita aos alunos visualizar os horários de forma dinâmica e obter informações sobre a localização de pontos de interesse no campus.</a:t>
+          </a:r>
+          <a:endParaRPr lang="en-US" sz="1400" dirty="0"/>
+        </a:p>
+      </dgm:t>
+    </dgm:pt>
+    <dgm:pt modelId="{87619F27-652F-470A-A259-B0D14A61B0CC}" type="parTrans" cxnId="{86EA3533-76C0-4296-A7B3-08B06FF2D8E0}">
+      <dgm:prSet/>
+      <dgm:spPr/>
+      <dgm:t>
+        <a:bodyPr/>
+        <a:lstStyle/>
+        <a:p>
+          <a:endParaRPr lang="en-US"/>
+        </a:p>
+      </dgm:t>
+    </dgm:pt>
+    <dgm:pt modelId="{5F51F279-8405-4614-BE7D-E4B130EA9E7E}" type="sibTrans" cxnId="{86EA3533-76C0-4296-A7B3-08B06FF2D8E0}">
+      <dgm:prSet/>
+      <dgm:spPr/>
+      <dgm:t>
+        <a:bodyPr/>
+        <a:lstStyle/>
+        <a:p>
+          <a:endParaRPr lang="en-US"/>
+        </a:p>
+      </dgm:t>
+    </dgm:pt>
+    <dgm:pt modelId="{3348AA30-F9D2-4215-A8B5-C3B5A1AC99D2}" type="pres">
+      <dgm:prSet presAssocID="{4EF7A2BF-1162-4E72-8712-478D03FEF256}" presName="root" presStyleCnt="0">
+        <dgm:presLayoutVars>
+          <dgm:dir/>
+          <dgm:resizeHandles val="exact"/>
+        </dgm:presLayoutVars>
+      </dgm:prSet>
+      <dgm:spPr/>
+    </dgm:pt>
+    <dgm:pt modelId="{D31BDBC5-DCA2-408C-9814-6AD1B918A03A}" type="pres">
+      <dgm:prSet presAssocID="{431DCDA1-D5BC-4B12-A71D-A825F29858A8}" presName="compNode" presStyleCnt="0"/>
+      <dgm:spPr/>
+    </dgm:pt>
+    <dgm:pt modelId="{A90A3A19-E026-43E8-8259-BB2DEA163EA0}" type="pres">
+      <dgm:prSet presAssocID="{431DCDA1-D5BC-4B12-A71D-A825F29858A8}" presName="iconRect" presStyleLbl="node1" presStyleIdx="0" presStyleCnt="3"/>
+      <dgm:spPr>
+        <a:blipFill>
+          <a:blip xmlns:r="http://schemas.openxmlformats.org/officeDocument/2006/relationships" r:embed="rId1">
+            <a:extLst>
+              <a:ext uri="{28A0092B-C50C-407E-A947-70E740481C1C}">
+                <a14:useLocalDpi xmlns:a14="http://schemas.microsoft.com/office/drawing/2010/main" val="0"/>
+              </a:ext>
+              <a:ext uri="{96DAC541-7B7A-43D3-8B79-37D633B846F1}">
+                <asvg:svgBlip xmlns:asvg="http://schemas.microsoft.com/office/drawing/2016/SVG/main" r:embed="rId2"/>
+              </a:ext>
+            </a:extLst>
+          </a:blip>
+          <a:stretch>
+            <a:fillRect/>
+          </a:stretch>
+        </a:blipFill>
+      </dgm:spPr>
+      <dgm:extLst>
+        <a:ext uri="{E40237B7-FDA0-4F09-8148-C483321AD2D9}">
+          <dgm14:cNvPr xmlns:dgm14="http://schemas.microsoft.com/office/drawing/2010/diagram" id="0" name="" descr="Sala de Aulas"/>
+        </a:ext>
+      </dgm:extLst>
+    </dgm:pt>
+    <dgm:pt modelId="{02E897E3-D736-4A55-898A-5D49B76D2387}" type="pres">
+      <dgm:prSet presAssocID="{431DCDA1-D5BC-4B12-A71D-A825F29858A8}" presName="iconSpace" presStyleCnt="0"/>
+      <dgm:spPr/>
+    </dgm:pt>
+    <dgm:pt modelId="{CE34DC0C-6FCE-493A-AABB-A2373C474301}" type="pres">
+      <dgm:prSet presAssocID="{431DCDA1-D5BC-4B12-A71D-A825F29858A8}" presName="parTx" presStyleLbl="revTx" presStyleIdx="0" presStyleCnt="6">
+        <dgm:presLayoutVars>
+          <dgm:chMax val="0"/>
+          <dgm:chPref val="0"/>
+        </dgm:presLayoutVars>
+      </dgm:prSet>
+      <dgm:spPr/>
+    </dgm:pt>
+    <dgm:pt modelId="{E3043AA5-6C6B-4976-9FAD-1B40E9266218}" type="pres">
+      <dgm:prSet presAssocID="{431DCDA1-D5BC-4B12-A71D-A825F29858A8}" presName="txSpace" presStyleCnt="0"/>
+      <dgm:spPr/>
+    </dgm:pt>
+    <dgm:pt modelId="{68D6B463-E0CB-43C7-A470-8331E89BD052}" type="pres">
+      <dgm:prSet presAssocID="{431DCDA1-D5BC-4B12-A71D-A825F29858A8}" presName="desTx" presStyleLbl="revTx" presStyleIdx="1" presStyleCnt="6">
+        <dgm:presLayoutVars/>
+      </dgm:prSet>
+      <dgm:spPr/>
+    </dgm:pt>
+    <dgm:pt modelId="{5DFC07D7-E453-41F9-9B4C-69BAB1CBB61A}" type="pres">
+      <dgm:prSet presAssocID="{C6310D9D-94AC-42B7-AC3E-F2432206B632}" presName="sibTrans" presStyleCnt="0"/>
+      <dgm:spPr/>
+    </dgm:pt>
+    <dgm:pt modelId="{446C7EE5-8025-4BCE-BB54-21CBB48B51B1}" type="pres">
+      <dgm:prSet presAssocID="{F979BE77-67D2-44D4-B934-B8E08EC6BFD2}" presName="compNode" presStyleCnt="0"/>
+      <dgm:spPr/>
+    </dgm:pt>
+    <dgm:pt modelId="{BACA9D20-9A29-41C7-8A2F-189DA9806CA5}" type="pres">
+      <dgm:prSet presAssocID="{F979BE77-67D2-44D4-B934-B8E08EC6BFD2}" presName="iconRect" presStyleLbl="node1" presStyleIdx="1" presStyleCnt="3"/>
+      <dgm:spPr>
+        <a:blipFill>
+          <a:blip xmlns:r="http://schemas.openxmlformats.org/officeDocument/2006/relationships" r:embed="rId3">
+            <a:extLst>
+              <a:ext uri="{28A0092B-C50C-407E-A947-70E740481C1C}">
+                <a14:useLocalDpi xmlns:a14="http://schemas.microsoft.com/office/drawing/2010/main" val="0"/>
+              </a:ext>
+              <a:ext uri="{96DAC541-7B7A-43D3-8B79-37D633B846F1}">
+                <asvg:svgBlip xmlns:asvg="http://schemas.microsoft.com/office/drawing/2016/SVG/main" r:embed="rId4"/>
+              </a:ext>
+            </a:extLst>
+          </a:blip>
+          <a:stretch>
+            <a:fillRect/>
+          </a:stretch>
+        </a:blipFill>
+      </dgm:spPr>
+      <dgm:extLst>
+        <a:ext uri="{E40237B7-FDA0-4F09-8148-C483321AD2D9}">
+          <dgm14:cNvPr xmlns:dgm14="http://schemas.microsoft.com/office/drawing/2010/diagram" id="0" name="" descr="Aviso"/>
+        </a:ext>
+      </dgm:extLst>
+    </dgm:pt>
+    <dgm:pt modelId="{8DFD157B-7ED1-4E82-A4B6-DF4BF97FC99B}" type="pres">
+      <dgm:prSet presAssocID="{F979BE77-67D2-44D4-B934-B8E08EC6BFD2}" presName="iconSpace" presStyleCnt="0"/>
+      <dgm:spPr/>
+    </dgm:pt>
+    <dgm:pt modelId="{B83A493A-4FEF-40C9-A2E3-B6475E097089}" type="pres">
+      <dgm:prSet presAssocID="{F979BE77-67D2-44D4-B934-B8E08EC6BFD2}" presName="parTx" presStyleLbl="revTx" presStyleIdx="2" presStyleCnt="6">
+        <dgm:presLayoutVars>
+          <dgm:chMax val="0"/>
+          <dgm:chPref val="0"/>
+        </dgm:presLayoutVars>
+      </dgm:prSet>
+      <dgm:spPr/>
+    </dgm:pt>
+    <dgm:pt modelId="{8844DAFB-6DE8-434A-807E-3B9DED715C41}" type="pres">
+      <dgm:prSet presAssocID="{F979BE77-67D2-44D4-B934-B8E08EC6BFD2}" presName="txSpace" presStyleCnt="0"/>
+      <dgm:spPr/>
+    </dgm:pt>
+    <dgm:pt modelId="{C553EF67-ABD0-4627-B2F5-7F5FAC49C53F}" type="pres">
+      <dgm:prSet presAssocID="{F979BE77-67D2-44D4-B934-B8E08EC6BFD2}" presName="desTx" presStyleLbl="revTx" presStyleIdx="3" presStyleCnt="6" custLinFactY="-30847" custLinFactNeighborX="0" custLinFactNeighborY="-100000">
+        <dgm:presLayoutVars/>
+      </dgm:prSet>
+      <dgm:spPr/>
+    </dgm:pt>
+    <dgm:pt modelId="{714595DF-C3F4-4947-9629-6F6590ADABDC}" type="pres">
+      <dgm:prSet presAssocID="{A5E47AC2-83A3-4511-AF12-98B2C6A3DAEC}" presName="sibTrans" presStyleCnt="0"/>
+      <dgm:spPr/>
+    </dgm:pt>
+    <dgm:pt modelId="{7E828355-7C56-4CF5-B7DB-4E62619F3CE3}" type="pres">
+      <dgm:prSet presAssocID="{171F0049-D0E8-4B69-8ACA-E2B48B2A0A8A}" presName="compNode" presStyleCnt="0"/>
+      <dgm:spPr/>
+    </dgm:pt>
+    <dgm:pt modelId="{068B5471-49B9-43CA-A13E-2DF665C331F9}" type="pres">
+      <dgm:prSet presAssocID="{171F0049-D0E8-4B69-8ACA-E2B48B2A0A8A}" presName="iconRect" presStyleLbl="node1" presStyleIdx="2" presStyleCnt="3"/>
+      <dgm:spPr>
+        <a:blipFill>
+          <a:blip xmlns:r="http://schemas.openxmlformats.org/officeDocument/2006/relationships" r:embed="rId5">
+            <a:extLst>
+              <a:ext uri="{28A0092B-C50C-407E-A947-70E740481C1C}">
+                <a14:useLocalDpi xmlns:a14="http://schemas.microsoft.com/office/drawing/2010/main" val="0"/>
+              </a:ext>
+              <a:ext uri="{96DAC541-7B7A-43D3-8B79-37D633B846F1}">
+                <asvg:svgBlip xmlns:asvg="http://schemas.microsoft.com/office/drawing/2016/SVG/main" r:embed="rId6"/>
+              </a:ext>
+            </a:extLst>
+          </a:blip>
+          <a:stretch>
+            <a:fillRect/>
+          </a:stretch>
+        </a:blipFill>
+      </dgm:spPr>
+      <dgm:extLst>
+        <a:ext uri="{E40237B7-FDA0-4F09-8148-C483321AD2D9}">
+          <dgm14:cNvPr xmlns:dgm14="http://schemas.microsoft.com/office/drawing/2010/diagram" id="0" name="" descr="Alvo"/>
+        </a:ext>
+      </dgm:extLst>
+    </dgm:pt>
+    <dgm:pt modelId="{447A5479-D28C-47C4-8826-FD1362868340}" type="pres">
+      <dgm:prSet presAssocID="{171F0049-D0E8-4B69-8ACA-E2B48B2A0A8A}" presName="iconSpace" presStyleCnt="0"/>
+      <dgm:spPr/>
+    </dgm:pt>
+    <dgm:pt modelId="{38DE26D3-4D99-4D6F-9AF3-8690A143AB0F}" type="pres">
+      <dgm:prSet presAssocID="{171F0049-D0E8-4B69-8ACA-E2B48B2A0A8A}" presName="parTx" presStyleLbl="revTx" presStyleIdx="4" presStyleCnt="6">
+        <dgm:presLayoutVars>
+          <dgm:chMax val="0"/>
+          <dgm:chPref val="0"/>
+        </dgm:presLayoutVars>
+      </dgm:prSet>
+      <dgm:spPr/>
+    </dgm:pt>
+    <dgm:pt modelId="{8CFCF5A3-E64C-4926-87BC-4F94E30597BC}" type="pres">
+      <dgm:prSet presAssocID="{171F0049-D0E8-4B69-8ACA-E2B48B2A0A8A}" presName="txSpace" presStyleCnt="0"/>
+      <dgm:spPr/>
+    </dgm:pt>
+    <dgm:pt modelId="{020B2836-03E0-4D6A-99DF-44979992C165}" type="pres">
+      <dgm:prSet presAssocID="{171F0049-D0E8-4B69-8ACA-E2B48B2A0A8A}" presName="desTx" presStyleLbl="revTx" presStyleIdx="5" presStyleCnt="6" custLinFactY="-25864" custLinFactNeighborX="-2775" custLinFactNeighborY="-100000">
+        <dgm:presLayoutVars/>
+      </dgm:prSet>
+      <dgm:spPr/>
+    </dgm:pt>
+  </dgm:ptLst>
+  <dgm:cxnLst>
+    <dgm:cxn modelId="{352E0203-7A88-47A0-8210-CB0928262F9F}" type="presOf" srcId="{A57102FE-2E1D-41BE-B064-9FE4E686092A}" destId="{020B2836-03E0-4D6A-99DF-44979992C165}" srcOrd="0" destOrd="0" presId="urn:microsoft.com/office/officeart/2018/2/layout/IconLabelDescriptionList"/>
+    <dgm:cxn modelId="{86EA3533-76C0-4296-A7B3-08B06FF2D8E0}" srcId="{171F0049-D0E8-4B69-8ACA-E2B48B2A0A8A}" destId="{A57102FE-2E1D-41BE-B064-9FE4E686092A}" srcOrd="0" destOrd="0" parTransId="{87619F27-652F-470A-A259-B0D14A61B0CC}" sibTransId="{5F51F279-8405-4614-BE7D-E4B130EA9E7E}"/>
+    <dgm:cxn modelId="{73F76F46-D347-474C-BB21-68F0D003F75B}" type="presOf" srcId="{431DCDA1-D5BC-4B12-A71D-A825F29858A8}" destId="{CE34DC0C-6FCE-493A-AABB-A2373C474301}" srcOrd="0" destOrd="0" presId="urn:microsoft.com/office/officeart/2018/2/layout/IconLabelDescriptionList"/>
+    <dgm:cxn modelId="{D8854067-74F8-4030-AA0C-6BFE9C8AA5EB}" srcId="{4EF7A2BF-1162-4E72-8712-478D03FEF256}" destId="{171F0049-D0E8-4B69-8ACA-E2B48B2A0A8A}" srcOrd="2" destOrd="0" parTransId="{B23EE5E7-3A7D-4571-A00C-335007CC1DEA}" sibTransId="{56C79E8F-675E-4C50-990A-49FA3221C40B}"/>
+    <dgm:cxn modelId="{4CAD1C58-1463-4492-AD7F-736F12252C95}" srcId="{4EF7A2BF-1162-4E72-8712-478D03FEF256}" destId="{431DCDA1-D5BC-4B12-A71D-A825F29858A8}" srcOrd="0" destOrd="0" parTransId="{EF7AD61C-3B19-47AF-A073-A0611F9768FB}" sibTransId="{C6310D9D-94AC-42B7-AC3E-F2432206B632}"/>
+    <dgm:cxn modelId="{847C4983-EC36-46DA-B024-CF6AD459BA5F}" type="presOf" srcId="{171F0049-D0E8-4B69-8ACA-E2B48B2A0A8A}" destId="{38DE26D3-4D99-4D6F-9AF3-8690A143AB0F}" srcOrd="0" destOrd="0" presId="urn:microsoft.com/office/officeart/2018/2/layout/IconLabelDescriptionList"/>
+    <dgm:cxn modelId="{79E18CA9-A823-482B-9F43-E50D4251AE0D}" type="presOf" srcId="{F979BE77-67D2-44D4-B934-B8E08EC6BFD2}" destId="{B83A493A-4FEF-40C9-A2E3-B6475E097089}" srcOrd="0" destOrd="0" presId="urn:microsoft.com/office/officeart/2018/2/layout/IconLabelDescriptionList"/>
+    <dgm:cxn modelId="{3CA0E8B1-7448-4F02-9689-BFC566CF3FFD}" type="presOf" srcId="{9227C6FD-3232-45DF-B832-6D04ADF46837}" destId="{C553EF67-ABD0-4627-B2F5-7F5FAC49C53F}" srcOrd="0" destOrd="0" presId="urn:microsoft.com/office/officeart/2018/2/layout/IconLabelDescriptionList"/>
+    <dgm:cxn modelId="{3DBA38DF-E275-49B5-960E-7D4829398CE3}" srcId="{4EF7A2BF-1162-4E72-8712-478D03FEF256}" destId="{F979BE77-67D2-44D4-B934-B8E08EC6BFD2}" srcOrd="1" destOrd="0" parTransId="{B006C7B6-4604-4A12-A675-7963DD17C871}" sibTransId="{A5E47AC2-83A3-4511-AF12-98B2C6A3DAEC}"/>
+    <dgm:cxn modelId="{8BBBA0F5-B11A-4628-9E0F-FAB0634D84AE}" type="presOf" srcId="{4EF7A2BF-1162-4E72-8712-478D03FEF256}" destId="{3348AA30-F9D2-4215-A8B5-C3B5A1AC99D2}" srcOrd="0" destOrd="0" presId="urn:microsoft.com/office/officeart/2018/2/layout/IconLabelDescriptionList"/>
+    <dgm:cxn modelId="{9EE9D0F9-3F44-4294-8DBD-E390F81EA86C}" srcId="{F979BE77-67D2-44D4-B934-B8E08EC6BFD2}" destId="{9227C6FD-3232-45DF-B832-6D04ADF46837}" srcOrd="0" destOrd="0" parTransId="{E55D4B11-4509-4B24-AE2B-B8BF63DE569B}" sibTransId="{C3CE380B-4698-4BA3-83B2-B10C326E64CD}"/>
+    <dgm:cxn modelId="{7AAFFA54-7EA1-4B55-AA1C-6D4F2464F025}" type="presParOf" srcId="{3348AA30-F9D2-4215-A8B5-C3B5A1AC99D2}" destId="{D31BDBC5-DCA2-408C-9814-6AD1B918A03A}" srcOrd="0" destOrd="0" presId="urn:microsoft.com/office/officeart/2018/2/layout/IconLabelDescriptionList"/>
+    <dgm:cxn modelId="{7CCBD3AF-66FC-4F9C-90AE-50456A4B8980}" type="presParOf" srcId="{D31BDBC5-DCA2-408C-9814-6AD1B918A03A}" destId="{A90A3A19-E026-43E8-8259-BB2DEA163EA0}" srcOrd="0" destOrd="0" presId="urn:microsoft.com/office/officeart/2018/2/layout/IconLabelDescriptionList"/>
+    <dgm:cxn modelId="{793E4D29-2DB3-46B4-A3BD-5CB458053845}" type="presParOf" srcId="{D31BDBC5-DCA2-408C-9814-6AD1B918A03A}" destId="{02E897E3-D736-4A55-898A-5D49B76D2387}" srcOrd="1" destOrd="0" presId="urn:microsoft.com/office/officeart/2018/2/layout/IconLabelDescriptionList"/>
+    <dgm:cxn modelId="{CF4B47CF-5009-4315-8767-6FDAFB6B8FB1}" type="presParOf" srcId="{D31BDBC5-DCA2-408C-9814-6AD1B918A03A}" destId="{CE34DC0C-6FCE-493A-AABB-A2373C474301}" srcOrd="2" destOrd="0" presId="urn:microsoft.com/office/officeart/2018/2/layout/IconLabelDescriptionList"/>
+    <dgm:cxn modelId="{7275187D-FABF-4230-8328-B3C2CB875754}" type="presParOf" srcId="{D31BDBC5-DCA2-408C-9814-6AD1B918A03A}" destId="{E3043AA5-6C6B-4976-9FAD-1B40E9266218}" srcOrd="3" destOrd="0" presId="urn:microsoft.com/office/officeart/2018/2/layout/IconLabelDescriptionList"/>
+    <dgm:cxn modelId="{269155E7-3372-498C-9458-BDBD800D6A25}" type="presParOf" srcId="{D31BDBC5-DCA2-408C-9814-6AD1B918A03A}" destId="{68D6B463-E0CB-43C7-A470-8331E89BD052}" srcOrd="4" destOrd="0" presId="urn:microsoft.com/office/officeart/2018/2/layout/IconLabelDescriptionList"/>
+    <dgm:cxn modelId="{698ABFF0-F241-4197-B54B-371BA7FA86A2}" type="presParOf" srcId="{3348AA30-F9D2-4215-A8B5-C3B5A1AC99D2}" destId="{5DFC07D7-E453-41F9-9B4C-69BAB1CBB61A}" srcOrd="1" destOrd="0" presId="urn:microsoft.com/office/officeart/2018/2/layout/IconLabelDescriptionList"/>
+    <dgm:cxn modelId="{D0B1B305-B9EF-48A5-A241-3974DE181787}" type="presParOf" srcId="{3348AA30-F9D2-4215-A8B5-C3B5A1AC99D2}" destId="{446C7EE5-8025-4BCE-BB54-21CBB48B51B1}" srcOrd="2" destOrd="0" presId="urn:microsoft.com/office/officeart/2018/2/layout/IconLabelDescriptionList"/>
+    <dgm:cxn modelId="{7991636F-52BA-4675-A66E-1CB6E9B6AEDB}" type="presParOf" srcId="{446C7EE5-8025-4BCE-BB54-21CBB48B51B1}" destId="{BACA9D20-9A29-41C7-8A2F-189DA9806CA5}" srcOrd="0" destOrd="0" presId="urn:microsoft.com/office/officeart/2018/2/layout/IconLabelDescriptionList"/>
+    <dgm:cxn modelId="{E8B92098-32D4-47F7-B196-767A91145D3D}" type="presParOf" srcId="{446C7EE5-8025-4BCE-BB54-21CBB48B51B1}" destId="{8DFD157B-7ED1-4E82-A4B6-DF4BF97FC99B}" srcOrd="1" destOrd="0" presId="urn:microsoft.com/office/officeart/2018/2/layout/IconLabelDescriptionList"/>
+    <dgm:cxn modelId="{21FA2008-FAB8-4728-90D1-17F5A6734DEA}" type="presParOf" srcId="{446C7EE5-8025-4BCE-BB54-21CBB48B51B1}" destId="{B83A493A-4FEF-40C9-A2E3-B6475E097089}" srcOrd="2" destOrd="0" presId="urn:microsoft.com/office/officeart/2018/2/layout/IconLabelDescriptionList"/>
+    <dgm:cxn modelId="{4E4A65F9-4215-4AA9-8A3B-12E4330CDB79}" type="presParOf" srcId="{446C7EE5-8025-4BCE-BB54-21CBB48B51B1}" destId="{8844DAFB-6DE8-434A-807E-3B9DED715C41}" srcOrd="3" destOrd="0" presId="urn:microsoft.com/office/officeart/2018/2/layout/IconLabelDescriptionList"/>
+    <dgm:cxn modelId="{8B7A54DF-3B99-4ACF-8117-FB996143DE9D}" type="presParOf" srcId="{446C7EE5-8025-4BCE-BB54-21CBB48B51B1}" destId="{C553EF67-ABD0-4627-B2F5-7F5FAC49C53F}" srcOrd="4" destOrd="0" presId="urn:microsoft.com/office/officeart/2018/2/layout/IconLabelDescriptionList"/>
+    <dgm:cxn modelId="{2AC633B5-F1A1-4F25-B4D6-8100CD5EF62C}" type="presParOf" srcId="{3348AA30-F9D2-4215-A8B5-C3B5A1AC99D2}" destId="{714595DF-C3F4-4947-9629-6F6590ADABDC}" srcOrd="3" destOrd="0" presId="urn:microsoft.com/office/officeart/2018/2/layout/IconLabelDescriptionList"/>
+    <dgm:cxn modelId="{702028AC-E8C2-45A4-80E8-8A73BDCB3B9C}" type="presParOf" srcId="{3348AA30-F9D2-4215-A8B5-C3B5A1AC99D2}" destId="{7E828355-7C56-4CF5-B7DB-4E62619F3CE3}" srcOrd="4" destOrd="0" presId="urn:microsoft.com/office/officeart/2018/2/layout/IconLabelDescriptionList"/>
+    <dgm:cxn modelId="{F6C23BF1-9451-4A94-8B89-F8870C6942B4}" type="presParOf" srcId="{7E828355-7C56-4CF5-B7DB-4E62619F3CE3}" destId="{068B5471-49B9-43CA-A13E-2DF665C331F9}" srcOrd="0" destOrd="0" presId="urn:microsoft.com/office/officeart/2018/2/layout/IconLabelDescriptionList"/>
+    <dgm:cxn modelId="{0F18A161-E2BB-4C96-AC12-D29D49D64AEE}" type="presParOf" srcId="{7E828355-7C56-4CF5-B7DB-4E62619F3CE3}" destId="{447A5479-D28C-47C4-8826-FD1362868340}" srcOrd="1" destOrd="0" presId="urn:microsoft.com/office/officeart/2018/2/layout/IconLabelDescriptionList"/>
+    <dgm:cxn modelId="{4BF603B3-4871-4BD8-AE16-5324A0376FFB}" type="presParOf" srcId="{7E828355-7C56-4CF5-B7DB-4E62619F3CE3}" destId="{38DE26D3-4D99-4D6F-9AF3-8690A143AB0F}" srcOrd="2" destOrd="0" presId="urn:microsoft.com/office/officeart/2018/2/layout/IconLabelDescriptionList"/>
+    <dgm:cxn modelId="{41FE9D65-40E4-46FC-A092-69A733F76A58}" type="presParOf" srcId="{7E828355-7C56-4CF5-B7DB-4E62619F3CE3}" destId="{8CFCF5A3-E64C-4926-87BC-4F94E30597BC}" srcOrd="3" destOrd="0" presId="urn:microsoft.com/office/officeart/2018/2/layout/IconLabelDescriptionList"/>
+    <dgm:cxn modelId="{E69C8A03-9E10-47F0-998A-494477A75911}" type="presParOf" srcId="{7E828355-7C56-4CF5-B7DB-4E62619F3CE3}" destId="{020B2836-03E0-4D6A-99DF-44979992C165}" srcOrd="4" destOrd="0" presId="urn:microsoft.com/office/officeart/2018/2/layout/IconLabelDescriptionList"/>
+  </dgm:cxnLst>
+  <dgm:bg/>
+  <dgm:whole/>
+  <dgm:extLst>
+    <a:ext uri="http://schemas.microsoft.com/office/drawing/2008/diagram">
+      <dsp:dataModelExt xmlns:dsp="http://schemas.microsoft.com/office/drawing/2008/diagram" relId="rId7" minVer="http://schemas.openxmlformats.org/drawingml/2006/diagram"/>
+    </a:ext>
+  </dgm:extLst>
+</dgm:dataModel>
+</file>
+
+<file path=ppt/diagrams/data2.xml><?xml version="1.0" encoding="utf-8"?>
+<dgm:dataModel xmlns:dgm="http://schemas.openxmlformats.org/drawingml/2006/diagram" xmlns:a="http://schemas.openxmlformats.org/drawingml/2006/main">
+  <dgm:ptLst>
+    <dgm:pt modelId="{0713C0A9-EF87-4283-AF0D-F3E4E6B08AB3}" type="doc">
+      <dgm:prSet loTypeId="urn:microsoft.com/office/officeart/2018/2/layout/IconLabelDescriptionList" loCatId="icon" qsTypeId="urn:microsoft.com/office/officeart/2005/8/quickstyle/simple1" qsCatId="simple" csTypeId="urn:microsoft.com/office/officeart/2005/8/colors/accent1_2" csCatId="accent1" phldr="1"/>
+      <dgm:spPr/>
+      <dgm:t>
+        <a:bodyPr/>
+        <a:lstStyle/>
+        <a:p>
+          <a:endParaRPr lang="en-US"/>
+        </a:p>
+      </dgm:t>
+    </dgm:pt>
+    <dgm:pt modelId="{D3993CD8-73BE-4BC9-B6E9-AA834F3CE019}">
+      <dgm:prSet/>
+      <dgm:spPr/>
+      <dgm:t>
+        <a:bodyPr/>
+        <a:lstStyle/>
+        <a:p>
+          <a:pPr>
+            <a:lnSpc>
+              <a:spcPct val="100000"/>
+            </a:lnSpc>
+            <a:defRPr b="1"/>
+          </a:pPr>
+          <a:r>
+            <a:rPr lang="pt-PT" b="1"/>
+            <a:t>Riscos:</a:t>
+          </a:r>
+          <a:endParaRPr lang="en-US"/>
+        </a:p>
+      </dgm:t>
+    </dgm:pt>
+    <dgm:pt modelId="{334868D8-3486-42C0-B993-3A847F22DC59}" type="parTrans" cxnId="{7806D0D1-634F-47B5-B2BD-8AF7BAF77203}">
+      <dgm:prSet/>
+      <dgm:spPr/>
+      <dgm:t>
+        <a:bodyPr/>
+        <a:lstStyle/>
+        <a:p>
+          <a:endParaRPr lang="en-US"/>
+        </a:p>
+      </dgm:t>
+    </dgm:pt>
+    <dgm:pt modelId="{2FDC4410-3711-4931-96A1-B6FBE0A0701C}" type="sibTrans" cxnId="{7806D0D1-634F-47B5-B2BD-8AF7BAF77203}">
+      <dgm:prSet/>
+      <dgm:spPr/>
+      <dgm:t>
+        <a:bodyPr/>
+        <a:lstStyle/>
+        <a:p>
+          <a:endParaRPr lang="en-US"/>
+        </a:p>
+      </dgm:t>
+    </dgm:pt>
+    <dgm:pt modelId="{ECFCD0C3-868E-4D97-8735-FDB482657BF5}">
+      <dgm:prSet/>
+      <dgm:spPr/>
+      <dgm:t>
+        <a:bodyPr/>
+        <a:lstStyle/>
+        <a:p>
+          <a:pPr>
+            <a:lnSpc>
+              <a:spcPct val="100000"/>
+            </a:lnSpc>
+          </a:pPr>
+          <a:r>
+            <a:rPr lang="pt-PT"/>
+            <a:t>Utilização de novas técnicas e ferramentas.</a:t>
+          </a:r>
+          <a:endParaRPr lang="en-US"/>
+        </a:p>
+      </dgm:t>
+    </dgm:pt>
+    <dgm:pt modelId="{8B9D8608-D300-4819-8246-25BBED51324D}" type="parTrans" cxnId="{D02D13AD-C7F0-49CA-BBD9-D559E8E83D7A}">
+      <dgm:prSet/>
+      <dgm:spPr/>
+      <dgm:t>
+        <a:bodyPr/>
+        <a:lstStyle/>
+        <a:p>
+          <a:endParaRPr lang="en-US"/>
+        </a:p>
+      </dgm:t>
+    </dgm:pt>
+    <dgm:pt modelId="{ABE29110-2C66-437E-ABB0-EFA4A807A61F}" type="sibTrans" cxnId="{D02D13AD-C7F0-49CA-BBD9-D559E8E83D7A}">
+      <dgm:prSet/>
+      <dgm:spPr/>
+      <dgm:t>
+        <a:bodyPr/>
+        <a:lstStyle/>
+        <a:p>
+          <a:endParaRPr lang="en-US"/>
+        </a:p>
+      </dgm:t>
+    </dgm:pt>
+    <dgm:pt modelId="{4BDF55B9-8DA4-48E6-B75F-A6C4208C5A9A}">
+      <dgm:prSet/>
+      <dgm:spPr/>
+      <dgm:t>
+        <a:bodyPr/>
+        <a:lstStyle/>
+        <a:p>
+          <a:pPr>
+            <a:lnSpc>
+              <a:spcPct val="100000"/>
+            </a:lnSpc>
+          </a:pPr>
+          <a:r>
+            <a:rPr lang="pt-PT"/>
+            <a:t>Aquisição de dados reais.</a:t>
+          </a:r>
+          <a:endParaRPr lang="en-US"/>
+        </a:p>
+      </dgm:t>
+    </dgm:pt>
+    <dgm:pt modelId="{A239E147-4539-4BE4-9424-C429603E0E6D}" type="parTrans" cxnId="{1D7BF87E-669A-4742-AFEA-E2F046678613}">
+      <dgm:prSet/>
+      <dgm:spPr/>
+      <dgm:t>
+        <a:bodyPr/>
+        <a:lstStyle/>
+        <a:p>
+          <a:endParaRPr lang="en-US"/>
+        </a:p>
+      </dgm:t>
+    </dgm:pt>
+    <dgm:pt modelId="{8E19F610-2E12-45E9-ADE2-62DE910BDA8A}" type="sibTrans" cxnId="{1D7BF87E-669A-4742-AFEA-E2F046678613}">
+      <dgm:prSet/>
+      <dgm:spPr/>
+      <dgm:t>
+        <a:bodyPr/>
+        <a:lstStyle/>
+        <a:p>
+          <a:endParaRPr lang="en-US"/>
+        </a:p>
+      </dgm:t>
+    </dgm:pt>
+    <dgm:pt modelId="{6E9788CC-1344-4D86-A2BA-4D04786DBFA0}">
+      <dgm:prSet/>
+      <dgm:spPr/>
+      <dgm:t>
+        <a:bodyPr/>
+        <a:lstStyle/>
+        <a:p>
+          <a:pPr>
+            <a:lnSpc>
+              <a:spcPct val="100000"/>
+            </a:lnSpc>
+          </a:pPr>
+          <a:r>
+            <a:rPr lang="pt-PT"/>
+            <a:t>Desafios na implementação da localização de pontos de interesse.</a:t>
+          </a:r>
+          <a:endParaRPr lang="en-US"/>
+        </a:p>
+      </dgm:t>
+    </dgm:pt>
+    <dgm:pt modelId="{DF98CB53-962D-45DA-96B4-8D5C972FF309}" type="parTrans" cxnId="{777C7AC2-A650-401F-831D-DF8E9B7EA55F}">
+      <dgm:prSet/>
+      <dgm:spPr/>
+      <dgm:t>
+        <a:bodyPr/>
+        <a:lstStyle/>
+        <a:p>
+          <a:endParaRPr lang="en-US"/>
+        </a:p>
+      </dgm:t>
+    </dgm:pt>
+    <dgm:pt modelId="{6829C1C7-E83D-418D-916D-E26AE428380C}" type="sibTrans" cxnId="{777C7AC2-A650-401F-831D-DF8E9B7EA55F}">
+      <dgm:prSet/>
+      <dgm:spPr/>
+      <dgm:t>
+        <a:bodyPr/>
+        <a:lstStyle/>
+        <a:p>
+          <a:endParaRPr lang="en-US"/>
+        </a:p>
+      </dgm:t>
+    </dgm:pt>
+    <dgm:pt modelId="{381BD28C-1F52-42C1-BF39-CA150529FCA3}">
+      <dgm:prSet/>
+      <dgm:spPr/>
+      <dgm:t>
+        <a:bodyPr/>
+        <a:lstStyle/>
+        <a:p>
+          <a:pPr>
+            <a:lnSpc>
+              <a:spcPct val="100000"/>
+            </a:lnSpc>
+            <a:defRPr b="1"/>
+          </a:pPr>
+          <a:r>
+            <a:rPr lang="pt-PT" b="1"/>
+            <a:t>Conclusão:</a:t>
+          </a:r>
+          <a:endParaRPr lang="en-US"/>
+        </a:p>
+      </dgm:t>
+    </dgm:pt>
+    <dgm:pt modelId="{2B58FC7D-86EA-4920-A600-67708545BC6E}" type="parTrans" cxnId="{5EC644A5-1A13-4FBB-BC6B-CAF0CEF79BA2}">
+      <dgm:prSet/>
+      <dgm:spPr/>
+      <dgm:t>
+        <a:bodyPr/>
+        <a:lstStyle/>
+        <a:p>
+          <a:endParaRPr lang="en-US"/>
+        </a:p>
+      </dgm:t>
+    </dgm:pt>
+    <dgm:pt modelId="{1E870067-E312-4616-BF40-50CFA04A3A89}" type="sibTrans" cxnId="{5EC644A5-1A13-4FBB-BC6B-CAF0CEF79BA2}">
+      <dgm:prSet/>
+      <dgm:spPr/>
+      <dgm:t>
+        <a:bodyPr/>
+        <a:lstStyle/>
+        <a:p>
+          <a:endParaRPr lang="en-US"/>
+        </a:p>
+      </dgm:t>
+    </dgm:pt>
+    <dgm:pt modelId="{D195F0F8-540B-4E5C-9336-D5913C1DFB02}">
+      <dgm:prSet/>
+      <dgm:spPr/>
+      <dgm:t>
+        <a:bodyPr/>
+        <a:lstStyle/>
+        <a:p>
+          <a:pPr>
+            <a:lnSpc>
+              <a:spcPct val="100000"/>
+            </a:lnSpc>
+          </a:pPr>
+          <a:r>
+            <a:rPr lang="pt-PT"/>
+            <a:t>A aplicação ISELper tem o potencial de melhorar significativamente a experiência dos alunos do ISEL.</a:t>
+          </a:r>
+          <a:endParaRPr lang="en-US"/>
+        </a:p>
+      </dgm:t>
+    </dgm:pt>
+    <dgm:pt modelId="{42CB1ECC-9E7B-4FF1-95A9-8E9B157C7D1A}" type="parTrans" cxnId="{EA037A21-C677-4829-B510-805DE4573666}">
+      <dgm:prSet/>
+      <dgm:spPr/>
+      <dgm:t>
+        <a:bodyPr/>
+        <a:lstStyle/>
+        <a:p>
+          <a:endParaRPr lang="en-US"/>
+        </a:p>
+      </dgm:t>
+    </dgm:pt>
+    <dgm:pt modelId="{B72B7236-2D89-45CA-BA2A-BC9C920842CA}" type="sibTrans" cxnId="{EA037A21-C677-4829-B510-805DE4573666}">
+      <dgm:prSet/>
+      <dgm:spPr/>
+      <dgm:t>
+        <a:bodyPr/>
+        <a:lstStyle/>
+        <a:p>
+          <a:endParaRPr lang="en-US"/>
+        </a:p>
+      </dgm:t>
+    </dgm:pt>
+    <dgm:pt modelId="{C1158D1E-AF06-4925-8ABF-91FC029A15CE}">
+      <dgm:prSet/>
+      <dgm:spPr/>
+      <dgm:t>
+        <a:bodyPr/>
+        <a:lstStyle/>
+        <a:p>
+          <a:pPr>
+            <a:lnSpc>
+              <a:spcPct val="100000"/>
+            </a:lnSpc>
+          </a:pPr>
+          <a:r>
+            <a:rPr lang="pt-PT"/>
+            <a:t>Estamos comprometidos em enfrentar os desafios e desenvolver uma solução eficaz e robusta e possivelmente escalável.</a:t>
+          </a:r>
+          <a:endParaRPr lang="en-US"/>
+        </a:p>
+      </dgm:t>
+    </dgm:pt>
+    <dgm:pt modelId="{2788D4A9-6A2A-408A-99A7-071712D4972D}" type="parTrans" cxnId="{360DA4A7-521B-4E6E-B699-DAA6BC51B95C}">
+      <dgm:prSet/>
+      <dgm:spPr/>
+      <dgm:t>
+        <a:bodyPr/>
+        <a:lstStyle/>
+        <a:p>
+          <a:endParaRPr lang="en-US"/>
+        </a:p>
+      </dgm:t>
+    </dgm:pt>
+    <dgm:pt modelId="{269F2CD7-5F89-41CE-93B5-BDC1743C9E4A}" type="sibTrans" cxnId="{360DA4A7-521B-4E6E-B699-DAA6BC51B95C}">
+      <dgm:prSet/>
+      <dgm:spPr/>
+      <dgm:t>
+        <a:bodyPr/>
+        <a:lstStyle/>
+        <a:p>
+          <a:endParaRPr lang="en-US"/>
+        </a:p>
+      </dgm:t>
+    </dgm:pt>
+    <dgm:pt modelId="{5A198DC3-3DC1-49DD-833C-08C944876D10}" type="pres">
+      <dgm:prSet presAssocID="{0713C0A9-EF87-4283-AF0D-F3E4E6B08AB3}" presName="root" presStyleCnt="0">
+        <dgm:presLayoutVars>
+          <dgm:dir/>
+          <dgm:resizeHandles val="exact"/>
+        </dgm:presLayoutVars>
+      </dgm:prSet>
+      <dgm:spPr/>
+    </dgm:pt>
+    <dgm:pt modelId="{B8DFF7A2-03F7-46D9-8531-B3B156D46C67}" type="pres">
+      <dgm:prSet presAssocID="{D3993CD8-73BE-4BC9-B6E9-AA834F3CE019}" presName="compNode" presStyleCnt="0"/>
+      <dgm:spPr/>
+    </dgm:pt>
+    <dgm:pt modelId="{9C6694EC-2211-4FA9-A14E-17F5A276777E}" type="pres">
+      <dgm:prSet presAssocID="{D3993CD8-73BE-4BC9-B6E9-AA834F3CE019}" presName="iconRect" presStyleLbl="node1" presStyleIdx="0" presStyleCnt="2"/>
+      <dgm:spPr>
+        <a:blipFill>
+          <a:blip xmlns:r="http://schemas.openxmlformats.org/officeDocument/2006/relationships" r:embed="rId1">
+            <a:extLst>
+              <a:ext uri="{28A0092B-C50C-407E-A947-70E740481C1C}">
+                <a14:useLocalDpi xmlns:a14="http://schemas.microsoft.com/office/drawing/2010/main" val="0"/>
+              </a:ext>
+              <a:ext uri="{96DAC541-7B7A-43D3-8B79-37D633B846F1}">
+                <asvg:svgBlip xmlns:asvg="http://schemas.microsoft.com/office/drawing/2016/SVG/main" r:embed="rId2"/>
+              </a:ext>
+            </a:extLst>
+          </a:blip>
+          <a:stretch>
+            <a:fillRect/>
+          </a:stretch>
+        </a:blipFill>
+      </dgm:spPr>
+      <dgm:extLst>
+        <a:ext uri="{E40237B7-FDA0-4F09-8148-C483321AD2D9}">
+          <dgm14:cNvPr xmlns:dgm14="http://schemas.microsoft.com/office/drawing/2010/diagram" id="0" name="" descr="Engrenagens"/>
+        </a:ext>
+      </dgm:extLst>
+    </dgm:pt>
+    <dgm:pt modelId="{22A094BD-C307-43D1-89D9-13FA83307C17}" type="pres">
+      <dgm:prSet presAssocID="{D3993CD8-73BE-4BC9-B6E9-AA834F3CE019}" presName="iconSpace" presStyleCnt="0"/>
+      <dgm:spPr/>
+    </dgm:pt>
+    <dgm:pt modelId="{EC6DCC12-B11E-4AA2-B53B-DBA580D30D2B}" type="pres">
+      <dgm:prSet presAssocID="{D3993CD8-73BE-4BC9-B6E9-AA834F3CE019}" presName="parTx" presStyleLbl="revTx" presStyleIdx="0" presStyleCnt="4">
+        <dgm:presLayoutVars>
+          <dgm:chMax val="0"/>
+          <dgm:chPref val="0"/>
+        </dgm:presLayoutVars>
+      </dgm:prSet>
+      <dgm:spPr/>
+    </dgm:pt>
+    <dgm:pt modelId="{18C3418B-61AB-4BE5-AEEC-419559AE21AC}" type="pres">
+      <dgm:prSet presAssocID="{D3993CD8-73BE-4BC9-B6E9-AA834F3CE019}" presName="txSpace" presStyleCnt="0"/>
+      <dgm:spPr/>
+    </dgm:pt>
+    <dgm:pt modelId="{3E08A376-85F5-4FC3-807D-47C9AC30D525}" type="pres">
+      <dgm:prSet presAssocID="{D3993CD8-73BE-4BC9-B6E9-AA834F3CE019}" presName="desTx" presStyleLbl="revTx" presStyleIdx="1" presStyleCnt="4">
+        <dgm:presLayoutVars/>
+      </dgm:prSet>
+      <dgm:spPr/>
+    </dgm:pt>
+    <dgm:pt modelId="{B7DC06B1-86AF-4971-827F-DDB18BEE3B06}" type="pres">
+      <dgm:prSet presAssocID="{2FDC4410-3711-4931-96A1-B6FBE0A0701C}" presName="sibTrans" presStyleCnt="0"/>
+      <dgm:spPr/>
+    </dgm:pt>
+    <dgm:pt modelId="{EB090D77-8972-4ED3-B803-B1C0067E14C0}" type="pres">
+      <dgm:prSet presAssocID="{381BD28C-1F52-42C1-BF39-CA150529FCA3}" presName="compNode" presStyleCnt="0"/>
+      <dgm:spPr/>
+    </dgm:pt>
+    <dgm:pt modelId="{80C5B0AA-EA79-4493-B874-70EF2FDA2EAE}" type="pres">
+      <dgm:prSet presAssocID="{381BD28C-1F52-42C1-BF39-CA150529FCA3}" presName="iconRect" presStyleLbl="node1" presStyleIdx="1" presStyleCnt="2"/>
+      <dgm:spPr>
+        <a:blipFill>
+          <a:blip xmlns:r="http://schemas.openxmlformats.org/officeDocument/2006/relationships" r:embed="rId3">
+            <a:extLst>
+              <a:ext uri="{28A0092B-C50C-407E-A947-70E740481C1C}">
+                <a14:useLocalDpi xmlns:a14="http://schemas.microsoft.com/office/drawing/2010/main" val="0"/>
+              </a:ext>
+              <a:ext uri="{96DAC541-7B7A-43D3-8B79-37D633B846F1}">
+                <asvg:svgBlip xmlns:asvg="http://schemas.microsoft.com/office/drawing/2016/SVG/main" r:embed="rId4"/>
+              </a:ext>
+            </a:extLst>
+          </a:blip>
+          <a:stretch>
+            <a:fillRect/>
+          </a:stretch>
+        </a:blipFill>
+      </dgm:spPr>
+      <dgm:extLst>
+        <a:ext uri="{E40237B7-FDA0-4F09-8148-C483321AD2D9}">
+          <dgm14:cNvPr xmlns:dgm14="http://schemas.microsoft.com/office/drawing/2010/diagram" id="0" name="" descr="Head with Gears"/>
+        </a:ext>
+      </dgm:extLst>
+    </dgm:pt>
+    <dgm:pt modelId="{4F9726EC-5ED7-428D-AD0F-C109AEE0940D}" type="pres">
+      <dgm:prSet presAssocID="{381BD28C-1F52-42C1-BF39-CA150529FCA3}" presName="iconSpace" presStyleCnt="0"/>
+      <dgm:spPr/>
+    </dgm:pt>
+    <dgm:pt modelId="{639D92B6-09E2-4D23-9A15-9F36C4EB9732}" type="pres">
+      <dgm:prSet presAssocID="{381BD28C-1F52-42C1-BF39-CA150529FCA3}" presName="parTx" presStyleLbl="revTx" presStyleIdx="2" presStyleCnt="4">
+        <dgm:presLayoutVars>
+          <dgm:chMax val="0"/>
+          <dgm:chPref val="0"/>
+        </dgm:presLayoutVars>
+      </dgm:prSet>
+      <dgm:spPr/>
+    </dgm:pt>
+    <dgm:pt modelId="{96776895-F9D5-4F63-A457-AE33E3BCD95F}" type="pres">
+      <dgm:prSet presAssocID="{381BD28C-1F52-42C1-BF39-CA150529FCA3}" presName="txSpace" presStyleCnt="0"/>
+      <dgm:spPr/>
+    </dgm:pt>
+    <dgm:pt modelId="{093CFA9B-9346-42E1-8F01-79057AB112FF}" type="pres">
+      <dgm:prSet presAssocID="{381BD28C-1F52-42C1-BF39-CA150529FCA3}" presName="desTx" presStyleLbl="revTx" presStyleIdx="3" presStyleCnt="4">
+        <dgm:presLayoutVars/>
+      </dgm:prSet>
+      <dgm:spPr/>
+    </dgm:pt>
+  </dgm:ptLst>
+  <dgm:cxnLst>
+    <dgm:cxn modelId="{EA037A21-C677-4829-B510-805DE4573666}" srcId="{381BD28C-1F52-42C1-BF39-CA150529FCA3}" destId="{D195F0F8-540B-4E5C-9336-D5913C1DFB02}" srcOrd="0" destOrd="0" parTransId="{42CB1ECC-9E7B-4FF1-95A9-8E9B157C7D1A}" sibTransId="{B72B7236-2D89-45CA-BA2A-BC9C920842CA}"/>
+    <dgm:cxn modelId="{508ACA3E-72BC-4D55-9164-18EB0D291855}" type="presOf" srcId="{0713C0A9-EF87-4283-AF0D-F3E4E6B08AB3}" destId="{5A198DC3-3DC1-49DD-833C-08C944876D10}" srcOrd="0" destOrd="0" presId="urn:microsoft.com/office/officeart/2018/2/layout/IconLabelDescriptionList"/>
+    <dgm:cxn modelId="{69948268-E16B-4D64-9357-0F820A129D64}" type="presOf" srcId="{4BDF55B9-8DA4-48E6-B75F-A6C4208C5A9A}" destId="{3E08A376-85F5-4FC3-807D-47C9AC30D525}" srcOrd="0" destOrd="1" presId="urn:microsoft.com/office/officeart/2018/2/layout/IconLabelDescriptionList"/>
+    <dgm:cxn modelId="{817A3E53-9BFF-4054-8ED1-5EFA863B8289}" type="presOf" srcId="{D3993CD8-73BE-4BC9-B6E9-AA834F3CE019}" destId="{EC6DCC12-B11E-4AA2-B53B-DBA580D30D2B}" srcOrd="0" destOrd="0" presId="urn:microsoft.com/office/officeart/2018/2/layout/IconLabelDescriptionList"/>
+    <dgm:cxn modelId="{1B21B353-4B8A-4C75-9A2C-C8B4A47DE040}" type="presOf" srcId="{C1158D1E-AF06-4925-8ABF-91FC029A15CE}" destId="{093CFA9B-9346-42E1-8F01-79057AB112FF}" srcOrd="0" destOrd="1" presId="urn:microsoft.com/office/officeart/2018/2/layout/IconLabelDescriptionList"/>
+    <dgm:cxn modelId="{DB25D07A-91C6-4F74-A68F-3524C7D4A20E}" type="presOf" srcId="{ECFCD0C3-868E-4D97-8735-FDB482657BF5}" destId="{3E08A376-85F5-4FC3-807D-47C9AC30D525}" srcOrd="0" destOrd="0" presId="urn:microsoft.com/office/officeart/2018/2/layout/IconLabelDescriptionList"/>
+    <dgm:cxn modelId="{1D7BF87E-669A-4742-AFEA-E2F046678613}" srcId="{D3993CD8-73BE-4BC9-B6E9-AA834F3CE019}" destId="{4BDF55B9-8DA4-48E6-B75F-A6C4208C5A9A}" srcOrd="1" destOrd="0" parTransId="{A239E147-4539-4BE4-9424-C429603E0E6D}" sibTransId="{8E19F610-2E12-45E9-ADE2-62DE910BDA8A}"/>
+    <dgm:cxn modelId="{5EC644A5-1A13-4FBB-BC6B-CAF0CEF79BA2}" srcId="{0713C0A9-EF87-4283-AF0D-F3E4E6B08AB3}" destId="{381BD28C-1F52-42C1-BF39-CA150529FCA3}" srcOrd="1" destOrd="0" parTransId="{2B58FC7D-86EA-4920-A600-67708545BC6E}" sibTransId="{1E870067-E312-4616-BF40-50CFA04A3A89}"/>
+    <dgm:cxn modelId="{360DA4A7-521B-4E6E-B699-DAA6BC51B95C}" srcId="{381BD28C-1F52-42C1-BF39-CA150529FCA3}" destId="{C1158D1E-AF06-4925-8ABF-91FC029A15CE}" srcOrd="1" destOrd="0" parTransId="{2788D4A9-6A2A-408A-99A7-071712D4972D}" sibTransId="{269F2CD7-5F89-41CE-93B5-BDC1743C9E4A}"/>
+    <dgm:cxn modelId="{D02D13AD-C7F0-49CA-BBD9-D559E8E83D7A}" srcId="{D3993CD8-73BE-4BC9-B6E9-AA834F3CE019}" destId="{ECFCD0C3-868E-4D97-8735-FDB482657BF5}" srcOrd="0" destOrd="0" parTransId="{8B9D8608-D300-4819-8246-25BBED51324D}" sibTransId="{ABE29110-2C66-437E-ABB0-EFA4A807A61F}"/>
+    <dgm:cxn modelId="{777C7AC2-A650-401F-831D-DF8E9B7EA55F}" srcId="{D3993CD8-73BE-4BC9-B6E9-AA834F3CE019}" destId="{6E9788CC-1344-4D86-A2BA-4D04786DBFA0}" srcOrd="2" destOrd="0" parTransId="{DF98CB53-962D-45DA-96B4-8D5C972FF309}" sibTransId="{6829C1C7-E83D-418D-916D-E26AE428380C}"/>
+    <dgm:cxn modelId="{8ADF39C3-3C33-45ED-A4C5-2FBFCA644BEF}" type="presOf" srcId="{D195F0F8-540B-4E5C-9336-D5913C1DFB02}" destId="{093CFA9B-9346-42E1-8F01-79057AB112FF}" srcOrd="0" destOrd="0" presId="urn:microsoft.com/office/officeart/2018/2/layout/IconLabelDescriptionList"/>
+    <dgm:cxn modelId="{E6281BCD-660A-49C1-88C8-545595F432F3}" type="presOf" srcId="{381BD28C-1F52-42C1-BF39-CA150529FCA3}" destId="{639D92B6-09E2-4D23-9A15-9F36C4EB9732}" srcOrd="0" destOrd="0" presId="urn:microsoft.com/office/officeart/2018/2/layout/IconLabelDescriptionList"/>
+    <dgm:cxn modelId="{7806D0D1-634F-47B5-B2BD-8AF7BAF77203}" srcId="{0713C0A9-EF87-4283-AF0D-F3E4E6B08AB3}" destId="{D3993CD8-73BE-4BC9-B6E9-AA834F3CE019}" srcOrd="0" destOrd="0" parTransId="{334868D8-3486-42C0-B993-3A847F22DC59}" sibTransId="{2FDC4410-3711-4931-96A1-B6FBE0A0701C}"/>
+    <dgm:cxn modelId="{F4F2ACD3-4814-4E51-AD8A-149DFC9A02E6}" type="presOf" srcId="{6E9788CC-1344-4D86-A2BA-4D04786DBFA0}" destId="{3E08A376-85F5-4FC3-807D-47C9AC30D525}" srcOrd="0" destOrd="2" presId="urn:microsoft.com/office/officeart/2018/2/layout/IconLabelDescriptionList"/>
+    <dgm:cxn modelId="{D5DA4D5B-A57F-4E90-995C-B5CC93AAA50F}" type="presParOf" srcId="{5A198DC3-3DC1-49DD-833C-08C944876D10}" destId="{B8DFF7A2-03F7-46D9-8531-B3B156D46C67}" srcOrd="0" destOrd="0" presId="urn:microsoft.com/office/officeart/2018/2/layout/IconLabelDescriptionList"/>
+    <dgm:cxn modelId="{93BA1833-02CA-4232-8CDE-8621EA775BFD}" type="presParOf" srcId="{B8DFF7A2-03F7-46D9-8531-B3B156D46C67}" destId="{9C6694EC-2211-4FA9-A14E-17F5A276777E}" srcOrd="0" destOrd="0" presId="urn:microsoft.com/office/officeart/2018/2/layout/IconLabelDescriptionList"/>
+    <dgm:cxn modelId="{F5E1818E-3D98-4C2F-9890-BF569C32078B}" type="presParOf" srcId="{B8DFF7A2-03F7-46D9-8531-B3B156D46C67}" destId="{22A094BD-C307-43D1-89D9-13FA83307C17}" srcOrd="1" destOrd="0" presId="urn:microsoft.com/office/officeart/2018/2/layout/IconLabelDescriptionList"/>
+    <dgm:cxn modelId="{8B530AB9-C47D-43C4-A859-628934B7CEF7}" type="presParOf" srcId="{B8DFF7A2-03F7-46D9-8531-B3B156D46C67}" destId="{EC6DCC12-B11E-4AA2-B53B-DBA580D30D2B}" srcOrd="2" destOrd="0" presId="urn:microsoft.com/office/officeart/2018/2/layout/IconLabelDescriptionList"/>
+    <dgm:cxn modelId="{39FDEB3D-0D76-460D-BA90-CD4FC7FE45A6}" type="presParOf" srcId="{B8DFF7A2-03F7-46D9-8531-B3B156D46C67}" destId="{18C3418B-61AB-4BE5-AEEC-419559AE21AC}" srcOrd="3" destOrd="0" presId="urn:microsoft.com/office/officeart/2018/2/layout/IconLabelDescriptionList"/>
+    <dgm:cxn modelId="{B82D86FA-9995-4825-9A96-1437D6DE72B1}" type="presParOf" srcId="{B8DFF7A2-03F7-46D9-8531-B3B156D46C67}" destId="{3E08A376-85F5-4FC3-807D-47C9AC30D525}" srcOrd="4" destOrd="0" presId="urn:microsoft.com/office/officeart/2018/2/layout/IconLabelDescriptionList"/>
+    <dgm:cxn modelId="{D411F7A4-227D-45B2-8F3B-E6B17BA84512}" type="presParOf" srcId="{5A198DC3-3DC1-49DD-833C-08C944876D10}" destId="{B7DC06B1-86AF-4971-827F-DDB18BEE3B06}" srcOrd="1" destOrd="0" presId="urn:microsoft.com/office/officeart/2018/2/layout/IconLabelDescriptionList"/>
+    <dgm:cxn modelId="{9C39A103-C9A2-4730-9EC0-7A3DF54D0820}" type="presParOf" srcId="{5A198DC3-3DC1-49DD-833C-08C944876D10}" destId="{EB090D77-8972-4ED3-B803-B1C0067E14C0}" srcOrd="2" destOrd="0" presId="urn:microsoft.com/office/officeart/2018/2/layout/IconLabelDescriptionList"/>
+    <dgm:cxn modelId="{0CF66BA0-6F24-4F3B-BB67-6372DB29C1A2}" type="presParOf" srcId="{EB090D77-8972-4ED3-B803-B1C0067E14C0}" destId="{80C5B0AA-EA79-4493-B874-70EF2FDA2EAE}" srcOrd="0" destOrd="0" presId="urn:microsoft.com/office/officeart/2018/2/layout/IconLabelDescriptionList"/>
+    <dgm:cxn modelId="{4CD1FC9D-ED67-41D0-972A-A3C913EA3C4A}" type="presParOf" srcId="{EB090D77-8972-4ED3-B803-B1C0067E14C0}" destId="{4F9726EC-5ED7-428D-AD0F-C109AEE0940D}" srcOrd="1" destOrd="0" presId="urn:microsoft.com/office/officeart/2018/2/layout/IconLabelDescriptionList"/>
+    <dgm:cxn modelId="{0F85573B-BF8F-423A-9756-125B6F198962}" type="presParOf" srcId="{EB090D77-8972-4ED3-B803-B1C0067E14C0}" destId="{639D92B6-09E2-4D23-9A15-9F36C4EB9732}" srcOrd="2" destOrd="0" presId="urn:microsoft.com/office/officeart/2018/2/layout/IconLabelDescriptionList"/>
+    <dgm:cxn modelId="{DE442C0B-56E1-4FE0-976C-C41D21F202CF}" type="presParOf" srcId="{EB090D77-8972-4ED3-B803-B1C0067E14C0}" destId="{96776895-F9D5-4F63-A457-AE33E3BCD95F}" srcOrd="3" destOrd="0" presId="urn:microsoft.com/office/officeart/2018/2/layout/IconLabelDescriptionList"/>
+    <dgm:cxn modelId="{17731286-966B-4197-9DA0-72701FFE1DCB}" type="presParOf" srcId="{EB090D77-8972-4ED3-B803-B1C0067E14C0}" destId="{093CFA9B-9346-42E1-8F01-79057AB112FF}" srcOrd="4" destOrd="0" presId="urn:microsoft.com/office/officeart/2018/2/layout/IconLabelDescriptionList"/>
+  </dgm:cxnLst>
+  <dgm:bg/>
+  <dgm:whole/>
+  <dgm:extLst>
+    <a:ext uri="http://schemas.microsoft.com/office/drawing/2008/diagram">
+      <dsp:dataModelExt xmlns:dsp="http://schemas.microsoft.com/office/drawing/2008/diagram" relId="rId6" minVer="http://schemas.openxmlformats.org/drawingml/2006/diagram"/>
+    </a:ext>
+  </dgm:extLst>
+</dgm:dataModel>
+</file>
+
+<file path=ppt/diagrams/drawing1.xml><?xml version="1.0" encoding="utf-8"?>
+<dsp:drawing xmlns:dgm="http://schemas.openxmlformats.org/drawingml/2006/diagram" xmlns:dsp="http://schemas.microsoft.com/office/drawing/2008/diagram" xmlns:a="http://schemas.openxmlformats.org/drawingml/2006/main">
+  <dsp:spTree>
+    <dsp:nvGrpSpPr>
+      <dsp:cNvPr id="0" name=""/>
+      <dsp:cNvGrpSpPr/>
+    </dsp:nvGrpSpPr>
+    <dsp:grpSpPr/>
+    <dsp:sp modelId="{A90A3A19-E026-43E8-8259-BB2DEA163EA0}">
+      <dsp:nvSpPr>
+        <dsp:cNvPr id="0" name=""/>
+        <dsp:cNvSpPr/>
+      </dsp:nvSpPr>
+      <dsp:spPr>
+        <a:xfrm>
+          <a:off x="393" y="115155"/>
+          <a:ext cx="1098562" cy="1098562"/>
+        </a:xfrm>
+        <a:prstGeom prst="rect">
+          <a:avLst/>
+        </a:prstGeom>
+        <a:blipFill>
+          <a:blip xmlns:r="http://schemas.openxmlformats.org/officeDocument/2006/relationships" r:embed="rId1">
+            <a:extLst>
+              <a:ext uri="{28A0092B-C50C-407E-A947-70E740481C1C}">
+                <a14:useLocalDpi xmlns:a14="http://schemas.microsoft.com/office/drawing/2010/main" val="0"/>
+              </a:ext>
+              <a:ext uri="{96DAC541-7B7A-43D3-8B79-37D633B846F1}">
+                <asvg:svgBlip xmlns:asvg="http://schemas.microsoft.com/office/drawing/2016/SVG/main" r:embed="rId2"/>
+              </a:ext>
+            </a:extLst>
+          </a:blip>
+          <a:stretch>
+            <a:fillRect/>
+          </a:stretch>
+        </a:blipFill>
+        <a:ln w="19050" cap="flat" cmpd="sng" algn="ctr">
+          <a:solidFill>
+            <a:schemeClr val="lt1">
+              <a:hueOff val="0"/>
+              <a:satOff val="0"/>
+              <a:lumOff val="0"/>
+              <a:alphaOff val="0"/>
+            </a:schemeClr>
+          </a:solidFill>
+          <a:prstDash val="solid"/>
+          <a:miter lim="800000"/>
+        </a:ln>
+        <a:effectLst/>
+      </dsp:spPr>
+      <dsp:style>
+        <a:lnRef idx="2">
+          <a:scrgbClr r="0" g="0" b="0"/>
+        </a:lnRef>
+        <a:fillRef idx="1">
+          <a:scrgbClr r="0" g="0" b="0"/>
+        </a:fillRef>
+        <a:effectRef idx="0">
+          <a:scrgbClr r="0" g="0" b="0"/>
+        </a:effectRef>
+        <a:fontRef idx="minor">
+          <a:schemeClr val="lt1"/>
+        </a:fontRef>
+      </dsp:style>
+    </dsp:sp>
+    <dsp:sp modelId="{CE34DC0C-6FCE-493A-AABB-A2373C474301}">
+      <dsp:nvSpPr>
+        <dsp:cNvPr id="0" name=""/>
+        <dsp:cNvSpPr/>
+      </dsp:nvSpPr>
+      <dsp:spPr>
+        <a:xfrm>
+          <a:off x="393" y="1390922"/>
+          <a:ext cx="3138750" cy="1677269"/>
+        </a:xfrm>
+        <a:prstGeom prst="rect">
+          <a:avLst/>
+        </a:prstGeom>
+        <a:noFill/>
+        <a:ln>
+          <a:noFill/>
+        </a:ln>
+        <a:effectLst/>
+      </dsp:spPr>
+      <dsp:style>
+        <a:lnRef idx="0">
+          <a:scrgbClr r="0" g="0" b="0"/>
+        </a:lnRef>
+        <a:fillRef idx="0">
+          <a:scrgbClr r="0" g="0" b="0"/>
+        </a:fillRef>
+        <a:effectRef idx="0">
+          <a:scrgbClr r="0" g="0" b="0"/>
+        </a:effectRef>
+        <a:fontRef idx="minor"/>
+      </dsp:style>
+      <dsp:txBody>
+        <a:bodyPr spcFirstLastPara="0" vert="horz" wrap="square" lIns="0" tIns="0" rIns="0" bIns="0" numCol="1" spcCol="1270" anchor="t" anchorCtr="0">
+          <a:noAutofit/>
+        </a:bodyPr>
+        <a:lstStyle/>
+        <a:p>
+          <a:pPr marL="0" lvl="0" indent="0" algn="l" defTabSz="800100">
+            <a:lnSpc>
+              <a:spcPct val="100000"/>
+            </a:lnSpc>
+            <a:spcBef>
+              <a:spcPct val="0"/>
+            </a:spcBef>
+            <a:spcAft>
+              <a:spcPct val="35000"/>
+            </a:spcAft>
+            <a:buNone/>
+            <a:defRPr b="1"/>
+          </a:pPr>
+          <a:r>
+            <a:rPr lang="pt-PT" sz="1800" kern="1200" dirty="0"/>
+            <a:t>Considera-se muito relevante para a experiência académica dos alunos do ISEL a divulgação eficaz dos horários e localização das salas de aula e locais de convivência.</a:t>
+          </a:r>
+          <a:endParaRPr lang="en-US" sz="1800" kern="1200" dirty="0"/>
+        </a:p>
+      </dsp:txBody>
+      <dsp:txXfrm>
+        <a:off x="393" y="1390922"/>
+        <a:ext cx="3138750" cy="1677269"/>
+      </dsp:txXfrm>
+    </dsp:sp>
+    <dsp:sp modelId="{68D6B463-E0CB-43C7-A470-8331E89BD052}">
+      <dsp:nvSpPr>
+        <dsp:cNvPr id="0" name=""/>
+        <dsp:cNvSpPr/>
+      </dsp:nvSpPr>
+      <dsp:spPr>
+        <a:xfrm>
+          <a:off x="393" y="3150612"/>
+          <a:ext cx="3138750" cy="1085570"/>
+        </a:xfrm>
+        <a:prstGeom prst="rect">
+          <a:avLst/>
+        </a:prstGeom>
+        <a:noFill/>
+        <a:ln>
+          <a:noFill/>
+        </a:ln>
+        <a:effectLst/>
+      </dsp:spPr>
+      <dsp:style>
+        <a:lnRef idx="0">
+          <a:scrgbClr r="0" g="0" b="0"/>
+        </a:lnRef>
+        <a:fillRef idx="0">
+          <a:scrgbClr r="0" g="0" b="0"/>
+        </a:fillRef>
+        <a:effectRef idx="0">
+          <a:scrgbClr r="0" g="0" b="0"/>
+        </a:effectRef>
+        <a:fontRef idx="minor"/>
+      </dsp:style>
+    </dsp:sp>
+    <dsp:sp modelId="{BACA9D20-9A29-41C7-8A2F-189DA9806CA5}">
+      <dsp:nvSpPr>
+        <dsp:cNvPr id="0" name=""/>
+        <dsp:cNvSpPr/>
+      </dsp:nvSpPr>
+      <dsp:spPr>
+        <a:xfrm>
+          <a:off x="3688425" y="115155"/>
+          <a:ext cx="1098562" cy="1098562"/>
+        </a:xfrm>
+        <a:prstGeom prst="rect">
+          <a:avLst/>
+        </a:prstGeom>
+        <a:blipFill>
+          <a:blip xmlns:r="http://schemas.openxmlformats.org/officeDocument/2006/relationships" r:embed="rId3">
+            <a:extLst>
+              <a:ext uri="{28A0092B-C50C-407E-A947-70E740481C1C}">
+                <a14:useLocalDpi xmlns:a14="http://schemas.microsoft.com/office/drawing/2010/main" val="0"/>
+              </a:ext>
+              <a:ext uri="{96DAC541-7B7A-43D3-8B79-37D633B846F1}">
+                <asvg:svgBlip xmlns:asvg="http://schemas.microsoft.com/office/drawing/2016/SVG/main" r:embed="rId4"/>
+              </a:ext>
+            </a:extLst>
+          </a:blip>
+          <a:stretch>
+            <a:fillRect/>
+          </a:stretch>
+        </a:blipFill>
+        <a:ln w="19050" cap="flat" cmpd="sng" algn="ctr">
+          <a:solidFill>
+            <a:schemeClr val="lt1">
+              <a:hueOff val="0"/>
+              <a:satOff val="0"/>
+              <a:lumOff val="0"/>
+              <a:alphaOff val="0"/>
+            </a:schemeClr>
+          </a:solidFill>
+          <a:prstDash val="solid"/>
+          <a:miter lim="800000"/>
+        </a:ln>
+        <a:effectLst/>
+      </dsp:spPr>
+      <dsp:style>
+        <a:lnRef idx="2">
+          <a:scrgbClr r="0" g="0" b="0"/>
+        </a:lnRef>
+        <a:fillRef idx="1">
+          <a:scrgbClr r="0" g="0" b="0"/>
+        </a:fillRef>
+        <a:effectRef idx="0">
+          <a:scrgbClr r="0" g="0" b="0"/>
+        </a:effectRef>
+        <a:fontRef idx="minor">
+          <a:schemeClr val="lt1"/>
+        </a:fontRef>
+      </dsp:style>
+    </dsp:sp>
+    <dsp:sp modelId="{B83A493A-4FEF-40C9-A2E3-B6475E097089}">
+      <dsp:nvSpPr>
+        <dsp:cNvPr id="0" name=""/>
+        <dsp:cNvSpPr/>
+      </dsp:nvSpPr>
+      <dsp:spPr>
+        <a:xfrm>
+          <a:off x="3688425" y="1390922"/>
+          <a:ext cx="3138750" cy="1677269"/>
+        </a:xfrm>
+        <a:prstGeom prst="rect">
+          <a:avLst/>
+        </a:prstGeom>
+        <a:noFill/>
+        <a:ln>
+          <a:noFill/>
+        </a:ln>
+        <a:effectLst/>
+      </dsp:spPr>
+      <dsp:style>
+        <a:lnRef idx="0">
+          <a:scrgbClr r="0" g="0" b="0"/>
+        </a:lnRef>
+        <a:fillRef idx="0">
+          <a:scrgbClr r="0" g="0" b="0"/>
+        </a:fillRef>
+        <a:effectRef idx="0">
+          <a:scrgbClr r="0" g="0" b="0"/>
+        </a:effectRef>
+        <a:fontRef idx="minor"/>
+      </dsp:style>
+      <dsp:txBody>
+        <a:bodyPr spcFirstLastPara="0" vert="horz" wrap="square" lIns="0" tIns="0" rIns="0" bIns="0" numCol="1" spcCol="1270" anchor="t" anchorCtr="0">
+          <a:noAutofit/>
+        </a:bodyPr>
+        <a:lstStyle/>
+        <a:p>
+          <a:pPr marL="0" lvl="0" indent="0" algn="l" defTabSz="800100">
+            <a:lnSpc>
+              <a:spcPct val="100000"/>
+            </a:lnSpc>
+            <a:spcBef>
+              <a:spcPct val="0"/>
+            </a:spcBef>
+            <a:spcAft>
+              <a:spcPct val="35000"/>
+            </a:spcAft>
+            <a:buNone/>
+            <a:defRPr b="1"/>
+          </a:pPr>
+          <a:r>
+            <a:rPr lang="pt-PT" sz="1800" b="1" kern="1200" dirty="0"/>
+            <a:t>Problema atual: </a:t>
+          </a:r>
+          <a:endParaRPr lang="en-US" sz="1800" kern="1200" dirty="0"/>
+        </a:p>
+      </dsp:txBody>
+      <dsp:txXfrm>
+        <a:off x="3688425" y="1390922"/>
+        <a:ext cx="3138750" cy="1677269"/>
+      </dsp:txXfrm>
+    </dsp:sp>
+    <dsp:sp modelId="{C553EF67-ABD0-4627-B2F5-7F5FAC49C53F}">
+      <dsp:nvSpPr>
+        <dsp:cNvPr id="0" name=""/>
+        <dsp:cNvSpPr/>
+      </dsp:nvSpPr>
+      <dsp:spPr>
+        <a:xfrm>
+          <a:off x="3688425" y="1730175"/>
+          <a:ext cx="3138750" cy="1085570"/>
+        </a:xfrm>
+        <a:prstGeom prst="rect">
+          <a:avLst/>
+        </a:prstGeom>
+        <a:noFill/>
+        <a:ln>
+          <a:noFill/>
+        </a:ln>
+        <a:effectLst/>
+      </dsp:spPr>
+      <dsp:style>
+        <a:lnRef idx="0">
+          <a:scrgbClr r="0" g="0" b="0"/>
+        </a:lnRef>
+        <a:fillRef idx="0">
+          <a:scrgbClr r="0" g="0" b="0"/>
+        </a:fillRef>
+        <a:effectRef idx="0">
+          <a:scrgbClr r="0" g="0" b="0"/>
+        </a:effectRef>
+        <a:fontRef idx="minor"/>
+      </dsp:style>
+      <dsp:txBody>
+        <a:bodyPr spcFirstLastPara="0" vert="horz" wrap="square" lIns="0" tIns="0" rIns="0" bIns="0" numCol="1" spcCol="1270" anchor="t" anchorCtr="0">
+          <a:noAutofit/>
+        </a:bodyPr>
+        <a:lstStyle/>
+        <a:p>
+          <a:pPr marL="0" lvl="0" indent="0" algn="l" defTabSz="622300">
+            <a:lnSpc>
+              <a:spcPct val="100000"/>
+            </a:lnSpc>
+            <a:spcBef>
+              <a:spcPct val="0"/>
+            </a:spcBef>
+            <a:spcAft>
+              <a:spcPct val="35000"/>
+            </a:spcAft>
+            <a:buNone/>
+          </a:pPr>
+          <a:r>
+            <a:rPr lang="pt-PT" sz="1400" kern="1200" dirty="0"/>
+            <a:t>Horários de difícil legibilidade e falta de informação sobre locais de interesse.</a:t>
+          </a:r>
+          <a:endParaRPr lang="en-US" sz="1400" kern="1200" dirty="0"/>
+        </a:p>
+      </dsp:txBody>
+      <dsp:txXfrm>
+        <a:off x="3688425" y="1730175"/>
+        <a:ext cx="3138750" cy="1085570"/>
+      </dsp:txXfrm>
+    </dsp:sp>
+    <dsp:sp modelId="{068B5471-49B9-43CA-A13E-2DF665C331F9}">
+      <dsp:nvSpPr>
+        <dsp:cNvPr id="0" name=""/>
+        <dsp:cNvSpPr/>
+      </dsp:nvSpPr>
+      <dsp:spPr>
+        <a:xfrm>
+          <a:off x="7376456" y="115155"/>
+          <a:ext cx="1098562" cy="1098562"/>
+        </a:xfrm>
+        <a:prstGeom prst="rect">
+          <a:avLst/>
+        </a:prstGeom>
+        <a:blipFill>
+          <a:blip xmlns:r="http://schemas.openxmlformats.org/officeDocument/2006/relationships" r:embed="rId5">
+            <a:extLst>
+              <a:ext uri="{28A0092B-C50C-407E-A947-70E740481C1C}">
+                <a14:useLocalDpi xmlns:a14="http://schemas.microsoft.com/office/drawing/2010/main" val="0"/>
+              </a:ext>
+              <a:ext uri="{96DAC541-7B7A-43D3-8B79-37D633B846F1}">
+                <asvg:svgBlip xmlns:asvg="http://schemas.microsoft.com/office/drawing/2016/SVG/main" r:embed="rId6"/>
+              </a:ext>
+            </a:extLst>
+          </a:blip>
+          <a:stretch>
+            <a:fillRect/>
+          </a:stretch>
+        </a:blipFill>
+        <a:ln w="19050" cap="flat" cmpd="sng" algn="ctr">
+          <a:solidFill>
+            <a:schemeClr val="lt1">
+              <a:hueOff val="0"/>
+              <a:satOff val="0"/>
+              <a:lumOff val="0"/>
+              <a:alphaOff val="0"/>
+            </a:schemeClr>
+          </a:solidFill>
+          <a:prstDash val="solid"/>
+          <a:miter lim="800000"/>
+        </a:ln>
+        <a:effectLst/>
+      </dsp:spPr>
+      <dsp:style>
+        <a:lnRef idx="2">
+          <a:scrgbClr r="0" g="0" b="0"/>
+        </a:lnRef>
+        <a:fillRef idx="1">
+          <a:scrgbClr r="0" g="0" b="0"/>
+        </a:fillRef>
+        <a:effectRef idx="0">
+          <a:scrgbClr r="0" g="0" b="0"/>
+        </a:effectRef>
+        <a:fontRef idx="minor">
+          <a:schemeClr val="lt1"/>
+        </a:fontRef>
+      </dsp:style>
+    </dsp:sp>
+    <dsp:sp modelId="{38DE26D3-4D99-4D6F-9AF3-8690A143AB0F}">
+      <dsp:nvSpPr>
+        <dsp:cNvPr id="0" name=""/>
+        <dsp:cNvSpPr/>
+      </dsp:nvSpPr>
+      <dsp:spPr>
+        <a:xfrm>
+          <a:off x="7376456" y="1390922"/>
+          <a:ext cx="3138750" cy="1677269"/>
+        </a:xfrm>
+        <a:prstGeom prst="rect">
+          <a:avLst/>
+        </a:prstGeom>
+        <a:noFill/>
+        <a:ln>
+          <a:noFill/>
+        </a:ln>
+        <a:effectLst/>
+      </dsp:spPr>
+      <dsp:style>
+        <a:lnRef idx="0">
+          <a:scrgbClr r="0" g="0" b="0"/>
+        </a:lnRef>
+        <a:fillRef idx="0">
+          <a:scrgbClr r="0" g="0" b="0"/>
+        </a:fillRef>
+        <a:effectRef idx="0">
+          <a:scrgbClr r="0" g="0" b="0"/>
+        </a:effectRef>
+        <a:fontRef idx="minor"/>
+      </dsp:style>
+      <dsp:txBody>
+        <a:bodyPr spcFirstLastPara="0" vert="horz" wrap="square" lIns="0" tIns="0" rIns="0" bIns="0" numCol="1" spcCol="1270" anchor="t" anchorCtr="0">
+          <a:noAutofit/>
+        </a:bodyPr>
+        <a:lstStyle/>
+        <a:p>
+          <a:pPr marL="0" lvl="0" indent="0" algn="l" defTabSz="800100">
+            <a:lnSpc>
+              <a:spcPct val="100000"/>
+            </a:lnSpc>
+            <a:spcBef>
+              <a:spcPct val="0"/>
+            </a:spcBef>
+            <a:spcAft>
+              <a:spcPct val="35000"/>
+            </a:spcAft>
+            <a:buNone/>
+            <a:defRPr b="1"/>
+          </a:pPr>
+          <a:r>
+            <a:rPr lang="pt-PT" sz="1800" b="1" kern="1200" dirty="0"/>
+            <a:t>Objetivo do projeto: </a:t>
+          </a:r>
+          <a:endParaRPr lang="en-US" sz="1800" kern="1200" dirty="0"/>
+        </a:p>
+      </dsp:txBody>
+      <dsp:txXfrm>
+        <a:off x="7376456" y="1390922"/>
+        <a:ext cx="3138750" cy="1677269"/>
+      </dsp:txXfrm>
+    </dsp:sp>
+    <dsp:sp modelId="{020B2836-03E0-4D6A-99DF-44979992C165}">
+      <dsp:nvSpPr>
+        <dsp:cNvPr id="0" name=""/>
+        <dsp:cNvSpPr/>
+      </dsp:nvSpPr>
+      <dsp:spPr>
+        <a:xfrm>
+          <a:off x="7289355" y="1784269"/>
+          <a:ext cx="3138750" cy="1085570"/>
+        </a:xfrm>
+        <a:prstGeom prst="rect">
+          <a:avLst/>
+        </a:prstGeom>
+        <a:noFill/>
+        <a:ln>
+          <a:noFill/>
+        </a:ln>
+        <a:effectLst/>
+      </dsp:spPr>
+      <dsp:style>
+        <a:lnRef idx="0">
+          <a:scrgbClr r="0" g="0" b="0"/>
+        </a:lnRef>
+        <a:fillRef idx="0">
+          <a:scrgbClr r="0" g="0" b="0"/>
+        </a:fillRef>
+        <a:effectRef idx="0">
+          <a:scrgbClr r="0" g="0" b="0"/>
+        </a:effectRef>
+        <a:fontRef idx="minor"/>
+      </dsp:style>
+      <dsp:txBody>
+        <a:bodyPr spcFirstLastPara="0" vert="horz" wrap="square" lIns="0" tIns="0" rIns="0" bIns="0" numCol="1" spcCol="1270" anchor="t" anchorCtr="0">
+          <a:noAutofit/>
+        </a:bodyPr>
+        <a:lstStyle/>
+        <a:p>
+          <a:pPr marL="0" lvl="0" indent="0" algn="l" defTabSz="622300">
+            <a:lnSpc>
+              <a:spcPct val="100000"/>
+            </a:lnSpc>
+            <a:spcBef>
+              <a:spcPct val="0"/>
+            </a:spcBef>
+            <a:spcAft>
+              <a:spcPct val="35000"/>
+            </a:spcAft>
+            <a:buNone/>
+          </a:pPr>
+          <a:r>
+            <a:rPr lang="pt-PT" sz="1400" kern="1200" dirty="0"/>
+            <a:t>Desenvolver uma aplicação que permita aos alunos visualizar os horários de forma dinâmica e obter informações sobre a localização de pontos de interesse no campus.</a:t>
+          </a:r>
+          <a:endParaRPr lang="en-US" sz="1400" kern="1200" dirty="0"/>
+        </a:p>
+      </dsp:txBody>
+      <dsp:txXfrm>
+        <a:off x="7289355" y="1784269"/>
+        <a:ext cx="3138750" cy="1085570"/>
+      </dsp:txXfrm>
+    </dsp:sp>
+  </dsp:spTree>
+</dsp:drawing>
+</file>
+
+<file path=ppt/diagrams/drawing2.xml><?xml version="1.0" encoding="utf-8"?>
+<dsp:drawing xmlns:dgm="http://schemas.openxmlformats.org/drawingml/2006/diagram" xmlns:dsp="http://schemas.microsoft.com/office/drawing/2008/diagram" xmlns:a="http://schemas.openxmlformats.org/drawingml/2006/main">
+  <dsp:spTree>
+    <dsp:nvGrpSpPr>
+      <dsp:cNvPr id="0" name=""/>
+      <dsp:cNvGrpSpPr/>
+    </dsp:nvGrpSpPr>
+    <dsp:grpSpPr/>
+    <dsp:sp modelId="{9C6694EC-2211-4FA9-A14E-17F5A276777E}">
+      <dsp:nvSpPr>
+        <dsp:cNvPr id="0" name=""/>
+        <dsp:cNvSpPr/>
+      </dsp:nvSpPr>
+      <dsp:spPr>
+        <a:xfrm>
+          <a:off x="559800" y="126725"/>
+          <a:ext cx="1512000" cy="1512000"/>
+        </a:xfrm>
+        <a:prstGeom prst="rect">
+          <a:avLst/>
+        </a:prstGeom>
+        <a:blipFill>
+          <a:blip xmlns:r="http://schemas.openxmlformats.org/officeDocument/2006/relationships" r:embed="rId1">
+            <a:extLst>
+              <a:ext uri="{28A0092B-C50C-407E-A947-70E740481C1C}">
+                <a14:useLocalDpi xmlns:a14="http://schemas.microsoft.com/office/drawing/2010/main" val="0"/>
+              </a:ext>
+              <a:ext uri="{96DAC541-7B7A-43D3-8B79-37D633B846F1}">
+                <asvg:svgBlip xmlns:asvg="http://schemas.microsoft.com/office/drawing/2016/SVG/main" r:embed="rId2"/>
+              </a:ext>
+            </a:extLst>
+          </a:blip>
+          <a:stretch>
+            <a:fillRect/>
+          </a:stretch>
+        </a:blipFill>
+        <a:ln w="19050" cap="flat" cmpd="sng" algn="ctr">
+          <a:solidFill>
+            <a:schemeClr val="lt1">
+              <a:hueOff val="0"/>
+              <a:satOff val="0"/>
+              <a:lumOff val="0"/>
+              <a:alphaOff val="0"/>
+            </a:schemeClr>
+          </a:solidFill>
+          <a:prstDash val="solid"/>
+          <a:miter lim="800000"/>
+        </a:ln>
+        <a:effectLst/>
+      </dsp:spPr>
+      <dsp:style>
+        <a:lnRef idx="2">
+          <a:scrgbClr r="0" g="0" b="0"/>
+        </a:lnRef>
+        <a:fillRef idx="1">
+          <a:scrgbClr r="0" g="0" b="0"/>
+        </a:fillRef>
+        <a:effectRef idx="0">
+          <a:scrgbClr r="0" g="0" b="0"/>
+        </a:effectRef>
+        <a:fontRef idx="minor">
+          <a:schemeClr val="lt1"/>
+        </a:fontRef>
+      </dsp:style>
+    </dsp:sp>
+    <dsp:sp modelId="{EC6DCC12-B11E-4AA2-B53B-DBA580D30D2B}">
+      <dsp:nvSpPr>
+        <dsp:cNvPr id="0" name=""/>
+        <dsp:cNvSpPr/>
+      </dsp:nvSpPr>
+      <dsp:spPr>
+        <a:xfrm>
+          <a:off x="559800" y="1814934"/>
+          <a:ext cx="4320000" cy="648000"/>
+        </a:xfrm>
+        <a:prstGeom prst="rect">
+          <a:avLst/>
+        </a:prstGeom>
+        <a:noFill/>
+        <a:ln>
+          <a:noFill/>
+        </a:ln>
+        <a:effectLst/>
+      </dsp:spPr>
+      <dsp:style>
+        <a:lnRef idx="0">
+          <a:scrgbClr r="0" g="0" b="0"/>
+        </a:lnRef>
+        <a:fillRef idx="0">
+          <a:scrgbClr r="0" g="0" b="0"/>
+        </a:fillRef>
+        <a:effectRef idx="0">
+          <a:scrgbClr r="0" g="0" b="0"/>
+        </a:effectRef>
+        <a:fontRef idx="minor"/>
+      </dsp:style>
+      <dsp:txBody>
+        <a:bodyPr spcFirstLastPara="0" vert="horz" wrap="square" lIns="0" tIns="0" rIns="0" bIns="0" numCol="1" spcCol="1270" anchor="t" anchorCtr="0">
+          <a:noAutofit/>
+        </a:bodyPr>
+        <a:lstStyle/>
+        <a:p>
+          <a:pPr marL="0" lvl="0" indent="0" algn="l" defTabSz="1600200">
+            <a:lnSpc>
+              <a:spcPct val="100000"/>
+            </a:lnSpc>
+            <a:spcBef>
+              <a:spcPct val="0"/>
+            </a:spcBef>
+            <a:spcAft>
+              <a:spcPct val="35000"/>
+            </a:spcAft>
+            <a:buNone/>
+            <a:defRPr b="1"/>
+          </a:pPr>
+          <a:r>
+            <a:rPr lang="pt-PT" sz="3600" b="1" kern="1200"/>
+            <a:t>Riscos:</a:t>
+          </a:r>
+          <a:endParaRPr lang="en-US" sz="3600" kern="1200"/>
+        </a:p>
+      </dsp:txBody>
+      <dsp:txXfrm>
+        <a:off x="559800" y="1814934"/>
+        <a:ext cx="4320000" cy="648000"/>
+      </dsp:txXfrm>
+    </dsp:sp>
+    <dsp:sp modelId="{3E08A376-85F5-4FC3-807D-47C9AC30D525}">
+      <dsp:nvSpPr>
+        <dsp:cNvPr id="0" name=""/>
+        <dsp:cNvSpPr/>
+      </dsp:nvSpPr>
+      <dsp:spPr>
+        <a:xfrm>
+          <a:off x="559800" y="2544892"/>
+          <a:ext cx="4320000" cy="1679719"/>
+        </a:xfrm>
+        <a:prstGeom prst="rect">
+          <a:avLst/>
+        </a:prstGeom>
+        <a:noFill/>
+        <a:ln>
+          <a:noFill/>
+        </a:ln>
+        <a:effectLst/>
+      </dsp:spPr>
+      <dsp:style>
+        <a:lnRef idx="0">
+          <a:scrgbClr r="0" g="0" b="0"/>
+        </a:lnRef>
+        <a:fillRef idx="0">
+          <a:scrgbClr r="0" g="0" b="0"/>
+        </a:fillRef>
+        <a:effectRef idx="0">
+          <a:scrgbClr r="0" g="0" b="0"/>
+        </a:effectRef>
+        <a:fontRef idx="minor"/>
+      </dsp:style>
+      <dsp:txBody>
+        <a:bodyPr spcFirstLastPara="0" vert="horz" wrap="square" lIns="0" tIns="0" rIns="0" bIns="0" numCol="1" spcCol="1270" anchor="t" anchorCtr="0">
+          <a:noAutofit/>
+        </a:bodyPr>
+        <a:lstStyle/>
+        <a:p>
+          <a:pPr marL="0" lvl="0" indent="0" algn="l" defTabSz="755650">
+            <a:lnSpc>
+              <a:spcPct val="100000"/>
+            </a:lnSpc>
+            <a:spcBef>
+              <a:spcPct val="0"/>
+            </a:spcBef>
+            <a:spcAft>
+              <a:spcPct val="35000"/>
+            </a:spcAft>
+            <a:buNone/>
+          </a:pPr>
+          <a:r>
+            <a:rPr lang="pt-PT" sz="1700" kern="1200"/>
+            <a:t>Utilização de novas técnicas e ferramentas.</a:t>
+          </a:r>
+          <a:endParaRPr lang="en-US" sz="1700" kern="1200"/>
+        </a:p>
+        <a:p>
+          <a:pPr marL="0" lvl="0" indent="0" algn="l" defTabSz="755650">
+            <a:lnSpc>
+              <a:spcPct val="100000"/>
+            </a:lnSpc>
+            <a:spcBef>
+              <a:spcPct val="0"/>
+            </a:spcBef>
+            <a:spcAft>
+              <a:spcPct val="35000"/>
+            </a:spcAft>
+            <a:buNone/>
+          </a:pPr>
+          <a:r>
+            <a:rPr lang="pt-PT" sz="1700" kern="1200"/>
+            <a:t>Aquisição de dados reais.</a:t>
+          </a:r>
+          <a:endParaRPr lang="en-US" sz="1700" kern="1200"/>
+        </a:p>
+        <a:p>
+          <a:pPr marL="0" lvl="0" indent="0" algn="l" defTabSz="755650">
+            <a:lnSpc>
+              <a:spcPct val="100000"/>
+            </a:lnSpc>
+            <a:spcBef>
+              <a:spcPct val="0"/>
+            </a:spcBef>
+            <a:spcAft>
+              <a:spcPct val="35000"/>
+            </a:spcAft>
+            <a:buNone/>
+          </a:pPr>
+          <a:r>
+            <a:rPr lang="pt-PT" sz="1700" kern="1200"/>
+            <a:t>Desafios na implementação da localização de pontos de interesse.</a:t>
+          </a:r>
+          <a:endParaRPr lang="en-US" sz="1700" kern="1200"/>
+        </a:p>
+      </dsp:txBody>
+      <dsp:txXfrm>
+        <a:off x="559800" y="2544892"/>
+        <a:ext cx="4320000" cy="1679719"/>
+      </dsp:txXfrm>
+    </dsp:sp>
+    <dsp:sp modelId="{80C5B0AA-EA79-4493-B874-70EF2FDA2EAE}">
+      <dsp:nvSpPr>
+        <dsp:cNvPr id="0" name=""/>
+        <dsp:cNvSpPr/>
+      </dsp:nvSpPr>
+      <dsp:spPr>
+        <a:xfrm>
+          <a:off x="5635800" y="126725"/>
+          <a:ext cx="1512000" cy="1512000"/>
+        </a:xfrm>
+        <a:prstGeom prst="rect">
+          <a:avLst/>
+        </a:prstGeom>
+        <a:blipFill>
+          <a:blip xmlns:r="http://schemas.openxmlformats.org/officeDocument/2006/relationships" r:embed="rId3">
+            <a:extLst>
+              <a:ext uri="{28A0092B-C50C-407E-A947-70E740481C1C}">
+                <a14:useLocalDpi xmlns:a14="http://schemas.microsoft.com/office/drawing/2010/main" val="0"/>
+              </a:ext>
+              <a:ext uri="{96DAC541-7B7A-43D3-8B79-37D633B846F1}">
+                <asvg:svgBlip xmlns:asvg="http://schemas.microsoft.com/office/drawing/2016/SVG/main" r:embed="rId4"/>
+              </a:ext>
+            </a:extLst>
+          </a:blip>
+          <a:stretch>
+            <a:fillRect/>
+          </a:stretch>
+        </a:blipFill>
+        <a:ln w="19050" cap="flat" cmpd="sng" algn="ctr">
+          <a:solidFill>
+            <a:schemeClr val="lt1">
+              <a:hueOff val="0"/>
+              <a:satOff val="0"/>
+              <a:lumOff val="0"/>
+              <a:alphaOff val="0"/>
+            </a:schemeClr>
+          </a:solidFill>
+          <a:prstDash val="solid"/>
+          <a:miter lim="800000"/>
+        </a:ln>
+        <a:effectLst/>
+      </dsp:spPr>
+      <dsp:style>
+        <a:lnRef idx="2">
+          <a:scrgbClr r="0" g="0" b="0"/>
+        </a:lnRef>
+        <a:fillRef idx="1">
+          <a:scrgbClr r="0" g="0" b="0"/>
+        </a:fillRef>
+        <a:effectRef idx="0">
+          <a:scrgbClr r="0" g="0" b="0"/>
+        </a:effectRef>
+        <a:fontRef idx="minor">
+          <a:schemeClr val="lt1"/>
+        </a:fontRef>
+      </dsp:style>
+    </dsp:sp>
+    <dsp:sp modelId="{639D92B6-09E2-4D23-9A15-9F36C4EB9732}">
+      <dsp:nvSpPr>
+        <dsp:cNvPr id="0" name=""/>
+        <dsp:cNvSpPr/>
+      </dsp:nvSpPr>
+      <dsp:spPr>
+        <a:xfrm>
+          <a:off x="5635800" y="1814934"/>
+          <a:ext cx="4320000" cy="648000"/>
+        </a:xfrm>
+        <a:prstGeom prst="rect">
+          <a:avLst/>
+        </a:prstGeom>
+        <a:noFill/>
+        <a:ln>
+          <a:noFill/>
+        </a:ln>
+        <a:effectLst/>
+      </dsp:spPr>
+      <dsp:style>
+        <a:lnRef idx="0">
+          <a:scrgbClr r="0" g="0" b="0"/>
+        </a:lnRef>
+        <a:fillRef idx="0">
+          <a:scrgbClr r="0" g="0" b="0"/>
+        </a:fillRef>
+        <a:effectRef idx="0">
+          <a:scrgbClr r="0" g="0" b="0"/>
+        </a:effectRef>
+        <a:fontRef idx="minor"/>
+      </dsp:style>
+      <dsp:txBody>
+        <a:bodyPr spcFirstLastPara="0" vert="horz" wrap="square" lIns="0" tIns="0" rIns="0" bIns="0" numCol="1" spcCol="1270" anchor="t" anchorCtr="0">
+          <a:noAutofit/>
+        </a:bodyPr>
+        <a:lstStyle/>
+        <a:p>
+          <a:pPr marL="0" lvl="0" indent="0" algn="l" defTabSz="1600200">
+            <a:lnSpc>
+              <a:spcPct val="100000"/>
+            </a:lnSpc>
+            <a:spcBef>
+              <a:spcPct val="0"/>
+            </a:spcBef>
+            <a:spcAft>
+              <a:spcPct val="35000"/>
+            </a:spcAft>
+            <a:buNone/>
+            <a:defRPr b="1"/>
+          </a:pPr>
+          <a:r>
+            <a:rPr lang="pt-PT" sz="3600" b="1" kern="1200"/>
+            <a:t>Conclusão:</a:t>
+          </a:r>
+          <a:endParaRPr lang="en-US" sz="3600" kern="1200"/>
+        </a:p>
+      </dsp:txBody>
+      <dsp:txXfrm>
+        <a:off x="5635800" y="1814934"/>
+        <a:ext cx="4320000" cy="648000"/>
+      </dsp:txXfrm>
+    </dsp:sp>
+    <dsp:sp modelId="{093CFA9B-9346-42E1-8F01-79057AB112FF}">
+      <dsp:nvSpPr>
+        <dsp:cNvPr id="0" name=""/>
+        <dsp:cNvSpPr/>
+      </dsp:nvSpPr>
+      <dsp:spPr>
+        <a:xfrm>
+          <a:off x="5635800" y="2544892"/>
+          <a:ext cx="4320000" cy="1679719"/>
+        </a:xfrm>
+        <a:prstGeom prst="rect">
+          <a:avLst/>
+        </a:prstGeom>
+        <a:noFill/>
+        <a:ln>
+          <a:noFill/>
+        </a:ln>
+        <a:effectLst/>
+      </dsp:spPr>
+      <dsp:style>
+        <a:lnRef idx="0">
+          <a:scrgbClr r="0" g="0" b="0"/>
+        </a:lnRef>
+        <a:fillRef idx="0">
+          <a:scrgbClr r="0" g="0" b="0"/>
+        </a:fillRef>
+        <a:effectRef idx="0">
+          <a:scrgbClr r="0" g="0" b="0"/>
+        </a:effectRef>
+        <a:fontRef idx="minor"/>
+      </dsp:style>
+      <dsp:txBody>
+        <a:bodyPr spcFirstLastPara="0" vert="horz" wrap="square" lIns="0" tIns="0" rIns="0" bIns="0" numCol="1" spcCol="1270" anchor="t" anchorCtr="0">
+          <a:noAutofit/>
+        </a:bodyPr>
+        <a:lstStyle/>
+        <a:p>
+          <a:pPr marL="0" lvl="0" indent="0" algn="l" defTabSz="755650">
+            <a:lnSpc>
+              <a:spcPct val="100000"/>
+            </a:lnSpc>
+            <a:spcBef>
+              <a:spcPct val="0"/>
+            </a:spcBef>
+            <a:spcAft>
+              <a:spcPct val="35000"/>
+            </a:spcAft>
+            <a:buNone/>
+          </a:pPr>
+          <a:r>
+            <a:rPr lang="pt-PT" sz="1700" kern="1200"/>
+            <a:t>A aplicação ISELper tem o potencial de melhorar significativamente a experiência dos alunos do ISEL.</a:t>
+          </a:r>
+          <a:endParaRPr lang="en-US" sz="1700" kern="1200"/>
+        </a:p>
+        <a:p>
+          <a:pPr marL="0" lvl="0" indent="0" algn="l" defTabSz="755650">
+            <a:lnSpc>
+              <a:spcPct val="100000"/>
+            </a:lnSpc>
+            <a:spcBef>
+              <a:spcPct val="0"/>
+            </a:spcBef>
+            <a:spcAft>
+              <a:spcPct val="35000"/>
+            </a:spcAft>
+            <a:buNone/>
+          </a:pPr>
+          <a:r>
+            <a:rPr lang="pt-PT" sz="1700" kern="1200"/>
+            <a:t>Estamos comprometidos em enfrentar os desafios e desenvolver uma solução eficaz e robusta e possivelmente escalável.</a:t>
+          </a:r>
+          <a:endParaRPr lang="en-US" sz="1700" kern="1200"/>
+        </a:p>
+      </dsp:txBody>
+      <dsp:txXfrm>
+        <a:off x="5635800" y="2544892"/>
+        <a:ext cx="4320000" cy="1679719"/>
+      </dsp:txXfrm>
+    </dsp:sp>
+  </dsp:spTree>
+</dsp:drawing>
+</file>
+
+<file path=ppt/diagrams/layout1.xml><?xml version="1.0" encoding="utf-8"?>
+<dgm:layoutDef xmlns:dgm="http://schemas.openxmlformats.org/drawingml/2006/diagram" xmlns:a="http://schemas.openxmlformats.org/drawingml/2006/main" uniqueId="urn:microsoft.com/office/officeart/2018/2/layout/IconLabelDescriptionList">
+  <dgm:title val="Icon Label Description List"/>
+  <dgm:desc val="Use to show non-sequential or grouped chunks of information. The placeholder holds an icon or small picture, and corresponding text boxes show Level 1 and Level 2 text respectively. Works well for minimal Level 1 text accompanied by lengthier Level two text."/>
+  <dgm:catLst>
+    <dgm:cat type="icon" pri="500"/>
+  </dgm:catLst>
+  <dgm:sampData useDef="1">
+    <dgm:dataModel>
+      <dgm:ptLst/>
+      <dgm:bg/>
+      <dgm:whole/>
+    </dgm:dataModel>
+  </dgm:sampData>
+  <dgm:styleData useDef="1">
+    <dgm:dataModel>
+      <dgm:ptLst/>
+      <dgm:bg/>
+      <dgm:whole/>
+    </dgm:dataModel>
+  </dgm:styleData>
+  <dgm:clrData useDef="1">
+    <dgm:dataModel>
+      <dgm:ptLst/>
+      <dgm:bg/>
+      <dgm:whole/>
+    </dgm:dataModel>
+  </dgm:clrData>
+  <dgm:layoutNode name="root">
+    <dgm:varLst>
+      <dgm:dir/>
+      <dgm:resizeHandles val="exact"/>
+    </dgm:varLst>
+    <dgm:choose name="Name0">
+      <dgm:if name="Name1" axis="self" func="var" arg="dir" op="equ" val="norm">
+        <dgm:alg type="lin"/>
+      </dgm:if>
+      <dgm:else name="Name2">
+        <dgm:alg type="lin">
+          <dgm:param type="linDir" val="fromR"/>
+        </dgm:alg>
+      </dgm:else>
+    </dgm:choose>
+    <dgm:shape xmlns:r="http://schemas.openxmlformats.org/officeDocument/2006/relationships" r:blip="">
+      <dgm:adjLst/>
+    </dgm:shape>
+    <dgm:presOf/>
+    <dgm:constrLst>
+      <dgm:constr type="h" for="ch" forName="compNode" refType="h" fact="0.45"/>
+      <dgm:constr type="w" for="ch" forName="compNode" val="120"/>
+      <dgm:constr type="w" for="ch" forName="sibTrans" refType="w" refFor="ch" refForName="compNode" fact="0.175"/>
+      <dgm:constr type="primFontSz" for="des" forName="parTx" val="36"/>
+      <dgm:constr type="primFontSz" for="des" forName="desTx" refType="primFontSz" refFor="des" refForName="parTx" op="lte" fact="0.75"/>
+      <dgm:constr type="h" for="des" forName="compNode" op="equ"/>
+      <dgm:constr type="h" for="des" forName="iconRect" op="equ"/>
+      <dgm:constr type="w" for="des" forName="iconRect" op="equ"/>
+      <dgm:constr type="h" for="des" forName="iconSpace" op="equ"/>
+      <dgm:constr type="h" for="des" forName="parTx" op="equ"/>
+      <dgm:constr type="h" for="des" forName="txSpace" op="equ"/>
+      <dgm:constr type="h" for="des" forName="desTx" op="equ"/>
+    </dgm:constrLst>
+    <dgm:ruleLst>
+      <dgm:rule type="w" for="ch" forName="compNode" val="0" fact="NaN" max="NaN"/>
+    </dgm:ruleLst>
+    <dgm:forEach name="Name3" axis="ch" ptType="node">
+      <dgm:layoutNode name="compNode">
+        <dgm:alg type="composite"/>
+        <dgm:shape xmlns:r="http://schemas.openxmlformats.org/officeDocument/2006/relationships" r:blip="">
+          <dgm:adjLst/>
+        </dgm:shape>
+        <dgm:presOf axis="self"/>
+        <dgm:constrLst>
+          <dgm:constr type="w" for="ch" forName="iconRect" refType="w" fact="0.35"/>
+          <dgm:constr type="h" for="ch" forName="iconRect" refType="w" refFor="ch" refForName="iconRect"/>
+          <dgm:constr type="l" for="ch" forName="iconRect"/>
+          <dgm:constr type="t" for="ch" forName="iconRect"/>
+          <dgm:constr type="w" for="ch" forName="iconSpace" refType="w"/>
+          <dgm:constr type="h" for="ch" forName="iconSpace" refType="h" fact="0.043"/>
+          <dgm:constr type="l" for="ch" forName="iconSpace"/>
+          <dgm:constr type="t" for="ch" forName="iconSpace" refType="b" refFor="ch" refForName="iconRect"/>
+          <dgm:constr type="w" for="ch" forName="parTx" refType="w"/>
+          <dgm:constr type="h" for="ch" forName="parTx" refType="w" fact="0.15"/>
+          <dgm:constr type="l" for="ch" forName="parTx"/>
+          <dgm:constr type="t" for="ch" forName="parTx" refType="b" refFor="ch" refForName="iconSpace"/>
+          <dgm:constr type="h" for="ch" forName="txSpace" refType="h" fact="0.02"/>
+          <dgm:constr type="w" for="ch" forName="txSpace" refType="w"/>
+          <dgm:constr type="l" for="ch" forName="txSpace"/>
+          <dgm:constr type="t" for="ch" forName="txSpace" refType="b" refFor="ch" refForName="parTx"/>
+          <dgm:constr type="w" for="ch" forName="desTx" refType="w"/>
+          <dgm:constr type="l" for="ch" forName="desTx"/>
+          <dgm:constr type="t" for="ch" forName="desTx" refType="b" refFor="ch" refForName="txSpace"/>
+        </dgm:constrLst>
+        <dgm:ruleLst>
+          <dgm:rule type="h" val="INF" fact="NaN" max="NaN"/>
+        </dgm:ruleLst>
+        <dgm:layoutNode name="iconRect" styleLbl="node1">
+          <dgm:alg type="sp"/>
+          <dgm:shape xmlns:r="http://schemas.openxmlformats.org/officeDocument/2006/relationships" type="rect" r:blip="" blipPhldr="1">
+            <dgm:adjLst/>
+          </dgm:shape>
+          <dgm:presOf/>
+          <dgm:constrLst/>
+          <dgm:ruleLst/>
+        </dgm:layoutNode>
+        <dgm:layoutNode name="iconSpace">
+          <dgm:alg type="sp"/>
+          <dgm:shape xmlns:r="http://schemas.openxmlformats.org/officeDocument/2006/relationships" r:blip="">
+            <dgm:adjLst/>
+          </dgm:shape>
+          <dgm:presOf/>
+          <dgm:constrLst/>
+          <dgm:ruleLst/>
+        </dgm:layoutNode>
+        <dgm:layoutNode name="parTx" styleLbl="revTx">
+          <dgm:varLst>
+            <dgm:chMax val="0"/>
+            <dgm:chPref val="0"/>
+          </dgm:varLst>
+          <dgm:alg type="tx">
+            <dgm:param type="txAnchorVert" val="t"/>
+            <dgm:param type="parTxLTRAlign" val="l"/>
+            <dgm:param type="shpTxLTRAlignCh" val="l"/>
+            <dgm:param type="parTxRTLAlign" val="r"/>
+            <dgm:param type="shpTxRTLAlignCh" val="r"/>
+          </dgm:alg>
+          <dgm:shape xmlns:r="http://schemas.openxmlformats.org/officeDocument/2006/relationships" type="rect" r:blip="">
+            <dgm:adjLst/>
+          </dgm:shape>
+          <dgm:presOf axis="self" ptType="node"/>
+          <dgm:constrLst>
+            <dgm:constr type="lMarg"/>
+            <dgm:constr type="rMarg"/>
+            <dgm:constr type="tMarg"/>
+            <dgm:constr type="bMarg"/>
+          </dgm:constrLst>
+          <dgm:ruleLst>
+            <dgm:rule type="primFontSz" val="14" fact="NaN" max="NaN"/>
+            <dgm:rule type="h" val="INF" fact="NaN" max="NaN"/>
+          </dgm:ruleLst>
+        </dgm:layoutNode>
+        <dgm:layoutNode name="txSpace">
+          <dgm:alg type="sp"/>
+          <dgm:shape xmlns:r="http://schemas.openxmlformats.org/officeDocument/2006/relationships" r:blip="">
+            <dgm:adjLst/>
+          </dgm:shape>
+          <dgm:presOf/>
+          <dgm:constrLst/>
+          <dgm:ruleLst/>
+        </dgm:layoutNode>
+        <dgm:layoutNode name="desTx" styleLbl="revTx">
+          <dgm:varLst/>
+          <dgm:alg type="tx">
+            <dgm:param type="stBulletLvl" val="0"/>
+            <dgm:param type="txAnchorVert" val="t"/>
+            <dgm:param type="parTxLTRAlign" val="l"/>
+            <dgm:param type="shpTxLTRAlignCh" val="l"/>
+            <dgm:param type="parTxRTLAlign" val="r"/>
+            <dgm:param type="shpTxRTLAlignCh" val="r"/>
+          </dgm:alg>
+          <dgm:shape xmlns:r="http://schemas.openxmlformats.org/officeDocument/2006/relationships" type="rect" r:blip="">
+            <dgm:adjLst/>
+          </dgm:shape>
+          <dgm:presOf axis="des" ptType="node"/>
+          <dgm:constrLst>
+            <dgm:constr type="secFontSz" refType="primFontSz"/>
+            <dgm:constr type="lMarg"/>
+            <dgm:constr type="rMarg"/>
+            <dgm:constr type="tMarg"/>
+            <dgm:constr type="bMarg"/>
+          </dgm:constrLst>
+          <dgm:ruleLst>
+            <dgm:rule type="primFontSz" val="NaN" fact="NaN" max="17"/>
+            <dgm:rule type="h" val="INF" fact="NaN" max="NaN"/>
+          </dgm:ruleLst>
+        </dgm:layoutNode>
+      </dgm:layoutNode>
+      <dgm:forEach name="Name4" axis="followSib" ptType="sibTrans" cnt="1">
+        <dgm:layoutNode name="sibTrans">
+          <dgm:alg type="sp"/>
+          <dgm:shape xmlns:r="http://schemas.openxmlformats.org/officeDocument/2006/relationships" r:blip="">
+            <dgm:adjLst/>
+          </dgm:shape>
+          <dgm:presOf axis="self"/>
+          <dgm:constrLst/>
+          <dgm:ruleLst/>
+        </dgm:layoutNode>
+      </dgm:forEach>
+    </dgm:forEach>
+  </dgm:layoutNode>
+  <dgm:extLst>
+    <a:ext uri="{68A01E43-0DF5-4B5B-8FA6-DAF915123BFB}">
+      <dgm1612:lstStyle xmlns:dgm1612="http://schemas.microsoft.com/office/drawing/2016/12/diagram">
+        <a:lvl1pPr>
+          <a:lnSpc>
+            <a:spcPct val="100000"/>
+          </a:lnSpc>
+          <a:defRPr b="1"/>
+        </a:lvl1pPr>
+        <a:lvl2pPr>
+          <a:lnSpc>
+            <a:spcPct val="100000"/>
+          </a:lnSpc>
+        </a:lvl2pPr>
+      </dgm1612:lstStyle>
+    </a:ext>
+  </dgm:extLst>
+</dgm:layoutDef>
+</file>
+
+<file path=ppt/diagrams/layout2.xml><?xml version="1.0" encoding="utf-8"?>
+<dgm:layoutDef xmlns:dgm="http://schemas.openxmlformats.org/drawingml/2006/diagram" xmlns:a="http://schemas.openxmlformats.org/drawingml/2006/main" uniqueId="urn:microsoft.com/office/officeart/2018/2/layout/IconLabelDescriptionList">
+  <dgm:title val="Icon Label Description List"/>
+  <dgm:desc val="Use to show non-sequential or grouped chunks of information. The placeholder holds an icon or small picture, and corresponding text boxes show Level 1 and Level 2 text respectively. Works well for minimal Level 1 text accompanied by lengthier Level two text."/>
+  <dgm:catLst>
+    <dgm:cat type="icon" pri="500"/>
+  </dgm:catLst>
+  <dgm:sampData useDef="1">
+    <dgm:dataModel>
+      <dgm:ptLst/>
+      <dgm:bg/>
+      <dgm:whole/>
+    </dgm:dataModel>
+  </dgm:sampData>
+  <dgm:styleData useDef="1">
+    <dgm:dataModel>
+      <dgm:ptLst/>
+      <dgm:bg/>
+      <dgm:whole/>
+    </dgm:dataModel>
+  </dgm:styleData>
+  <dgm:clrData useDef="1">
+    <dgm:dataModel>
+      <dgm:ptLst/>
+      <dgm:bg/>
+      <dgm:whole/>
+    </dgm:dataModel>
+  </dgm:clrData>
+  <dgm:layoutNode name="root">
+    <dgm:varLst>
+      <dgm:dir/>
+      <dgm:resizeHandles val="exact"/>
+    </dgm:varLst>
+    <dgm:choose name="Name0">
+      <dgm:if name="Name1" axis="self" func="var" arg="dir" op="equ" val="norm">
+        <dgm:alg type="lin"/>
+      </dgm:if>
+      <dgm:else name="Name2">
+        <dgm:alg type="lin">
+          <dgm:param type="linDir" val="fromR"/>
+        </dgm:alg>
+      </dgm:else>
+    </dgm:choose>
+    <dgm:shape xmlns:r="http://schemas.openxmlformats.org/officeDocument/2006/relationships" r:blip="">
+      <dgm:adjLst/>
+    </dgm:shape>
+    <dgm:presOf/>
+    <dgm:constrLst>
+      <dgm:constr type="h" for="ch" forName="compNode" refType="h" fact="0.45"/>
+      <dgm:constr type="w" for="ch" forName="compNode" val="120"/>
+      <dgm:constr type="w" for="ch" forName="sibTrans" refType="w" refFor="ch" refForName="compNode" fact="0.175"/>
+      <dgm:constr type="primFontSz" for="des" forName="parTx" val="36"/>
+      <dgm:constr type="primFontSz" for="des" forName="desTx" refType="primFontSz" refFor="des" refForName="parTx" op="lte" fact="0.75"/>
+      <dgm:constr type="h" for="des" forName="compNode" op="equ"/>
+      <dgm:constr type="h" for="des" forName="iconRect" op="equ"/>
+      <dgm:constr type="w" for="des" forName="iconRect" op="equ"/>
+      <dgm:constr type="h" for="des" forName="iconSpace" op="equ"/>
+      <dgm:constr type="h" for="des" forName="parTx" op="equ"/>
+      <dgm:constr type="h" for="des" forName="txSpace" op="equ"/>
+      <dgm:constr type="h" for="des" forName="desTx" op="equ"/>
+    </dgm:constrLst>
+    <dgm:ruleLst>
+      <dgm:rule type="w" for="ch" forName="compNode" val="0" fact="NaN" max="NaN"/>
+    </dgm:ruleLst>
+    <dgm:forEach name="Name3" axis="ch" ptType="node">
+      <dgm:layoutNode name="compNode">
+        <dgm:alg type="composite"/>
+        <dgm:shape xmlns:r="http://schemas.openxmlformats.org/officeDocument/2006/relationships" r:blip="">
+          <dgm:adjLst/>
+        </dgm:shape>
+        <dgm:presOf axis="self"/>
+        <dgm:constrLst>
+          <dgm:constr type="w" for="ch" forName="iconRect" refType="w" fact="0.35"/>
+          <dgm:constr type="h" for="ch" forName="iconRect" refType="w" refFor="ch" refForName="iconRect"/>
+          <dgm:constr type="l" for="ch" forName="iconRect"/>
+          <dgm:constr type="t" for="ch" forName="iconRect"/>
+          <dgm:constr type="w" for="ch" forName="iconSpace" refType="w"/>
+          <dgm:constr type="h" for="ch" forName="iconSpace" refType="h" fact="0.043"/>
+          <dgm:constr type="l" for="ch" forName="iconSpace"/>
+          <dgm:constr type="t" for="ch" forName="iconSpace" refType="b" refFor="ch" refForName="iconRect"/>
+          <dgm:constr type="w" for="ch" forName="parTx" refType="w"/>
+          <dgm:constr type="h" for="ch" forName="parTx" refType="w" fact="0.15"/>
+          <dgm:constr type="l" for="ch" forName="parTx"/>
+          <dgm:constr type="t" for="ch" forName="parTx" refType="b" refFor="ch" refForName="iconSpace"/>
+          <dgm:constr type="h" for="ch" forName="txSpace" refType="h" fact="0.02"/>
+          <dgm:constr type="w" for="ch" forName="txSpace" refType="w"/>
+          <dgm:constr type="l" for="ch" forName="txSpace"/>
+          <dgm:constr type="t" for="ch" forName="txSpace" refType="b" refFor="ch" refForName="parTx"/>
+          <dgm:constr type="w" for="ch" forName="desTx" refType="w"/>
+          <dgm:constr type="l" for="ch" forName="desTx"/>
+          <dgm:constr type="t" for="ch" forName="desTx" refType="b" refFor="ch" refForName="txSpace"/>
+        </dgm:constrLst>
+        <dgm:ruleLst>
+          <dgm:rule type="h" val="INF" fact="NaN" max="NaN"/>
+        </dgm:ruleLst>
+        <dgm:layoutNode name="iconRect" styleLbl="node1">
+          <dgm:alg type="sp"/>
+          <dgm:shape xmlns:r="http://schemas.openxmlformats.org/officeDocument/2006/relationships" type="rect" r:blip="" blipPhldr="1">
+            <dgm:adjLst/>
+          </dgm:shape>
+          <dgm:presOf/>
+          <dgm:constrLst/>
+          <dgm:ruleLst/>
+        </dgm:layoutNode>
+        <dgm:layoutNode name="iconSpace">
+          <dgm:alg type="sp"/>
+          <dgm:shape xmlns:r="http://schemas.openxmlformats.org/officeDocument/2006/relationships" r:blip="">
+            <dgm:adjLst/>
+          </dgm:shape>
+          <dgm:presOf/>
+          <dgm:constrLst/>
+          <dgm:ruleLst/>
+        </dgm:layoutNode>
+        <dgm:layoutNode name="parTx" styleLbl="revTx">
+          <dgm:varLst>
+            <dgm:chMax val="0"/>
+            <dgm:chPref val="0"/>
+          </dgm:varLst>
+          <dgm:alg type="tx">
+            <dgm:param type="txAnchorVert" val="t"/>
+            <dgm:param type="parTxLTRAlign" val="l"/>
+            <dgm:param type="shpTxLTRAlignCh" val="l"/>
+            <dgm:param type="parTxRTLAlign" val="r"/>
+            <dgm:param type="shpTxRTLAlignCh" val="r"/>
+          </dgm:alg>
+          <dgm:shape xmlns:r="http://schemas.openxmlformats.org/officeDocument/2006/relationships" type="rect" r:blip="">
+            <dgm:adjLst/>
+          </dgm:shape>
+          <dgm:presOf axis="self" ptType="node"/>
+          <dgm:constrLst>
+            <dgm:constr type="lMarg"/>
+            <dgm:constr type="rMarg"/>
+            <dgm:constr type="tMarg"/>
+            <dgm:constr type="bMarg"/>
+          </dgm:constrLst>
+          <dgm:ruleLst>
+            <dgm:rule type="primFontSz" val="14" fact="NaN" max="NaN"/>
+            <dgm:rule type="h" val="INF" fact="NaN" max="NaN"/>
+          </dgm:ruleLst>
+        </dgm:layoutNode>
+        <dgm:layoutNode name="txSpace">
+          <dgm:alg type="sp"/>
+          <dgm:shape xmlns:r="http://schemas.openxmlformats.org/officeDocument/2006/relationships" r:blip="">
+            <dgm:adjLst/>
+          </dgm:shape>
+          <dgm:presOf/>
+          <dgm:constrLst/>
+          <dgm:ruleLst/>
+        </dgm:layoutNode>
+        <dgm:layoutNode name="desTx" styleLbl="revTx">
+          <dgm:varLst/>
+          <dgm:alg type="tx">
+            <dgm:param type="stBulletLvl" val="0"/>
+            <dgm:param type="txAnchorVert" val="t"/>
+            <dgm:param type="parTxLTRAlign" val="l"/>
+            <dgm:param type="shpTxLTRAlignCh" val="l"/>
+            <dgm:param type="parTxRTLAlign" val="r"/>
+            <dgm:param type="shpTxRTLAlignCh" val="r"/>
+          </dgm:alg>
+          <dgm:shape xmlns:r="http://schemas.openxmlformats.org/officeDocument/2006/relationships" type="rect" r:blip="">
+            <dgm:adjLst/>
+          </dgm:shape>
+          <dgm:presOf axis="des" ptType="node"/>
+          <dgm:constrLst>
+            <dgm:constr type="secFontSz" refType="primFontSz"/>
+            <dgm:constr type="lMarg"/>
+            <dgm:constr type="rMarg"/>
+            <dgm:constr type="tMarg"/>
+            <dgm:constr type="bMarg"/>
+          </dgm:constrLst>
+          <dgm:ruleLst>
+            <dgm:rule type="primFontSz" val="NaN" fact="NaN" max="17"/>
+            <dgm:rule type="h" val="INF" fact="NaN" max="NaN"/>
+          </dgm:ruleLst>
+        </dgm:layoutNode>
+      </dgm:layoutNode>
+      <dgm:forEach name="Name4" axis="followSib" ptType="sibTrans" cnt="1">
+        <dgm:layoutNode name="sibTrans">
+          <dgm:alg type="sp"/>
+          <dgm:shape xmlns:r="http://schemas.openxmlformats.org/officeDocument/2006/relationships" r:blip="">
+            <dgm:adjLst/>
+          </dgm:shape>
+          <dgm:presOf axis="self"/>
+          <dgm:constrLst/>
+          <dgm:ruleLst/>
+        </dgm:layoutNode>
+      </dgm:forEach>
+    </dgm:forEach>
+  </dgm:layoutNode>
+  <dgm:extLst>
+    <a:ext uri="{68A01E43-0DF5-4B5B-8FA6-DAF915123BFB}">
+      <dgm1612:lstStyle xmlns:dgm1612="http://schemas.microsoft.com/office/drawing/2016/12/diagram">
+        <a:lvl1pPr>
+          <a:lnSpc>
+            <a:spcPct val="100000"/>
+          </a:lnSpc>
+          <a:defRPr b="1"/>
+        </a:lvl1pPr>
+        <a:lvl2pPr>
+          <a:lnSpc>
+            <a:spcPct val="100000"/>
+          </a:lnSpc>
+        </a:lvl2pPr>
+      </dgm1612:lstStyle>
+    </a:ext>
+  </dgm:extLst>
+</dgm:layoutDef>
+</file>
+
+<file path=ppt/diagrams/quickStyle1.xml><?xml version="1.0" encoding="utf-8"?>
+<dgm:styleDef xmlns:dgm="http://schemas.openxmlformats.org/drawingml/2006/diagram" xmlns:a="http://schemas.openxmlformats.org/drawingml/2006/main" uniqueId="urn:microsoft.com/office/officeart/2005/8/quickstyle/simple1">
+  <dgm:title val=""/>
+  <dgm:desc val=""/>
+  <dgm:catLst>
+    <dgm:cat type="simple" pri="10100"/>
+  </dgm:catLst>
+  <dgm:scene3d>
+    <a:camera prst="orthographicFront"/>
+    <a:lightRig rig="threePt" dir="t"/>
+  </dgm:scene3d>
+  <dgm:styleLbl name="node0">
+    <dgm:scene3d>
+      <a:camera prst="orthographicFront"/>
+      <a:lightRig rig="threePt" dir="t"/>
+    </dgm:scene3d>
+    <dgm:sp3d/>
+    <dgm:txPr/>
+    <dgm:style>
+      <a:lnRef idx="2">
+        <a:scrgbClr r="0" g="0" b="0"/>
+      </a:lnRef>
+      <a:fillRef idx="1">
+        <a:scrgbClr r="0" g="0" b="0"/>
+      </a:fillRef>
+      <a:effectRef idx="0">
+        <a:scrgbClr r="0" g="0" b="0"/>
+      </a:effectRef>
+      <a:fontRef idx="minor">
+        <a:schemeClr val="lt1"/>
+      </a:fontRef>
+    </dgm:style>
+  </dgm:styleLbl>
+  <dgm:styleLbl name="lnNode1">
+    <dgm:scene3d>
+      <a:camera prst="orthographicFront"/>
+      <a:lightRig rig="threePt" dir="t"/>
+    </dgm:scene3d>
+    <dgm:sp3d/>
+    <dgm:txPr/>
+    <dgm:style>
+      <a:lnRef idx="2">
+        <a:scrgbClr r="0" g="0" b="0"/>
+      </a:lnRef>
+      <a:fillRef idx="1">
+        <a:scrgbClr r="0" g="0" b="0"/>
+      </a:fillRef>
+      <a:effectRef idx="0">
+        <a:scrgbClr r="0" g="0" b="0"/>
+      </a:effectRef>
+      <a:fontRef idx="minor">
+        <a:schemeClr val="lt1"/>
+      </a:fontRef>
+    </dgm:style>
+  </dgm:styleLbl>
+  <dgm:styleLbl name="vennNode1">
+    <dgm:scene3d>
+      <a:camera prst="orthographicFront"/>
+      <a:lightRig rig="threePt" dir="t"/>
+    </dgm:scene3d>
+    <dgm:sp3d/>
+    <dgm:txPr/>
+    <dgm:style>
+      <a:lnRef idx="2">
+        <a:scrgbClr r="0" g="0" b="0"/>
+      </a:lnRef>
+      <a:fillRef idx="1">
+        <a:scrgbClr r="0" g="0" b="0"/>
+      </a:fillRef>
+      <a:effectRef idx="0">
+        <a:scrgbClr r="0" g="0" b="0"/>
+      </a:effectRef>
+      <a:fontRef idx="minor">
+        <a:schemeClr val="tx1"/>
+      </a:fontRef>
+    </dgm:style>
+  </dgm:styleLbl>
+  <dgm:styleLbl name="alignNode1">
+    <dgm:scene3d>
+      <a:camera prst="orthographicFront"/>
+      <a:lightRig rig="threePt" dir="t"/>
+    </dgm:scene3d>
+    <dgm:sp3d/>
+    <dgm:txPr/>
+    <dgm:style>
+      <a:lnRef idx="2">
+        <a:scrgbClr r="0" g="0" b="0"/>
+      </a:lnRef>
+      <a:fillRef idx="1">
+        <a:scrgbClr r="0" g="0" b="0"/>
+      </a:fillRef>
+      <a:effectRef idx="0">
+        <a:scrgbClr r="0" g="0" b="0"/>
+      </a:effectRef>
+      <a:fontRef idx="minor">
+        <a:schemeClr val="lt1"/>
+      </a:fontRef>
+    </dgm:style>
+  </dgm:styleLbl>
+  <dgm:styleLbl name="node1">
+    <dgm:scene3d>
+      <a:camera prst="orthographicFront"/>
+      <a:lightRig rig="threePt" dir="t"/>
+    </dgm:scene3d>
+    <dgm:sp3d/>
+    <dgm:txPr/>
+    <dgm:style>
+      <a:lnRef idx="2">
+        <a:scrgbClr r="0" g="0" b="0"/>
+      </a:lnRef>
+      <a:fillRef idx="1">
+        <a:scrgbClr r="0" g="0" b="0"/>
+      </a:fillRef>
+      <a:effectRef idx="0">
+        <a:scrgbClr r="0" g="0" b="0"/>
+      </a:effectRef>
+      <a:fontRef idx="minor">
+        <a:schemeClr val="lt1"/>
+      </a:fontRef>
+    </dgm:style>
+  </dgm:styleLbl>
+  <dgm:styleLbl name="node2">
+    <dgm:scene3d>
+      <a:camera prst="orthographicFront"/>
+      <a:lightRig rig="threePt" dir="t"/>
+    </dgm:scene3d>
+    <dgm:sp3d/>
+    <dgm:txPr/>
+    <dgm:style>
+      <a:lnRef idx="2">
+        <a:scrgbClr r="0" g="0" b="0"/>
+      </a:lnRef>
+      <a:fillRef idx="1">
+        <a:scrgbClr r="0" g="0" b="0"/>
+      </a:fillRef>
+      <a:effectRef idx="0">
+        <a:scrgbClr r="0" g="0" b="0"/>
+      </a:effectRef>
+      <a:fontRef idx="minor">
+        <a:schemeClr val="lt1"/>
+      </a:fontRef>
+    </dgm:style>
+  </dgm:styleLbl>
+  <dgm:styleLbl name="node3">
+    <dgm:scene3d>
+      <a:camera prst="orthographicFront"/>
+      <a:lightRig rig="threePt" dir="t"/>
+    </dgm:scene3d>
+    <dgm:sp3d/>
+    <dgm:txPr/>
+    <dgm:style>
+      <a:lnRef idx="2">
+        <a:scrgbClr r="0" g="0" b="0"/>
+      </a:lnRef>
+      <a:fillRef idx="1">
+        <a:scrgbClr r="0" g="0" b="0"/>
+      </a:fillRef>
+      <a:effectRef idx="0">
+        <a:scrgbClr r="0" g="0" b="0"/>
+      </a:effectRef>
+      <a:fontRef idx="minor">
+        <a:schemeClr val="lt1"/>
+      </a:fontRef>
+    </dgm:style>
+  </dgm:styleLbl>
+  <dgm:styleLbl name="node4">
+    <dgm:scene3d>
+      <a:camera prst="orthographicFront"/>
+      <a:lightRig rig="threePt" dir="t"/>
+    </dgm:scene3d>
+    <dgm:sp3d/>
+    <dgm:txPr/>
+    <dgm:style>
+      <a:lnRef idx="2">
+        <a:scrgbClr r="0" g="0" b="0"/>
+      </a:lnRef>
+      <a:fillRef idx="1">
+        <a:scrgbClr r="0" g="0" b="0"/>
+      </a:fillRef>
+      <a:effectRef idx="0">
+        <a:scrgbClr r="0" g="0" b="0"/>
+      </a:effectRef>
+      <a:fontRef idx="minor">
+        <a:schemeClr val="lt1"/>
+      </a:fontRef>
+    </dgm:style>
+  </dgm:styleLbl>
+  <dgm:styleLbl name="fgImgPlace1">
+    <dgm:scene3d>
+      <a:camera prst="orthographicFront"/>
+      <a:lightRig rig="threePt" dir="t"/>
+    </dgm:scene3d>
+    <dgm:sp3d/>
+    <dgm:txPr/>
+    <dgm:style>
+      <a:lnRef idx="2">
+        <a:scrgbClr r="0" g="0" b="0"/>
+      </a:lnRef>
+      <a:fillRef idx="1">
+        <a:scrgbClr r="0" g="0" b="0"/>
+      </a:fillRef>
+      <a:effectRef idx="0">
+        <a:scrgbClr r="0" g="0" b="0"/>
+      </a:effectRef>
+      <a:fontRef idx="minor"/>
+    </dgm:style>
+  </dgm:styleLbl>
+  <dgm:styleLbl name="alignImgPlace1">
+    <dgm:scene3d>
+      <a:camera prst="orthographicFront"/>
+      <a:lightRig rig="threePt" dir="t"/>
+    </dgm:scene3d>
+    <dgm:sp3d/>
+    <dgm:txPr/>
+    <dgm:style>
+      <a:lnRef idx="2">
+        <a:scrgbClr r="0" g="0" b="0"/>
+      </a:lnRef>
+      <a:fillRef idx="1">
+        <a:scrgbClr r="0" g="0" b="0"/>
+      </a:fillRef>
+      <a:effectRef idx="0">
+        <a:scrgbClr r="0" g="0" b="0"/>
+      </a:effectRef>
+      <a:fontRef idx="minor"/>
+    </dgm:style>
+  </dgm:styleLbl>
+  <dgm:styleLbl name="bgImgPlace1">
+    <dgm:scene3d>
+      <a:camera prst="orthographicFront"/>
+      <a:lightRig rig="threePt" dir="t"/>
+    </dgm:scene3d>
+    <dgm:sp3d/>
+    <dgm:txPr/>
+    <dgm:style>
+      <a:lnRef idx="2">
+        <a:scrgbClr r="0" g="0" b="0"/>
+      </a:lnRef>
+      <a:fillRef idx="1">
+        <a:scrgbClr r="0" g="0" b="0"/>
+      </a:fillRef>
+      <a:effectRef idx="0">
+        <a:scrgbClr r="0" g="0" b="0"/>
+      </a:effectRef>
+      <a:fontRef idx="minor"/>
+    </dgm:style>
+  </dgm:styleLbl>
+  <dgm:styleLbl name="sibTrans2D1">
+    <dgm:scene3d>
+      <a:camera prst="orthographicFront"/>
+      <a:lightRig rig="threePt" dir="t"/>
+    </dgm:scene3d>
+    <dgm:sp3d/>
+    <dgm:txPr/>
+    <dgm:style>
+      <a:lnRef idx="0">
+        <a:scrgbClr r="0" g="0" b="0"/>
+      </a:lnRef>
+      <a:fillRef idx="1">
+        <a:scrgbClr r="0" g="0" b="0"/>
+      </a:fillRef>
+      <a:effectRef idx="0">
+        <a:scrgbClr r="0" g="0" b="0"/>
+      </a:effectRef>
+      <a:fontRef idx="minor">
+        <a:schemeClr val="lt1"/>
+      </a:fontRef>
+    </dgm:style>
+  </dgm:styleLbl>
+  <dgm:styleLbl name="fgSibTrans2D1">
+    <dgm:scene3d>
+      <a:camera prst="orthographicFront"/>
+      <a:lightRig rig="threePt" dir="t"/>
+    </dgm:scene3d>
+    <dgm:sp3d/>
+    <dgm:txPr/>
+    <dgm:style>
+      <a:lnRef idx="0">
+        <a:scrgbClr r="0" g="0" b="0"/>
+      </a:lnRef>
+      <a:fillRef idx="1">
+        <a:scrgbClr r="0" g="0" b="0"/>
+      </a:fillRef>
+      <a:effectRef idx="0">
+        <a:scrgbClr r="0" g="0" b="0"/>
+      </a:effectRef>
+      <a:fontRef idx="minor">
+        <a:schemeClr val="lt1"/>
+      </a:fontRef>
+    </dgm:style>
+  </dgm:styleLbl>
+  <dgm:styleLbl name="bgSibTrans2D1">
+    <dgm:scene3d>
+      <a:camera prst="orthographicFront"/>
+      <a:lightRig rig="threePt" dir="t"/>
+    </dgm:scene3d>
+    <dgm:sp3d/>
+    <dgm:txPr/>
+    <dgm:style>
+      <a:lnRef idx="0">
+        <a:scrgbClr r="0" g="0" b="0"/>
+      </a:lnRef>
+      <a:fillRef idx="1">
+        <a:scrgbClr r="0" g="0" b="0"/>
+      </a:fillRef>
+      <a:effectRef idx="0">
+        <a:scrgbClr r="0" g="0" b="0"/>
+      </a:effectRef>
+      <a:fontRef idx="minor">
+        <a:schemeClr val="lt1"/>
+      </a:fontRef>
+    </dgm:style>
+  </dgm:styleLbl>
+  <dgm:styleLbl name="sibTrans1D1">
+    <dgm:scene3d>
+      <a:camera prst="orthographicFront"/>
+      <a:lightRig rig="threePt" dir="t"/>
+    </dgm:scene3d>
+    <dgm:sp3d/>
+    <dgm:txPr/>
+    <dgm:style>
+      <a:lnRef idx="1">
+        <a:scrgbClr r="0" g="0" b="0"/>
+      </a:lnRef>
+      <a:fillRef idx="0">
+        <a:scrgbClr r="0" g="0" b="0"/>
+      </a:fillRef>
+      <a:effectRef idx="0">
+        <a:scrgbClr r="0" g="0" b="0"/>
+      </a:effectRef>
+      <a:fontRef idx="minor"/>
+    </dgm:style>
+  </dgm:styleLbl>
+  <dgm:styleLbl name="callout">
+    <dgm:scene3d>
+      <a:camera prst="orthographicFront"/>
+      <a:lightRig rig="threePt" dir="t"/>
+    </dgm:scene3d>
+    <dgm:sp3d/>
+    <dgm:txPr/>
+    <dgm:style>
+      <a:lnRef idx="2">
+        <a:scrgbClr r="0" g="0" b="0"/>
+      </a:lnRef>
+      <a:fillRef idx="1">
+        <a:scrgbClr r="0" g="0" b="0"/>
+      </a:fillRef>
+      <a:effectRef idx="0">
+        <a:scrgbClr r="0" g="0" b="0"/>
+      </a:effectRef>
+      <a:fontRef idx="minor"/>
+    </dgm:style>
+  </dgm:styleLbl>
+  <dgm:styleLbl name="asst0">
+    <dgm:scene3d>
+      <a:camera prst="orthographicFront"/>
+      <a:lightRig rig="threePt" dir="t"/>
+    </dgm:scene3d>
+    <dgm:sp3d/>
+    <dgm:txPr/>
+    <dgm:style>
+      <a:lnRef idx="2">
+        <a:scrgbClr r="0" g="0" b="0"/>
+      </a:lnRef>
+      <a:fillRef idx="1">
+        <a:scrgbClr r="0" g="0" b="0"/>
+      </a:fillRef>
+      <a:effectRef idx="0">
+        <a:scrgbClr r="0" g="0" b="0"/>
+      </a:effectRef>
+      <a:fontRef idx="minor">
+        <a:schemeClr val="lt1"/>
+      </a:fontRef>
+    </dgm:style>
+  </dgm:styleLbl>
+  <dgm:styleLbl name="asst1">
+    <dgm:scene3d>
+      <a:camera prst="orthographicFront"/>
+      <a:lightRig rig="threePt" dir="t"/>
+    </dgm:scene3d>
+    <dgm:sp3d/>
+    <dgm:txPr/>
+    <dgm:style>
+      <a:lnRef idx="2">
+        <a:scrgbClr r="0" g="0" b="0"/>
+      </a:lnRef>
+      <a:fillRef idx="1">
+        <a:scrgbClr r="0" g="0" b="0"/>
+      </a:fillRef>
+      <a:effectRef idx="0">
+        <a:scrgbClr r="0" g="0" b="0"/>
+      </a:effectRef>
+      <a:fontRef idx="minor">
+        <a:schemeClr val="lt1"/>
+      </a:fontRef>
+    </dgm:style>
+  </dgm:styleLbl>
+  <dgm:styleLbl name="asst2">
+    <dgm:scene3d>
+      <a:camera prst="orthographicFront"/>
+      <a:lightRig rig="threePt" dir="t"/>
+    </dgm:scene3d>
+    <dgm:sp3d/>
+    <dgm:txPr/>
+    <dgm:style>
+      <a:lnRef idx="2">
+        <a:scrgbClr r="0" g="0" b="0"/>
+      </a:lnRef>
+      <a:fillRef idx="1">
+        <a:scrgbClr r="0" g="0" b="0"/>
+      </a:fillRef>
+      <a:effectRef idx="0">
+        <a:scrgbClr r="0" g="0" b="0"/>
+      </a:effectRef>
+      <a:fontRef idx="minor">
+        <a:schemeClr val="lt1"/>
+      </a:fontRef>
+    </dgm:style>
+  </dgm:styleLbl>
+  <dgm:styleLbl name="asst3">
+    <dgm:scene3d>
+      <a:camera prst="orthographicFront"/>
+      <a:lightRig rig="threePt" dir="t"/>
+    </dgm:scene3d>
+    <dgm:sp3d/>
+    <dgm:txPr/>
+    <dgm:style>
+      <a:lnRef idx="2">
+        <a:scrgbClr r="0" g="0" b="0"/>
+      </a:lnRef>
+      <a:fillRef idx="1">
+        <a:scrgbClr r="0" g="0" b="0"/>
+      </a:fillRef>
+      <a:effectRef idx="0">
+        <a:scrgbClr r="0" g="0" b="0"/>
+      </a:effectRef>
+      <a:fontRef idx="minor">
+        <a:schemeClr val="lt1"/>
+      </a:fontRef>
+    </dgm:style>
+  </dgm:styleLbl>
+  <dgm:styleLbl name="asst4">
+    <dgm:scene3d>
+      <a:camera prst="orthographicFront"/>
+      <a:lightRig rig="threePt" dir="t"/>
+    </dgm:scene3d>
+    <dgm:sp3d/>
+    <dgm:txPr/>
+    <dgm:style>
+      <a:lnRef idx="2">
+        <a:scrgbClr r="0" g="0" b="0"/>
+      </a:lnRef>
+      <a:fillRef idx="1">
+        <a:scrgbClr r="0" g="0" b="0"/>
+      </a:fillRef>
+      <a:effectRef idx="0">
+        <a:scrgbClr r="0" g="0" b="0"/>
+      </a:effectRef>
+      <a:fontRef idx="minor">
+        <a:schemeClr val="lt1"/>
+      </a:fontRef>
+    </dgm:style>
+  </dgm:styleLbl>
+  <dgm:styleLbl name="parChTrans2D1">
+    <dgm:scene3d>
+      <a:camera prst="orthographicFront"/>
+      <a:lightRig rig="threePt" dir="t"/>
+    </dgm:scene3d>
+    <dgm:sp3d/>
+    <dgm:txPr/>
+    <dgm:style>
+      <a:lnRef idx="2">
+        <a:scrgbClr r="0" g="0" b="0"/>
+      </a:lnRef>
+      <a:fillRef idx="1">
+        <a:scrgbClr r="0" g="0" b="0"/>
+      </a:fillRef>
+      <a:effectRef idx="0">
+        <a:scrgbClr r="0" g="0" b="0"/>
+      </a:effectRef>
+      <a:fontRef idx="minor">
+        <a:schemeClr val="lt1"/>
+      </a:fontRef>
+    </dgm:style>
+  </dgm:styleLbl>
+  <dgm:styleLbl name="parChTrans2D2">
+    <dgm:scene3d>
+      <a:camera prst="orthographicFront"/>
+      <a:lightRig rig="threePt" dir="t"/>
+    </dgm:scene3d>
+    <dgm:sp3d/>
+    <dgm:txPr/>
+    <dgm:style>
+      <a:lnRef idx="2">
+        <a:scrgbClr r="0" g="0" b="0"/>
+      </a:lnRef>
+      <a:fillRef idx="1">
+        <a:scrgbClr r="0" g="0" b="0"/>
+      </a:fillRef>
+      <a:effectRef idx="0">
+        <a:scrgbClr r="0" g="0" b="0"/>
+      </a:effectRef>
+      <a:fontRef idx="minor">
+        <a:schemeClr val="lt1"/>
+      </a:fontRef>
+    </dgm:style>
+  </dgm:styleLbl>
+  <dgm:styleLbl name="parChTrans2D3">
+    <dgm:scene3d>
+      <a:camera prst="orthographicFront"/>
+      <a:lightRig rig="threePt" dir="t"/>
+    </dgm:scene3d>
+    <dgm:sp3d/>
+    <dgm:txPr/>
+    <dgm:style>
+      <a:lnRef idx="2">
+        <a:scrgbClr r="0" g="0" b="0"/>
+      </a:lnRef>
+      <a:fillRef idx="1">
+        <a:scrgbClr r="0" g="0" b="0"/>
+      </a:fillRef>
+      <a:effectRef idx="0">
+        <a:scrgbClr r="0" g="0" b="0"/>
+      </a:effectRef>
+      <a:fontRef idx="minor">
+        <a:schemeClr val="lt1"/>
+      </a:fontRef>
+    </dgm:style>
+  </dgm:styleLbl>
+  <dgm:styleLbl name="parChTrans2D4">
+    <dgm:scene3d>
+      <a:camera prst="orthographicFront"/>
+      <a:lightRig rig="threePt" dir="t"/>
+    </dgm:scene3d>
+    <dgm:sp3d/>
+    <dgm:txPr/>
+    <dgm:style>
+      <a:lnRef idx="2">
+        <a:scrgbClr r="0" g="0" b="0"/>
+      </a:lnRef>
+      <a:fillRef idx="1">
+        <a:scrgbClr r="0" g="0" b="0"/>
+      </a:fillRef>
+      <a:effectRef idx="0">
+        <a:scrgbClr r="0" g="0" b="0"/>
+      </a:effectRef>
+      <a:fontRef idx="minor">
+        <a:schemeClr val="lt1"/>
+      </a:fontRef>
+    </dgm:style>
+  </dgm:styleLbl>
+  <dgm:styleLbl name="parChTrans1D1">
+    <dgm:scene3d>
+      <a:camera prst="orthographicFront"/>
+      <a:lightRig rig="threePt" dir="t"/>
+    </dgm:scene3d>
+    <dgm:sp3d/>
+    <dgm:txPr/>
+    <dgm:style>
+      <a:lnRef idx="2">
+        <a:scrgbClr r="0" g="0" b="0"/>
+      </a:lnRef>
+      <a:fillRef idx="0">
+        <a:scrgbClr r="0" g="0" b="0"/>
+      </a:fillRef>
+      <a:effectRef idx="0">
+        <a:scrgbClr r="0" g="0" b="0"/>
+      </a:effectRef>
+      <a:fontRef idx="minor"/>
+    </dgm:style>
+  </dgm:styleLbl>
+  <dgm:styleLbl name="parChTrans1D2">
+    <dgm:scene3d>
+      <a:camera prst="orthographicFront"/>
+      <a:lightRig rig="threePt" dir="t"/>
+    </dgm:scene3d>
+    <dgm:sp3d/>
+    <dgm:txPr/>
+    <dgm:style>
+      <a:lnRef idx="2">
+        <a:scrgbClr r="0" g="0" b="0"/>
+      </a:lnRef>
+      <a:fillRef idx="0">
+        <a:scrgbClr r="0" g="0" b="0"/>
+      </a:fillRef>
+      <a:effectRef idx="0">
+        <a:scrgbClr r="0" g="0" b="0"/>
+      </a:effectRef>
+      <a:fontRef idx="minor"/>
+    </dgm:style>
+  </dgm:styleLbl>
+  <dgm:styleLbl name="parChTrans1D3">
+    <dgm:scene3d>
+      <a:camera prst="orthographicFront"/>
+      <a:lightRig rig="threePt" dir="t"/>
+    </dgm:scene3d>
+    <dgm:sp3d/>
+    <dgm:txPr/>
+    <dgm:style>
+      <a:lnRef idx="2">
+        <a:scrgbClr r="0" g="0" b="0"/>
+      </a:lnRef>
+      <a:fillRef idx="0">
+        <a:scrgbClr r="0" g="0" b="0"/>
+      </a:fillRef>
+      <a:effectRef idx="0">
+        <a:scrgbClr r="0" g="0" b="0"/>
+      </a:effectRef>
+      <a:fontRef idx="minor"/>
+    </dgm:style>
+  </dgm:styleLbl>
+  <dgm:styleLbl name="parChTrans1D4">
+    <dgm:scene3d>
+      <a:camera prst="orthographicFront"/>
+      <a:lightRig rig="threePt" dir="t"/>
+    </dgm:scene3d>
+    <dgm:sp3d/>
+    <dgm:txPr/>
+    <dgm:style>
+      <a:lnRef idx="2">
+        <a:scrgbClr r="0" g="0" b="0"/>
+      </a:lnRef>
+      <a:fillRef idx="0">
+        <a:scrgbClr r="0" g="0" b="0"/>
+      </a:fillRef>
+      <a:effectRef idx="0">
+        <a:scrgbClr r="0" g="0" b="0"/>
+      </a:effectRef>
+      <a:fontRef idx="minor"/>
+    </dgm:style>
+  </dgm:styleLbl>
+  <dgm:styleLbl name="fgAcc1">
+    <dgm:scene3d>
+      <a:camera prst="orthographicFront"/>
+      <a:lightRig rig="threePt" dir="t"/>
+    </dgm:scene3d>
+    <dgm:sp3d/>
+    <dgm:txPr/>
+    <dgm:style>
+      <a:lnRef idx="2">
+        <a:scrgbClr r="0" g="0" b="0"/>
+      </a:lnRef>
+      <a:fillRef idx="1">
+        <a:scrgbClr r="0" g="0" b="0"/>
+      </a:fillRef>
+      <a:effectRef idx="0">
+        <a:scrgbClr r="0" g="0" b="0"/>
+      </a:effectRef>
+      <a:fontRef idx="minor"/>
+    </dgm:style>
+  </dgm:styleLbl>
+  <dgm:styleLbl name="conFgAcc1">
+    <dgm:scene3d>
+      <a:camera prst="orthographicFront"/>
+      <a:lightRig rig="threePt" dir="t"/>
+    </dgm:scene3d>
+    <dgm:sp3d/>
+    <dgm:txPr/>
+    <dgm:style>
+      <a:lnRef idx="2">
+        <a:scrgbClr r="0" g="0" b="0"/>
+      </a:lnRef>
+      <a:fillRef idx="1">
+        <a:scrgbClr r="0" g="0" b="0"/>
+      </a:fillRef>
+      <a:effectRef idx="0">
+        <a:scrgbClr r="0" g="0" b="0"/>
+      </a:effectRef>
+      <a:fontRef idx="minor"/>
+    </dgm:style>
+  </dgm:styleLbl>
+  <dgm:styleLbl name="alignAcc1">
+    <dgm:scene3d>
+      <a:camera prst="orthographicFront"/>
+      <a:lightRig rig="threePt" dir="t"/>
+    </dgm:scene3d>
+    <dgm:sp3d/>
+    <dgm:txPr/>
+    <dgm:style>
+      <a:lnRef idx="2">
+        <a:scrgbClr r="0" g="0" b="0"/>
+      </a:lnRef>
+      <a:fillRef idx="1">
+        <a:scrgbClr r="0" g="0" b="0"/>
+      </a:fillRef>
+      <a:effectRef idx="0">
+        <a:scrgbClr r="0" g="0" b="0"/>
+      </a:effectRef>
+      <a:fontRef idx="minor"/>
+    </dgm:style>
+  </dgm:styleLbl>
+  <dgm:styleLbl name="trAlignAcc1">
+    <dgm:scene3d>
+      <a:camera prst="orthographicFront"/>
+      <a:lightRig rig="threePt" dir="t"/>
+    </dgm:scene3d>
+    <dgm:sp3d/>
+    <dgm:txPr/>
+    <dgm:style>
+      <a:lnRef idx="1">
+        <a:scrgbClr r="0" g="0" b="0"/>
+      </a:lnRef>
+      <a:fillRef idx="1">
+        <a:scrgbClr r="0" g="0" b="0"/>
+      </a:fillRef>
+      <a:effectRef idx="0">
+        <a:scrgbClr r="0" g="0" b="0"/>
+      </a:effectRef>
+      <a:fontRef idx="minor"/>
+    </dgm:style>
+  </dgm:styleLbl>
+  <dgm:styleLbl name="bgAcc1">
+    <dgm:scene3d>
+      <a:camera prst="orthographicFront"/>
+      <a:lightRig rig="threePt" dir="t"/>
+    </dgm:scene3d>
+    <dgm:sp3d/>
+    <dgm:txPr/>
+    <dgm:style>
+      <a:lnRef idx="2">
+        <a:scrgbClr r="0" g="0" b="0"/>
+      </a:lnRef>
+      <a:fillRef idx="1">
+        <a:scrgbClr r="0" g="0" b="0"/>
+      </a:fillRef>
+      <a:effectRef idx="0">
+        <a:scrgbClr r="0" g="0" b="0"/>
+      </a:effectRef>
+      <a:fontRef idx="minor"/>
+    </dgm:style>
+  </dgm:styleLbl>
+  <dgm:styleLbl name="solidFgAcc1">
+    <dgm:scene3d>
+      <a:camera prst="orthographicFront"/>
+      <a:lightRig rig="threePt" dir="t"/>
+    </dgm:scene3d>
+    <dgm:sp3d/>
+    <dgm:txPr/>
+    <dgm:style>
+      <a:lnRef idx="2">
+        <a:scrgbClr r="0" g="0" b="0"/>
+      </a:lnRef>
+      <a:fillRef idx="1">
+        <a:scrgbClr r="0" g="0" b="0"/>
+      </a:fillRef>
+      <a:effectRef idx="0">
+        <a:scrgbClr r="0" g="0" b="0"/>
+      </a:effectRef>
+      <a:fontRef idx="minor"/>
+    </dgm:style>
+  </dgm:styleLbl>
+  <dgm:styleLbl name="solidAlignAcc1">
+    <dgm:scene3d>
+      <a:camera prst="orthographicFront"/>
+      <a:lightRig rig="threePt" dir="t"/>
+    </dgm:scene3d>
+    <dgm:sp3d/>
+    <dgm:txPr/>
+    <dgm:style>
+      <a:lnRef idx="2">
+        <a:scrgbClr r="0" g="0" b="0"/>
+      </a:lnRef>
+      <a:fillRef idx="1">
+        <a:scrgbClr r="0" g="0" b="0"/>
+      </a:fillRef>
+      <a:effectRef idx="0">
+        <a:scrgbClr r="0" g="0" b="0"/>
+      </a:effectRef>
+      <a:fontRef idx="minor"/>
+    </dgm:style>
+  </dgm:styleLbl>
+  <dgm:styleLbl name="solidBgAcc1">
+    <dgm:scene3d>
+      <a:camera prst="orthographicFront"/>
+      <a:lightRig rig="threePt" dir="t"/>
+    </dgm:scene3d>
+    <dgm:sp3d/>
+    <dgm:txPr/>
+    <dgm:style>
+      <a:lnRef idx="2">
+        <a:scrgbClr r="0" g="0" b="0"/>
+      </a:lnRef>
+      <a:fillRef idx="1">
+        <a:scrgbClr r="0" g="0" b="0"/>
+      </a:fillRef>
+      <a:effectRef idx="0">
+        <a:scrgbClr r="0" g="0" b="0"/>
+      </a:effectRef>
+      <a:fontRef idx="minor"/>
+    </dgm:style>
+  </dgm:styleLbl>
+  <dgm:styleLbl name="fgAccFollowNode1">
+    <dgm:scene3d>
+      <a:camera prst="orthographicFront"/>
+      <a:lightRig rig="threePt" dir="t"/>
+    </dgm:scene3d>
+    <dgm:sp3d/>
+    <dgm:txPr/>
+    <dgm:style>
+      <a:lnRef idx="2">
+        <a:scrgbClr r="0" g="0" b="0"/>
+      </a:lnRef>
+      <a:fillRef idx="1">
+        <a:scrgbClr r="0" g="0" b="0"/>
+      </a:fillRef>
+      <a:effectRef idx="0">
+        <a:scrgbClr r="0" g="0" b="0"/>
+      </a:effectRef>
+      <a:fontRef idx="minor"/>
+    </dgm:style>
+  </dgm:styleLbl>
+  <dgm:styleLbl name="alignAccFollowNode1">
+    <dgm:scene3d>
+      <a:camera prst="orthographicFront"/>
+      <a:lightRig rig="threePt" dir="t"/>
+    </dgm:scene3d>
+    <dgm:sp3d/>
+    <dgm:txPr/>
+    <dgm:style>
+      <a:lnRef idx="2">
+        <a:scrgbClr r="0" g="0" b="0"/>
+      </a:lnRef>
+      <a:fillRef idx="1">
+        <a:scrgbClr r="0" g="0" b="0"/>
+      </a:fillRef>
+      <a:effectRef idx="0">
+        <a:scrgbClr r="0" g="0" b="0"/>
+      </a:effectRef>
+      <a:fontRef idx="minor"/>
+    </dgm:style>
+  </dgm:styleLbl>
+  <dgm:styleLbl name="bgAccFollowNode1">
+    <dgm:scene3d>
+      <a:camera prst="orthographicFront"/>
+      <a:lightRig rig="threePt" dir="t"/>
+    </dgm:scene3d>
+    <dgm:sp3d/>
+    <dgm:txPr/>
+    <dgm:style>
+      <a:lnRef idx="2">
+        <a:scrgbClr r="0" g="0" b="0"/>
+      </a:lnRef>
+      <a:fillRef idx="1">
+        <a:scrgbClr r="0" g="0" b="0"/>
+      </a:fillRef>
+      <a:effectRef idx="0">
+        <a:scrgbClr r="0" g="0" b="0"/>
+      </a:effectRef>
+      <a:fontRef idx="minor"/>
+    </dgm:style>
+  </dgm:styleLbl>
+  <dgm:styleLbl name="fgAcc0">
+    <dgm:scene3d>
+      <a:camera prst="orthographicFront"/>
+      <a:lightRig rig="threePt" dir="t"/>
+    </dgm:scene3d>
+    <dgm:sp3d/>
+    <dgm:txPr/>
+    <dgm:style>
+      <a:lnRef idx="2">
+        <a:scrgbClr r="0" g="0" b="0"/>
+      </a:lnRef>
+      <a:fillRef idx="1">
+        <a:scrgbClr r="0" g="0" b="0"/>
+      </a:fillRef>
+      <a:effectRef idx="0">
+        <a:scrgbClr r="0" g="0" b="0"/>
+      </a:effectRef>
+      <a:fontRef idx="minor"/>
+    </dgm:style>
+  </dgm:styleLbl>
+  <dgm:styleLbl name="fgAcc2">
+    <dgm:scene3d>
+      <a:camera prst="orthographicFront"/>
+      <a:lightRig rig="threePt" dir="t"/>
+    </dgm:scene3d>
+    <dgm:sp3d/>
+    <dgm:txPr/>
+    <dgm:style>
+      <a:lnRef idx="2">
+        <a:scrgbClr r="0" g="0" b="0"/>
+      </a:lnRef>
+      <a:fillRef idx="1">
+        <a:scrgbClr r="0" g="0" b="0"/>
+      </a:fillRef>
+      <a:effectRef idx="0">
+        <a:scrgbClr r="0" g="0" b="0"/>
+      </a:effectRef>
+      <a:fontRef idx="minor"/>
+    </dgm:style>
+  </dgm:styleLbl>
+  <dgm:styleLbl name="fgAcc3">
+    <dgm:scene3d>
+      <a:camera prst="orthographicFront"/>
+      <a:lightRig rig="threePt" dir="t"/>
+    </dgm:scene3d>
+    <dgm:sp3d/>
+    <dgm:txPr/>
+    <dgm:style>
+      <a:lnRef idx="2">
+        <a:scrgbClr r="0" g="0" b="0"/>
+      </a:lnRef>
+      <a:fillRef idx="1">
+        <a:scrgbClr r="0" g="0" b="0"/>
+      </a:fillRef>
+      <a:effectRef idx="0">
+        <a:scrgbClr r="0" g="0" b="0"/>
+      </a:effectRef>
+      <a:fontRef idx="minor"/>
+    </dgm:style>
+  </dgm:styleLbl>
+  <dgm:styleLbl name="fgAcc4">
+    <dgm:scene3d>
+      <a:camera prst="orthographicFront"/>
+      <a:lightRig rig="threePt" dir="t"/>
+    </dgm:scene3d>
+    <dgm:sp3d/>
+    <dgm:txPr/>
+    <dgm:style>
+      <a:lnRef idx="2">
+        <a:scrgbClr r="0" g="0" b="0"/>
+      </a:lnRef>
+      <a:fillRef idx="1">
+        <a:scrgbClr r="0" g="0" b="0"/>
+      </a:fillRef>
+      <a:effectRef idx="0">
+        <a:scrgbClr r="0" g="0" b="0"/>
+      </a:effectRef>
+      <a:fontRef idx="minor"/>
+    </dgm:style>
+  </dgm:styleLbl>
+  <dgm:styleLbl name="bgShp">
+    <dgm:scene3d>
+      <a:camera prst="orthographicFront"/>
+      <a:lightRig rig="threePt" dir="t"/>
+    </dgm:scene3d>
+    <dgm:sp3d/>
+    <dgm:txPr/>
+    <dgm:style>
+      <a:lnRef idx="0">
+        <a:scrgbClr r="0" g="0" b="0"/>
+      </a:lnRef>
+      <a:fillRef idx="1">
+        <a:scrgbClr r="0" g="0" b="0"/>
+      </a:fillRef>
+      <a:effectRef idx="0">
+        <a:scrgbClr r="0" g="0" b="0"/>
+      </a:effectRef>
+      <a:fontRef idx="minor"/>
+    </dgm:style>
+  </dgm:styleLbl>
+  <dgm:styleLbl name="dkBgShp">
+    <dgm:scene3d>
+      <a:camera prst="orthographicFront"/>
+      <a:lightRig rig="threePt" dir="t"/>
+    </dgm:scene3d>
+    <dgm:sp3d/>
+    <dgm:txPr/>
+    <dgm:style>
+      <a:lnRef idx="0">
+        <a:scrgbClr r="0" g="0" b="0"/>
+      </a:lnRef>
+      <a:fillRef idx="1">
+        <a:scrgbClr r="0" g="0" b="0"/>
+      </a:fillRef>
+      <a:effectRef idx="0">
+        <a:scrgbClr r="0" g="0" b="0"/>
+      </a:effectRef>
+      <a:fontRef idx="minor"/>
+    </dgm:style>
+  </dgm:styleLbl>
+  <dgm:styleLbl name="trBgShp">
+    <dgm:scene3d>
+      <a:camera prst="orthographicFront"/>
+      <a:lightRig rig="threePt" dir="t"/>
+    </dgm:scene3d>
+    <dgm:sp3d/>
+    <dgm:txPr/>
+    <dgm:style>
+      <a:lnRef idx="0">
+        <a:scrgbClr r="0" g="0" b="0"/>
+      </a:lnRef>
+      <a:fillRef idx="1">
+        <a:scrgbClr r="0" g="0" b="0"/>
+      </a:fillRef>
+      <a:effectRef idx="0">
+        <a:scrgbClr r="0" g="0" b="0"/>
+      </a:effectRef>
+      <a:fontRef idx="minor"/>
+    </dgm:style>
+  </dgm:styleLbl>
+  <dgm:styleLbl name="fgShp">
+    <dgm:scene3d>
+      <a:camera prst="orthographicFront"/>
+      <a:lightRig rig="threePt" dir="t"/>
+    </dgm:scene3d>
+    <dgm:sp3d/>
+    <dgm:txPr/>
+    <dgm:style>
+      <a:lnRef idx="2">
+        <a:scrgbClr r="0" g="0" b="0"/>
+      </a:lnRef>
+      <a:fillRef idx="1">
+        <a:scrgbClr r="0" g="0" b="0"/>
+      </a:fillRef>
+      <a:effectRef idx="0">
+        <a:scrgbClr r="0" g="0" b="0"/>
+      </a:effectRef>
+      <a:fontRef idx="minor"/>
+    </dgm:style>
+  </dgm:styleLbl>
+  <dgm:styleLbl name="revTx">
+    <dgm:scene3d>
+      <a:camera prst="orthographicFront"/>
+      <a:lightRig rig="threePt" dir="t"/>
+    </dgm:scene3d>
+    <dgm:sp3d/>
+    <dgm:txPr/>
+    <dgm:style>
+      <a:lnRef idx="0">
+        <a:scrgbClr r="0" g="0" b="0"/>
+      </a:lnRef>
+      <a:fillRef idx="0">
+        <a:scrgbClr r="0" g="0" b="0"/>
+      </a:fillRef>
+      <a:effectRef idx="0">
+        <a:scrgbClr r="0" g="0" b="0"/>
+      </a:effectRef>
+      <a:fontRef idx="minor"/>
+    </dgm:style>
+  </dgm:styleLbl>
+</dgm:styleDef>
+</file>
+
+<file path=ppt/diagrams/quickStyle2.xml><?xml version="1.0" encoding="utf-8"?>
+<dgm:styleDef xmlns:dgm="http://schemas.openxmlformats.org/drawingml/2006/diagram" xmlns:a="http://schemas.openxmlformats.org/drawingml/2006/main" uniqueId="urn:microsoft.com/office/officeart/2005/8/quickstyle/simple1">
+  <dgm:title val=""/>
+  <dgm:desc val=""/>
+  <dgm:catLst>
+    <dgm:cat type="simple" pri="10100"/>
+  </dgm:catLst>
+  <dgm:scene3d>
+    <a:camera prst="orthographicFront"/>
+    <a:lightRig rig="threePt" dir="t"/>
+  </dgm:scene3d>
+  <dgm:styleLbl name="node0">
+    <dgm:scene3d>
+      <a:camera prst="orthographicFront"/>
+      <a:lightRig rig="threePt" dir="t"/>
+    </dgm:scene3d>
+    <dgm:sp3d/>
+    <dgm:txPr/>
+    <dgm:style>
+      <a:lnRef idx="2">
+        <a:scrgbClr r="0" g="0" b="0"/>
+      </a:lnRef>
+      <a:fillRef idx="1">
+        <a:scrgbClr r="0" g="0" b="0"/>
+      </a:fillRef>
+      <a:effectRef idx="0">
+        <a:scrgbClr r="0" g="0" b="0"/>
+      </a:effectRef>
+      <a:fontRef idx="minor">
+        <a:schemeClr val="lt1"/>
+      </a:fontRef>
+    </dgm:style>
+  </dgm:styleLbl>
+  <dgm:styleLbl name="lnNode1">
+    <dgm:scene3d>
+      <a:camera prst="orthographicFront"/>
+      <a:lightRig rig="threePt" dir="t"/>
+    </dgm:scene3d>
+    <dgm:sp3d/>
+    <dgm:txPr/>
+    <dgm:style>
+      <a:lnRef idx="2">
+        <a:scrgbClr r="0" g="0" b="0"/>
+      </a:lnRef>
+      <a:fillRef idx="1">
+        <a:scrgbClr r="0" g="0" b="0"/>
+      </a:fillRef>
+      <a:effectRef idx="0">
+        <a:scrgbClr r="0" g="0" b="0"/>
+      </a:effectRef>
+      <a:fontRef idx="minor">
+        <a:schemeClr val="lt1"/>
+      </a:fontRef>
+    </dgm:style>
+  </dgm:styleLbl>
+  <dgm:styleLbl name="vennNode1">
+    <dgm:scene3d>
+      <a:camera prst="orthographicFront"/>
+      <a:lightRig rig="threePt" dir="t"/>
+    </dgm:scene3d>
+    <dgm:sp3d/>
+    <dgm:txPr/>
+    <dgm:style>
+      <a:lnRef idx="2">
+        <a:scrgbClr r="0" g="0" b="0"/>
+      </a:lnRef>
+      <a:fillRef idx="1">
+        <a:scrgbClr r="0" g="0" b="0"/>
+      </a:fillRef>
+      <a:effectRef idx="0">
+        <a:scrgbClr r="0" g="0" b="0"/>
+      </a:effectRef>
+      <a:fontRef idx="minor">
+        <a:schemeClr val="tx1"/>
+      </a:fontRef>
+    </dgm:style>
+  </dgm:styleLbl>
+  <dgm:styleLbl name="alignNode1">
+    <dgm:scene3d>
+      <a:camera prst="orthographicFront"/>
+      <a:lightRig rig="threePt" dir="t"/>
+    </dgm:scene3d>
+    <dgm:sp3d/>
+    <dgm:txPr/>
+    <dgm:style>
+      <a:lnRef idx="2">
+        <a:scrgbClr r="0" g="0" b="0"/>
+      </a:lnRef>
+      <a:fillRef idx="1">
+        <a:scrgbClr r="0" g="0" b="0"/>
+      </a:fillRef>
+      <a:effectRef idx="0">
+        <a:scrgbClr r="0" g="0" b="0"/>
+      </a:effectRef>
+      <a:fontRef idx="minor">
+        <a:schemeClr val="lt1"/>
+      </a:fontRef>
+    </dgm:style>
+  </dgm:styleLbl>
+  <dgm:styleLbl name="node1">
+    <dgm:scene3d>
+      <a:camera prst="orthographicFront"/>
+      <a:lightRig rig="threePt" dir="t"/>
+    </dgm:scene3d>
+    <dgm:sp3d/>
+    <dgm:txPr/>
+    <dgm:style>
+      <a:lnRef idx="2">
+        <a:scrgbClr r="0" g="0" b="0"/>
+      </a:lnRef>
+      <a:fillRef idx="1">
+        <a:scrgbClr r="0" g="0" b="0"/>
+      </a:fillRef>
+      <a:effectRef idx="0">
+        <a:scrgbClr r="0" g="0" b="0"/>
+      </a:effectRef>
+      <a:fontRef idx="minor">
+        <a:schemeClr val="lt1"/>
+      </a:fontRef>
+    </dgm:style>
+  </dgm:styleLbl>
+  <dgm:styleLbl name="node2">
+    <dgm:scene3d>
+      <a:camera prst="orthographicFront"/>
+      <a:lightRig rig="threePt" dir="t"/>
+    </dgm:scene3d>
+    <dgm:sp3d/>
+    <dgm:txPr/>
+    <dgm:style>
+      <a:lnRef idx="2">
+        <a:scrgbClr r="0" g="0" b="0"/>
+      </a:lnRef>
+      <a:fillRef idx="1">
+        <a:scrgbClr r="0" g="0" b="0"/>
+      </a:fillRef>
+      <a:effectRef idx="0">
+        <a:scrgbClr r="0" g="0" b="0"/>
+      </a:effectRef>
+      <a:fontRef idx="minor">
+        <a:schemeClr val="lt1"/>
+      </a:fontRef>
+    </dgm:style>
+  </dgm:styleLbl>
+  <dgm:styleLbl name="node3">
+    <dgm:scene3d>
+      <a:camera prst="orthographicFront"/>
+      <a:lightRig rig="threePt" dir="t"/>
+    </dgm:scene3d>
+    <dgm:sp3d/>
+    <dgm:txPr/>
+    <dgm:style>
+      <a:lnRef idx="2">
+        <a:scrgbClr r="0" g="0" b="0"/>
+      </a:lnRef>
+      <a:fillRef idx="1">
+        <a:scrgbClr r="0" g="0" b="0"/>
+      </a:fillRef>
+      <a:effectRef idx="0">
+        <a:scrgbClr r="0" g="0" b="0"/>
+      </a:effectRef>
+      <a:fontRef idx="minor">
+        <a:schemeClr val="lt1"/>
+      </a:fontRef>
+    </dgm:style>
+  </dgm:styleLbl>
+  <dgm:styleLbl name="node4">
+    <dgm:scene3d>
+      <a:camera prst="orthographicFront"/>
+      <a:lightRig rig="threePt" dir="t"/>
+    </dgm:scene3d>
+    <dgm:sp3d/>
+    <dgm:txPr/>
+    <dgm:style>
+      <a:lnRef idx="2">
+        <a:scrgbClr r="0" g="0" b="0"/>
+      </a:lnRef>
+      <a:fillRef idx="1">
+        <a:scrgbClr r="0" g="0" b="0"/>
+      </a:fillRef>
+      <a:effectRef idx="0">
+        <a:scrgbClr r="0" g="0" b="0"/>
+      </a:effectRef>
+      <a:fontRef idx="minor">
+        <a:schemeClr val="lt1"/>
+      </a:fontRef>
+    </dgm:style>
+  </dgm:styleLbl>
+  <dgm:styleLbl name="fgImgPlace1">
+    <dgm:scene3d>
+      <a:camera prst="orthographicFront"/>
+      <a:lightRig rig="threePt" dir="t"/>
+    </dgm:scene3d>
+    <dgm:sp3d/>
+    <dgm:txPr/>
+    <dgm:style>
+      <a:lnRef idx="2">
+        <a:scrgbClr r="0" g="0" b="0"/>
+      </a:lnRef>
+      <a:fillRef idx="1">
+        <a:scrgbClr r="0" g="0" b="0"/>
+      </a:fillRef>
+      <a:effectRef idx="0">
+        <a:scrgbClr r="0" g="0" b="0"/>
+      </a:effectRef>
+      <a:fontRef idx="minor"/>
+    </dgm:style>
+  </dgm:styleLbl>
+  <dgm:styleLbl name="alignImgPlace1">
+    <dgm:scene3d>
+      <a:camera prst="orthographicFront"/>
+      <a:lightRig rig="threePt" dir="t"/>
+    </dgm:scene3d>
+    <dgm:sp3d/>
+    <dgm:txPr/>
+    <dgm:style>
+      <a:lnRef idx="2">
+        <a:scrgbClr r="0" g="0" b="0"/>
+      </a:lnRef>
+      <a:fillRef idx="1">
+        <a:scrgbClr r="0" g="0" b="0"/>
+      </a:fillRef>
+      <a:effectRef idx="0">
+        <a:scrgbClr r="0" g="0" b="0"/>
+      </a:effectRef>
+      <a:fontRef idx="minor"/>
+    </dgm:style>
+  </dgm:styleLbl>
+  <dgm:styleLbl name="bgImgPlace1">
+    <dgm:scene3d>
+      <a:camera prst="orthographicFront"/>
+      <a:lightRig rig="threePt" dir="t"/>
+    </dgm:scene3d>
+    <dgm:sp3d/>
+    <dgm:txPr/>
+    <dgm:style>
+      <a:lnRef idx="2">
+        <a:scrgbClr r="0" g="0" b="0"/>
+      </a:lnRef>
+      <a:fillRef idx="1">
+        <a:scrgbClr r="0" g="0" b="0"/>
+      </a:fillRef>
+      <a:effectRef idx="0">
+        <a:scrgbClr r="0" g="0" b="0"/>
+      </a:effectRef>
+      <a:fontRef idx="minor"/>
+    </dgm:style>
+  </dgm:styleLbl>
+  <dgm:styleLbl name="sibTrans2D1">
+    <dgm:scene3d>
+      <a:camera prst="orthographicFront"/>
+      <a:lightRig rig="threePt" dir="t"/>
+    </dgm:scene3d>
+    <dgm:sp3d/>
+    <dgm:txPr/>
+    <dgm:style>
+      <a:lnRef idx="0">
+        <a:scrgbClr r="0" g="0" b="0"/>
+      </a:lnRef>
+      <a:fillRef idx="1">
+        <a:scrgbClr r="0" g="0" b="0"/>
+      </a:fillRef>
+      <a:effectRef idx="0">
+        <a:scrgbClr r="0" g="0" b="0"/>
+      </a:effectRef>
+      <a:fontRef idx="minor">
+        <a:schemeClr val="lt1"/>
+      </a:fontRef>
+    </dgm:style>
+  </dgm:styleLbl>
+  <dgm:styleLbl name="fgSibTrans2D1">
+    <dgm:scene3d>
+      <a:camera prst="orthographicFront"/>
+      <a:lightRig rig="threePt" dir="t"/>
+    </dgm:scene3d>
+    <dgm:sp3d/>
+    <dgm:txPr/>
+    <dgm:style>
+      <a:lnRef idx="0">
+        <a:scrgbClr r="0" g="0" b="0"/>
+      </a:lnRef>
+      <a:fillRef idx="1">
+        <a:scrgbClr r="0" g="0" b="0"/>
+      </a:fillRef>
+      <a:effectRef idx="0">
+        <a:scrgbClr r="0" g="0" b="0"/>
+      </a:effectRef>
+      <a:fontRef idx="minor">
+        <a:schemeClr val="lt1"/>
+      </a:fontRef>
+    </dgm:style>
+  </dgm:styleLbl>
+  <dgm:styleLbl name="bgSibTrans2D1">
+    <dgm:scene3d>
+      <a:camera prst="orthographicFront"/>
+      <a:lightRig rig="threePt" dir="t"/>
+    </dgm:scene3d>
+    <dgm:sp3d/>
+    <dgm:txPr/>
+    <dgm:style>
+      <a:lnRef idx="0">
+        <a:scrgbClr r="0" g="0" b="0"/>
+      </a:lnRef>
+      <a:fillRef idx="1">
+        <a:scrgbClr r="0" g="0" b="0"/>
+      </a:fillRef>
+      <a:effectRef idx="0">
+        <a:scrgbClr r="0" g="0" b="0"/>
+      </a:effectRef>
+      <a:fontRef idx="minor">
+        <a:schemeClr val="lt1"/>
+      </a:fontRef>
+    </dgm:style>
+  </dgm:styleLbl>
+  <dgm:styleLbl name="sibTrans1D1">
+    <dgm:scene3d>
+      <a:camera prst="orthographicFront"/>
+      <a:lightRig rig="threePt" dir="t"/>
+    </dgm:scene3d>
+    <dgm:sp3d/>
+    <dgm:txPr/>
+    <dgm:style>
+      <a:lnRef idx="1">
+        <a:scrgbClr r="0" g="0" b="0"/>
+      </a:lnRef>
+      <a:fillRef idx="0">
+        <a:scrgbClr r="0" g="0" b="0"/>
+      </a:fillRef>
+      <a:effectRef idx="0">
+        <a:scrgbClr r="0" g="0" b="0"/>
+      </a:effectRef>
+      <a:fontRef idx="minor"/>
+    </dgm:style>
+  </dgm:styleLbl>
+  <dgm:styleLbl name="callout">
+    <dgm:scene3d>
+      <a:camera prst="orthographicFront"/>
+      <a:lightRig rig="threePt" dir="t"/>
+    </dgm:scene3d>
+    <dgm:sp3d/>
+    <dgm:txPr/>
+    <dgm:style>
+      <a:lnRef idx="2">
+        <a:scrgbClr r="0" g="0" b="0"/>
+      </a:lnRef>
+      <a:fillRef idx="1">
+        <a:scrgbClr r="0" g="0" b="0"/>
+      </a:fillRef>
+      <a:effectRef idx="0">
+        <a:scrgbClr r="0" g="0" b="0"/>
+      </a:effectRef>
+      <a:fontRef idx="minor"/>
+    </dgm:style>
+  </dgm:styleLbl>
+  <dgm:styleLbl name="asst0">
+    <dgm:scene3d>
+      <a:camera prst="orthographicFront"/>
+      <a:lightRig rig="threePt" dir="t"/>
+    </dgm:scene3d>
+    <dgm:sp3d/>
+    <dgm:txPr/>
+    <dgm:style>
+      <a:lnRef idx="2">
+        <a:scrgbClr r="0" g="0" b="0"/>
+      </a:lnRef>
+      <a:fillRef idx="1">
+        <a:scrgbClr r="0" g="0" b="0"/>
+      </a:fillRef>
+      <a:effectRef idx="0">
+        <a:scrgbClr r="0" g="0" b="0"/>
+      </a:effectRef>
+      <a:fontRef idx="minor">
+        <a:schemeClr val="lt1"/>
+      </a:fontRef>
+    </dgm:style>
+  </dgm:styleLbl>
+  <dgm:styleLbl name="asst1">
+    <dgm:scene3d>
+      <a:camera prst="orthographicFront"/>
+      <a:lightRig rig="threePt" dir="t"/>
+    </dgm:scene3d>
+    <dgm:sp3d/>
+    <dgm:txPr/>
+    <dgm:style>
+      <a:lnRef idx="2">
+        <a:scrgbClr r="0" g="0" b="0"/>
+      </a:lnRef>
+      <a:fillRef idx="1">
+        <a:scrgbClr r="0" g="0" b="0"/>
+      </a:fillRef>
+      <a:effectRef idx="0">
+        <a:scrgbClr r="0" g="0" b="0"/>
+      </a:effectRef>
+      <a:fontRef idx="minor">
+        <a:schemeClr val="lt1"/>
+      </a:fontRef>
+    </dgm:style>
+  </dgm:styleLbl>
+  <dgm:styleLbl name="asst2">
+    <dgm:scene3d>
+      <a:camera prst="orthographicFront"/>
+      <a:lightRig rig="threePt" dir="t"/>
+    </dgm:scene3d>
+    <dgm:sp3d/>
+    <dgm:txPr/>
+    <dgm:style>
+      <a:lnRef idx="2">
+        <a:scrgbClr r="0" g="0" b="0"/>
+      </a:lnRef>
+      <a:fillRef idx="1">
+        <a:scrgbClr r="0" g="0" b="0"/>
+      </a:fillRef>
+      <a:effectRef idx="0">
+        <a:scrgbClr r="0" g="0" b="0"/>
+      </a:effectRef>
+      <a:fontRef idx="minor">
+        <a:schemeClr val="lt1"/>
+      </a:fontRef>
+    </dgm:style>
+  </dgm:styleLbl>
+  <dgm:styleLbl name="asst3">
+    <dgm:scene3d>
+      <a:camera prst="orthographicFront"/>
+      <a:lightRig rig="threePt" dir="t"/>
+    </dgm:scene3d>
+    <dgm:sp3d/>
+    <dgm:txPr/>
+    <dgm:style>
+      <a:lnRef idx="2">
+        <a:scrgbClr r="0" g="0" b="0"/>
+      </a:lnRef>
+      <a:fillRef idx="1">
+        <a:scrgbClr r="0" g="0" b="0"/>
+      </a:fillRef>
+      <a:effectRef idx="0">
+        <a:scrgbClr r="0" g="0" b="0"/>
+      </a:effectRef>
+      <a:fontRef idx="minor">
+        <a:schemeClr val="lt1"/>
+      </a:fontRef>
+    </dgm:style>
+  </dgm:styleLbl>
+  <dgm:styleLbl name="asst4">
+    <dgm:scene3d>
+      <a:camera prst="orthographicFront"/>
+      <a:lightRig rig="threePt" dir="t"/>
+    </dgm:scene3d>
+    <dgm:sp3d/>
+    <dgm:txPr/>
+    <dgm:style>
+      <a:lnRef idx="2">
+        <a:scrgbClr r="0" g="0" b="0"/>
+      </a:lnRef>
+      <a:fillRef idx="1">
+        <a:scrgbClr r="0" g="0" b="0"/>
+      </a:fillRef>
+      <a:effectRef idx="0">
+        <a:scrgbClr r="0" g="0" b="0"/>
+      </a:effectRef>
+      <a:fontRef idx="minor">
+        <a:schemeClr val="lt1"/>
+      </a:fontRef>
+    </dgm:style>
+  </dgm:styleLbl>
+  <dgm:styleLbl name="parChTrans2D1">
+    <dgm:scene3d>
+      <a:camera prst="orthographicFront"/>
+      <a:lightRig rig="threePt" dir="t"/>
+    </dgm:scene3d>
+    <dgm:sp3d/>
+    <dgm:txPr/>
+    <dgm:style>
+      <a:lnRef idx="2">
+        <a:scrgbClr r="0" g="0" b="0"/>
+      </a:lnRef>
+      <a:fillRef idx="1">
+        <a:scrgbClr r="0" g="0" b="0"/>
+      </a:fillRef>
+      <a:effectRef idx="0">
+        <a:scrgbClr r="0" g="0" b="0"/>
+      </a:effectRef>
+      <a:fontRef idx="minor">
+        <a:schemeClr val="lt1"/>
+      </a:fontRef>
+    </dgm:style>
+  </dgm:styleLbl>
+  <dgm:styleLbl name="parChTrans2D2">
+    <dgm:scene3d>
+      <a:camera prst="orthographicFront"/>
+      <a:lightRig rig="threePt" dir="t"/>
+    </dgm:scene3d>
+    <dgm:sp3d/>
+    <dgm:txPr/>
+    <dgm:style>
+      <a:lnRef idx="2">
+        <a:scrgbClr r="0" g="0" b="0"/>
+      </a:lnRef>
+      <a:fillRef idx="1">
+        <a:scrgbClr r="0" g="0" b="0"/>
+      </a:fillRef>
+      <a:effectRef idx="0">
+        <a:scrgbClr r="0" g="0" b="0"/>
+      </a:effectRef>
+      <a:fontRef idx="minor">
+        <a:schemeClr val="lt1"/>
+      </a:fontRef>
+    </dgm:style>
+  </dgm:styleLbl>
+  <dgm:styleLbl name="parChTrans2D3">
+    <dgm:scene3d>
+      <a:camera prst="orthographicFront"/>
+      <a:lightRig rig="threePt" dir="t"/>
+    </dgm:scene3d>
+    <dgm:sp3d/>
+    <dgm:txPr/>
+    <dgm:style>
+      <a:lnRef idx="2">
+        <a:scrgbClr r="0" g="0" b="0"/>
+      </a:lnRef>
+      <a:fillRef idx="1">
+        <a:scrgbClr r="0" g="0" b="0"/>
+      </a:fillRef>
+      <a:effectRef idx="0">
+        <a:scrgbClr r="0" g="0" b="0"/>
+      </a:effectRef>
+      <a:fontRef idx="minor">
+        <a:schemeClr val="lt1"/>
+      </a:fontRef>
+    </dgm:style>
+  </dgm:styleLbl>
+  <dgm:styleLbl name="parChTrans2D4">
+    <dgm:scene3d>
+      <a:camera prst="orthographicFront"/>
+      <a:lightRig rig="threePt" dir="t"/>
+    </dgm:scene3d>
+    <dgm:sp3d/>
+    <dgm:txPr/>
+    <dgm:style>
+      <a:lnRef idx="2">
+        <a:scrgbClr r="0" g="0" b="0"/>
+      </a:lnRef>
+      <a:fillRef idx="1">
+        <a:scrgbClr r="0" g="0" b="0"/>
+      </a:fillRef>
+      <a:effectRef idx="0">
+        <a:scrgbClr r="0" g="0" b="0"/>
+      </a:effectRef>
+      <a:fontRef idx="minor">
+        <a:schemeClr val="lt1"/>
+      </a:fontRef>
+    </dgm:style>
+  </dgm:styleLbl>
+  <dgm:styleLbl name="parChTrans1D1">
+    <dgm:scene3d>
+      <a:camera prst="orthographicFront"/>
+      <a:lightRig rig="threePt" dir="t"/>
+    </dgm:scene3d>
+    <dgm:sp3d/>
+    <dgm:txPr/>
+    <dgm:style>
+      <a:lnRef idx="2">
+        <a:scrgbClr r="0" g="0" b="0"/>
+      </a:lnRef>
+      <a:fillRef idx="0">
+        <a:scrgbClr r="0" g="0" b="0"/>
+      </a:fillRef>
+      <a:effectRef idx="0">
+        <a:scrgbClr r="0" g="0" b="0"/>
+      </a:effectRef>
+      <a:fontRef idx="minor"/>
+    </dgm:style>
+  </dgm:styleLbl>
+  <dgm:styleLbl name="parChTrans1D2">
+    <dgm:scene3d>
+      <a:camera prst="orthographicFront"/>
+      <a:lightRig rig="threePt" dir="t"/>
+    </dgm:scene3d>
+    <dgm:sp3d/>
+    <dgm:txPr/>
+    <dgm:style>
+      <a:lnRef idx="2">
+        <a:scrgbClr r="0" g="0" b="0"/>
+      </a:lnRef>
+      <a:fillRef idx="0">
+        <a:scrgbClr r="0" g="0" b="0"/>
+      </a:fillRef>
+      <a:effectRef idx="0">
+        <a:scrgbClr r="0" g="0" b="0"/>
+      </a:effectRef>
+      <a:fontRef idx="minor"/>
+    </dgm:style>
+  </dgm:styleLbl>
+  <dgm:styleLbl name="parChTrans1D3">
+    <dgm:scene3d>
+      <a:camera prst="orthographicFront"/>
+      <a:lightRig rig="threePt" dir="t"/>
+    </dgm:scene3d>
+    <dgm:sp3d/>
+    <dgm:txPr/>
+    <dgm:style>
+      <a:lnRef idx="2">
+        <a:scrgbClr r="0" g="0" b="0"/>
+      </a:lnRef>
+      <a:fillRef idx="0">
+        <a:scrgbClr r="0" g="0" b="0"/>
+      </a:fillRef>
+      <a:effectRef idx="0">
+        <a:scrgbClr r="0" g="0" b="0"/>
+      </a:effectRef>
+      <a:fontRef idx="minor"/>
+    </dgm:style>
+  </dgm:styleLbl>
+  <dgm:styleLbl name="parChTrans1D4">
+    <dgm:scene3d>
+      <a:camera prst="orthographicFront"/>
+      <a:lightRig rig="threePt" dir="t"/>
+    </dgm:scene3d>
+    <dgm:sp3d/>
+    <dgm:txPr/>
+    <dgm:style>
+      <a:lnRef idx="2">
+        <a:scrgbClr r="0" g="0" b="0"/>
+      </a:lnRef>
+      <a:fillRef idx="0">
+        <a:scrgbClr r="0" g="0" b="0"/>
+      </a:fillRef>
+      <a:effectRef idx="0">
+        <a:scrgbClr r="0" g="0" b="0"/>
+      </a:effectRef>
+      <a:fontRef idx="minor"/>
+    </dgm:style>
+  </dgm:styleLbl>
+  <dgm:styleLbl name="fgAcc1">
+    <dgm:scene3d>
+      <a:camera prst="orthographicFront"/>
+      <a:lightRig rig="threePt" dir="t"/>
+    </dgm:scene3d>
+    <dgm:sp3d/>
+    <dgm:txPr/>
+    <dgm:style>
+      <a:lnRef idx="2">
+        <a:scrgbClr r="0" g="0" b="0"/>
+      </a:lnRef>
+      <a:fillRef idx="1">
+        <a:scrgbClr r="0" g="0" b="0"/>
+      </a:fillRef>
+      <a:effectRef idx="0">
+        <a:scrgbClr r="0" g="0" b="0"/>
+      </a:effectRef>
+      <a:fontRef idx="minor"/>
+    </dgm:style>
+  </dgm:styleLbl>
+  <dgm:styleLbl name="conFgAcc1">
+    <dgm:scene3d>
+      <a:camera prst="orthographicFront"/>
+      <a:lightRig rig="threePt" dir="t"/>
+    </dgm:scene3d>
+    <dgm:sp3d/>
+    <dgm:txPr/>
+    <dgm:style>
+      <a:lnRef idx="2">
+        <a:scrgbClr r="0" g="0" b="0"/>
+      </a:lnRef>
+      <a:fillRef idx="1">
+        <a:scrgbClr r="0" g="0" b="0"/>
+      </a:fillRef>
+      <a:effectRef idx="0">
+        <a:scrgbClr r="0" g="0" b="0"/>
+      </a:effectRef>
+      <a:fontRef idx="minor"/>
+    </dgm:style>
+  </dgm:styleLbl>
+  <dgm:styleLbl name="alignAcc1">
+    <dgm:scene3d>
+      <a:camera prst="orthographicFront"/>
+      <a:lightRig rig="threePt" dir="t"/>
+    </dgm:scene3d>
+    <dgm:sp3d/>
+    <dgm:txPr/>
+    <dgm:style>
+      <a:lnRef idx="2">
+        <a:scrgbClr r="0" g="0" b="0"/>
+      </a:lnRef>
+      <a:fillRef idx="1">
+        <a:scrgbClr r="0" g="0" b="0"/>
+      </a:fillRef>
+      <a:effectRef idx="0">
+        <a:scrgbClr r="0" g="0" b="0"/>
+      </a:effectRef>
+      <a:fontRef idx="minor"/>
+    </dgm:style>
+  </dgm:styleLbl>
+  <dgm:styleLbl name="trAlignAcc1">
+    <dgm:scene3d>
+      <a:camera prst="orthographicFront"/>
+      <a:lightRig rig="threePt" dir="t"/>
+    </dgm:scene3d>
+    <dgm:sp3d/>
+    <dgm:txPr/>
+    <dgm:style>
+      <a:lnRef idx="1">
+        <a:scrgbClr r="0" g="0" b="0"/>
+      </a:lnRef>
+      <a:fillRef idx="1">
+        <a:scrgbClr r="0" g="0" b="0"/>
+      </a:fillRef>
+      <a:effectRef idx="0">
+        <a:scrgbClr r="0" g="0" b="0"/>
+      </a:effectRef>
+      <a:fontRef idx="minor"/>
+    </dgm:style>
+  </dgm:styleLbl>
+  <dgm:styleLbl name="bgAcc1">
+    <dgm:scene3d>
+      <a:camera prst="orthographicFront"/>
+      <a:lightRig rig="threePt" dir="t"/>
+    </dgm:scene3d>
+    <dgm:sp3d/>
+    <dgm:txPr/>
+    <dgm:style>
+      <a:lnRef idx="2">
+        <a:scrgbClr r="0" g="0" b="0"/>
+      </a:lnRef>
+      <a:fillRef idx="1">
+        <a:scrgbClr r="0" g="0" b="0"/>
+      </a:fillRef>
+      <a:effectRef idx="0">
+        <a:scrgbClr r="0" g="0" b="0"/>
+      </a:effectRef>
+      <a:fontRef idx="minor"/>
+    </dgm:style>
+  </dgm:styleLbl>
+  <dgm:styleLbl name="solidFgAcc1">
+    <dgm:scene3d>
+      <a:camera prst="orthographicFront"/>
+      <a:lightRig rig="threePt" dir="t"/>
+    </dgm:scene3d>
+    <dgm:sp3d/>
+    <dgm:txPr/>
+    <dgm:style>
+      <a:lnRef idx="2">
+        <a:scrgbClr r="0" g="0" b="0"/>
+      </a:lnRef>
+      <a:fillRef idx="1">
+        <a:scrgbClr r="0" g="0" b="0"/>
+      </a:fillRef>
+      <a:effectRef idx="0">
+        <a:scrgbClr r="0" g="0" b="0"/>
+      </a:effectRef>
+      <a:fontRef idx="minor"/>
+    </dgm:style>
+  </dgm:styleLbl>
+  <dgm:styleLbl name="solidAlignAcc1">
+    <dgm:scene3d>
+      <a:camera prst="orthographicFront"/>
+      <a:lightRig rig="threePt" dir="t"/>
+    </dgm:scene3d>
+    <dgm:sp3d/>
+    <dgm:txPr/>
+    <dgm:style>
+      <a:lnRef idx="2">
+        <a:scrgbClr r="0" g="0" b="0"/>
+      </a:lnRef>
+      <a:fillRef idx="1">
+        <a:scrgbClr r="0" g="0" b="0"/>
+      </a:fillRef>
+      <a:effectRef idx="0">
+        <a:scrgbClr r="0" g="0" b="0"/>
+      </a:effectRef>
+      <a:fontRef idx="minor"/>
+    </dgm:style>
+  </dgm:styleLbl>
+  <dgm:styleLbl name="solidBgAcc1">
+    <dgm:scene3d>
+      <a:camera prst="orthographicFront"/>
+      <a:lightRig rig="threePt" dir="t"/>
+    </dgm:scene3d>
+    <dgm:sp3d/>
+    <dgm:txPr/>
+    <dgm:style>
+      <a:lnRef idx="2">
+        <a:scrgbClr r="0" g="0" b="0"/>
+      </a:lnRef>
+      <a:fillRef idx="1">
+        <a:scrgbClr r="0" g="0" b="0"/>
+      </a:fillRef>
+      <a:effectRef idx="0">
+        <a:scrgbClr r="0" g="0" b="0"/>
+      </a:effectRef>
+      <a:fontRef idx="minor"/>
+    </dgm:style>
+  </dgm:styleLbl>
+  <dgm:styleLbl name="fgAccFollowNode1">
+    <dgm:scene3d>
+      <a:camera prst="orthographicFront"/>
+      <a:lightRig rig="threePt" dir="t"/>
+    </dgm:scene3d>
+    <dgm:sp3d/>
+    <dgm:txPr/>
+    <dgm:style>
+      <a:lnRef idx="2">
+        <a:scrgbClr r="0" g="0" b="0"/>
+      </a:lnRef>
+      <a:fillRef idx="1">
+        <a:scrgbClr r="0" g="0" b="0"/>
+      </a:fillRef>
+      <a:effectRef idx="0">
+        <a:scrgbClr r="0" g="0" b="0"/>
+      </a:effectRef>
+      <a:fontRef idx="minor"/>
+    </dgm:style>
+  </dgm:styleLbl>
+  <dgm:styleLbl name="alignAccFollowNode1">
+    <dgm:scene3d>
+      <a:camera prst="orthographicFront"/>
+      <a:lightRig rig="threePt" dir="t"/>
+    </dgm:scene3d>
+    <dgm:sp3d/>
+    <dgm:txPr/>
+    <dgm:style>
+      <a:lnRef idx="2">
+        <a:scrgbClr r="0" g="0" b="0"/>
+      </a:lnRef>
+      <a:fillRef idx="1">
+        <a:scrgbClr r="0" g="0" b="0"/>
+      </a:fillRef>
+      <a:effectRef idx="0">
+        <a:scrgbClr r="0" g="0" b="0"/>
+      </a:effectRef>
+      <a:fontRef idx="minor"/>
+    </dgm:style>
+  </dgm:styleLbl>
+  <dgm:styleLbl name="bgAccFollowNode1">
+    <dgm:scene3d>
+      <a:camera prst="orthographicFront"/>
+      <a:lightRig rig="threePt" dir="t"/>
+    </dgm:scene3d>
+    <dgm:sp3d/>
+    <dgm:txPr/>
+    <dgm:style>
+      <a:lnRef idx="2">
+        <a:scrgbClr r="0" g="0" b="0"/>
+      </a:lnRef>
+      <a:fillRef idx="1">
+        <a:scrgbClr r="0" g="0" b="0"/>
+      </a:fillRef>
+      <a:effectRef idx="0">
+        <a:scrgbClr r="0" g="0" b="0"/>
+      </a:effectRef>
+      <a:fontRef idx="minor"/>
+    </dgm:style>
+  </dgm:styleLbl>
+  <dgm:styleLbl name="fgAcc0">
+    <dgm:scene3d>
+      <a:camera prst="orthographicFront"/>
+      <a:lightRig rig="threePt" dir="t"/>
+    </dgm:scene3d>
+    <dgm:sp3d/>
+    <dgm:txPr/>
+    <dgm:style>
+      <a:lnRef idx="2">
+        <a:scrgbClr r="0" g="0" b="0"/>
+      </a:lnRef>
+      <a:fillRef idx="1">
+        <a:scrgbClr r="0" g="0" b="0"/>
+      </a:fillRef>
+      <a:effectRef idx="0">
+        <a:scrgbClr r="0" g="0" b="0"/>
+      </a:effectRef>
+      <a:fontRef idx="minor"/>
+    </dgm:style>
+  </dgm:styleLbl>
+  <dgm:styleLbl name="fgAcc2">
+    <dgm:scene3d>
+      <a:camera prst="orthographicFront"/>
+      <a:lightRig rig="threePt" dir="t"/>
+    </dgm:scene3d>
+    <dgm:sp3d/>
+    <dgm:txPr/>
+    <dgm:style>
+      <a:lnRef idx="2">
+        <a:scrgbClr r="0" g="0" b="0"/>
+      </a:lnRef>
+      <a:fillRef idx="1">
+        <a:scrgbClr r="0" g="0" b="0"/>
+      </a:fillRef>
+      <a:effectRef idx="0">
+        <a:scrgbClr r="0" g="0" b="0"/>
+      </a:effectRef>
+      <a:fontRef idx="minor"/>
+    </dgm:style>
+  </dgm:styleLbl>
+  <dgm:styleLbl name="fgAcc3">
+    <dgm:scene3d>
+      <a:camera prst="orthographicFront"/>
+      <a:lightRig rig="threePt" dir="t"/>
+    </dgm:scene3d>
+    <dgm:sp3d/>
+    <dgm:txPr/>
+    <dgm:style>
+      <a:lnRef idx="2">
+        <a:scrgbClr r="0" g="0" b="0"/>
+      </a:lnRef>
+      <a:fillRef idx="1">
+        <a:scrgbClr r="0" g="0" b="0"/>
+      </a:fillRef>
+      <a:effectRef idx="0">
+        <a:scrgbClr r="0" g="0" b="0"/>
+      </a:effectRef>
+      <a:fontRef idx="minor"/>
+    </dgm:style>
+  </dgm:styleLbl>
+  <dgm:styleLbl name="fgAcc4">
+    <dgm:scene3d>
+      <a:camera prst="orthographicFront"/>
+      <a:lightRig rig="threePt" dir="t"/>
+    </dgm:scene3d>
+    <dgm:sp3d/>
+    <dgm:txPr/>
+    <dgm:style>
+      <a:lnRef idx="2">
+        <a:scrgbClr r="0" g="0" b="0"/>
+      </a:lnRef>
+      <a:fillRef idx="1">
+        <a:scrgbClr r="0" g="0" b="0"/>
+      </a:fillRef>
+      <a:effectRef idx="0">
+        <a:scrgbClr r="0" g="0" b="0"/>
+      </a:effectRef>
+      <a:fontRef idx="minor"/>
+    </dgm:style>
+  </dgm:styleLbl>
+  <dgm:styleLbl name="bgShp">
+    <dgm:scene3d>
+      <a:camera prst="orthographicFront"/>
+      <a:lightRig rig="threePt" dir="t"/>
+    </dgm:scene3d>
+    <dgm:sp3d/>
+    <dgm:txPr/>
+    <dgm:style>
+      <a:lnRef idx="0">
+        <a:scrgbClr r="0" g="0" b="0"/>
+      </a:lnRef>
+      <a:fillRef idx="1">
+        <a:scrgbClr r="0" g="0" b="0"/>
+      </a:fillRef>
+      <a:effectRef idx="0">
+        <a:scrgbClr r="0" g="0" b="0"/>
+      </a:effectRef>
+      <a:fontRef idx="minor"/>
+    </dgm:style>
+  </dgm:styleLbl>
+  <dgm:styleLbl name="dkBgShp">
+    <dgm:scene3d>
+      <a:camera prst="orthographicFront"/>
+      <a:lightRig rig="threePt" dir="t"/>
+    </dgm:scene3d>
+    <dgm:sp3d/>
+    <dgm:txPr/>
+    <dgm:style>
+      <a:lnRef idx="0">
+        <a:scrgbClr r="0" g="0" b="0"/>
+      </a:lnRef>
+      <a:fillRef idx="1">
+        <a:scrgbClr r="0" g="0" b="0"/>
+      </a:fillRef>
+      <a:effectRef idx="0">
+        <a:scrgbClr r="0" g="0" b="0"/>
+      </a:effectRef>
+      <a:fontRef idx="minor"/>
+    </dgm:style>
+  </dgm:styleLbl>
+  <dgm:styleLbl name="trBgShp">
+    <dgm:scene3d>
+      <a:camera prst="orthographicFront"/>
+      <a:lightRig rig="threePt" dir="t"/>
+    </dgm:scene3d>
+    <dgm:sp3d/>
+    <dgm:txPr/>
+    <dgm:style>
+      <a:lnRef idx="0">
+        <a:scrgbClr r="0" g="0" b="0"/>
+      </a:lnRef>
+      <a:fillRef idx="1">
+        <a:scrgbClr r="0" g="0" b="0"/>
+      </a:fillRef>
+      <a:effectRef idx="0">
+        <a:scrgbClr r="0" g="0" b="0"/>
+      </a:effectRef>
+      <a:fontRef idx="minor"/>
+    </dgm:style>
+  </dgm:styleLbl>
+  <dgm:styleLbl name="fgShp">
+    <dgm:scene3d>
+      <a:camera prst="orthographicFront"/>
+      <a:lightRig rig="threePt" dir="t"/>
+    </dgm:scene3d>
+    <dgm:sp3d/>
+    <dgm:txPr/>
+    <dgm:style>
+      <a:lnRef idx="2">
+        <a:scrgbClr r="0" g="0" b="0"/>
+      </a:lnRef>
+      <a:fillRef idx="1">
+        <a:scrgbClr r="0" g="0" b="0"/>
+      </a:fillRef>
+      <a:effectRef idx="0">
+        <a:scrgbClr r="0" g="0" b="0"/>
+      </a:effectRef>
+      <a:fontRef idx="minor"/>
+    </dgm:style>
+  </dgm:styleLbl>
+  <dgm:styleLbl name="revTx">
+    <dgm:scene3d>
+      <a:camera prst="orthographicFront"/>
+      <a:lightRig rig="threePt" dir="t"/>
+    </dgm:scene3d>
+    <dgm:sp3d/>
+    <dgm:txPr/>
+    <dgm:style>
+      <a:lnRef idx="0">
+        <a:scrgbClr r="0" g="0" b="0"/>
+      </a:lnRef>
+      <a:fillRef idx="0">
+        <a:scrgbClr r="0" g="0" b="0"/>
+      </a:fillRef>
+      <a:effectRef idx="0">
+        <a:scrgbClr r="0" g="0" b="0"/>
+      </a:effectRef>
+      <a:fontRef idx="minor"/>
+    </dgm:style>
+  </dgm:styleLbl>
+</dgm:styleDef>
 </file>
 
 <file path=ppt/slideLayouts/slideLayout1.xml><?xml version="1.0" encoding="utf-8"?>
@@ -3311,6 +9160,14 @@
 <file path=ppt/slides/slide1.xml><?xml version="1.0" encoding="utf-8"?>
 <p:sld xmlns:a="http://schemas.openxmlformats.org/drawingml/2006/main" xmlns:r="http://schemas.openxmlformats.org/officeDocument/2006/relationships" xmlns:p="http://schemas.openxmlformats.org/presentationml/2006/main">
   <p:cSld>
+    <p:bg>
+      <p:bgPr>
+        <a:solidFill>
+          <a:schemeClr val="bg1"/>
+        </a:solidFill>
+        <a:effectLst/>
+      </p:bgPr>
+    </p:bg>
     <p:spTree>
       <p:nvGrpSpPr>
         <p:cNvPr id="1" name=""/>
@@ -3325,6 +9182,147 @@
           <a:chExt cx="0" cy="0"/>
         </a:xfrm>
       </p:grpSpPr>
+      <p:sp useBgFill="1">
+        <p:nvSpPr>
+          <p:cNvPr id="29" name="Rectangle 13">
+            <a:extLst>
+              <a:ext uri="{FF2B5EF4-FFF2-40B4-BE49-F238E27FC236}">
+                <a16:creationId xmlns:a16="http://schemas.microsoft.com/office/drawing/2014/main" id="{23E547B5-89CF-4EC0-96DE-25771AED0799}"/>
+              </a:ext>
+              <a:ext uri="{C183D7F6-B498-43B3-948B-1728B52AA6E4}">
+                <adec:decorative xmlns:adec="http://schemas.microsoft.com/office/drawing/2017/decorative" val="1"/>
+              </a:ext>
+            </a:extLst>
+          </p:cNvPr>
+          <p:cNvSpPr>
+            <a:spLocks noGrp="1" noRot="1" noChangeAspect="1" noMove="1" noResize="1" noEditPoints="1" noAdjustHandles="1" noChangeArrowheads="1" noChangeShapeType="1" noTextEdit="1"/>
+          </p:cNvSpPr>
+          <p:nvPr>
+            <p:extLst>
+              <p:ext uri="{386F3935-93C4-4BCD-93E2-E3B085C9AB24}">
+                <p16:designElem xmlns:p16="http://schemas.microsoft.com/office/powerpoint/2015/main" val="1"/>
+              </p:ext>
+            </p:extLst>
+          </p:nvPr>
+        </p:nvSpPr>
+        <p:spPr>
+          <a:xfrm>
+            <a:off x="0" y="0"/>
+            <a:ext cx="12192000" cy="6858000"/>
+          </a:xfrm>
+          <a:prstGeom prst="rect">
+            <a:avLst/>
+          </a:prstGeom>
+          <a:ln w="12700" cap="flat" cmpd="sng" algn="ctr">
+            <a:noFill/>
+            <a:prstDash val="solid"/>
+            <a:miter lim="800000"/>
+          </a:ln>
+          <a:effectLst/>
+          <a:extLst>
+            <a:ext uri="{91240B29-F687-4F45-9708-019B960494DF}">
+              <a14:hiddenLine xmlns:a14="http://schemas.microsoft.com/office/drawing/2010/main" w="12700" cap="flat" cmpd="sng" algn="ctr">
+                <a:solidFill>
+                  <a:schemeClr val="accent1">
+                    <a:shade val="50000"/>
+                  </a:schemeClr>
+                </a:solidFill>
+                <a:prstDash val="solid"/>
+                <a:miter lim="800000"/>
+              </a14:hiddenLine>
+            </a:ext>
+          </a:extLst>
+        </p:spPr>
+        <p:style>
+          <a:lnRef idx="2">
+            <a:schemeClr val="accent1">
+              <a:shade val="50000"/>
+            </a:schemeClr>
+          </a:lnRef>
+          <a:fillRef idx="1">
+            <a:schemeClr val="accent1"/>
+          </a:fillRef>
+          <a:effectRef idx="0">
+            <a:schemeClr val="accent1"/>
+          </a:effectRef>
+          <a:fontRef idx="minor">
+            <a:schemeClr val="lt1"/>
+          </a:fontRef>
+        </p:style>
+        <p:txBody>
+          <a:bodyPr rtlCol="0" anchor="ctr"/>
+          <a:lstStyle/>
+          <a:p>
+            <a:pPr algn="ctr"/>
+            <a:endParaRPr lang="en-US"/>
+          </a:p>
+        </p:txBody>
+      </p:sp>
+      <p:sp>
+        <p:nvSpPr>
+          <p:cNvPr id="16" name="Rectangle 15">
+            <a:extLst>
+              <a:ext uri="{FF2B5EF4-FFF2-40B4-BE49-F238E27FC236}">
+                <a16:creationId xmlns:a16="http://schemas.microsoft.com/office/drawing/2014/main" id="{3F0B8CEB-8279-4E5E-A0CE-1FC9F71736F2}"/>
+              </a:ext>
+              <a:ext uri="{C183D7F6-B498-43B3-948B-1728B52AA6E4}">
+                <adec:decorative xmlns:adec="http://schemas.microsoft.com/office/drawing/2017/decorative" val="1"/>
+              </a:ext>
+            </a:extLst>
+          </p:cNvPr>
+          <p:cNvSpPr>
+            <a:spLocks noGrp="1" noRot="1" noChangeAspect="1" noMove="1" noResize="1" noEditPoints="1" noAdjustHandles="1" noChangeArrowheads="1" noChangeShapeType="1" noTextEdit="1"/>
+          </p:cNvSpPr>
+          <p:nvPr>
+            <p:extLst>
+              <p:ext uri="{386F3935-93C4-4BCD-93E2-E3B085C9AB24}">
+                <p16:designElem xmlns:p16="http://schemas.microsoft.com/office/powerpoint/2015/main" val="1"/>
+              </p:ext>
+            </p:extLst>
+          </p:nvPr>
+        </p:nvSpPr>
+        <p:spPr>
+          <a:xfrm>
+            <a:off x="4770782" y="0"/>
+            <a:ext cx="7421217" cy="6857999"/>
+          </a:xfrm>
+          <a:prstGeom prst="rect">
+            <a:avLst/>
+          </a:prstGeom>
+          <a:solidFill>
+            <a:srgbClr val="82766A">
+              <a:alpha val="15000"/>
+            </a:srgbClr>
+          </a:solidFill>
+          <a:ln>
+            <a:noFill/>
+          </a:ln>
+        </p:spPr>
+        <p:style>
+          <a:lnRef idx="2">
+            <a:schemeClr val="accent1">
+              <a:shade val="50000"/>
+            </a:schemeClr>
+          </a:lnRef>
+          <a:fillRef idx="1">
+            <a:schemeClr val="accent1"/>
+          </a:fillRef>
+          <a:effectRef idx="0">
+            <a:schemeClr val="accent1"/>
+          </a:effectRef>
+          <a:fontRef idx="minor">
+            <a:schemeClr val="lt1"/>
+          </a:fontRef>
+        </p:style>
+        <p:txBody>
+          <a:bodyPr rtlCol="0" anchor="ctr"/>
+          <a:lstStyle/>
+          <a:p>
+            <a:pPr algn="ctr"/>
+            <a:endParaRPr lang="en-US"/>
+          </a:p>
+        </p:txBody>
+      </p:sp>
       <p:sp>
         <p:nvSpPr>
           <p:cNvPr id="2" name="Título 1">
@@ -3343,37 +9341,444 @@
         </p:nvSpPr>
         <p:spPr>
           <a:xfrm>
-            <a:off x="1524000" y="169817"/>
-            <a:ext cx="9144000" cy="1596254"/>
+            <a:off x="7320467" y="647532"/>
+            <a:ext cx="4140014" cy="1330839"/>
           </a:xfrm>
         </p:spPr>
         <p:txBody>
-          <a:bodyPr>
+          <a:bodyPr vert="horz" lIns="91440" tIns="45720" rIns="91440" bIns="45720" rtlCol="0" anchor="ctr">
             <a:normAutofit/>
           </a:bodyPr>
           <a:lstStyle/>
           <a:p>
-            <a:r>
-              <a:rPr lang="pt-PT" dirty="0" err="1"/>
-              <a:t>ISELper</a:t>
-            </a:r>
             <a:br>
-              <a:rPr lang="pt-PT" dirty="0"/>
+              <a:rPr lang="en-US" sz="2800" dirty="0"/>
             </a:br>
             <a:r>
-              <a:rPr lang="pt-PT" sz="4400" dirty="0"/>
+              <a:rPr lang="en-US" sz="2800" dirty="0"/>
               <a:t>Aplicação de apoio aos alunos do ISEL</a:t>
             </a:r>
-            <a:endParaRPr lang="pt-PT" dirty="0"/>
           </a:p>
         </p:txBody>
       </p:sp>
+      <p:pic>
+        <p:nvPicPr>
+          <p:cNvPr id="9" name="Imagem 8" descr="Uma imagem com desenho, Cara humana&#10;&#10;Descrição gerada automaticamente">
+            <a:extLst>
+              <a:ext uri="{FF2B5EF4-FFF2-40B4-BE49-F238E27FC236}">
+                <a16:creationId xmlns:a16="http://schemas.microsoft.com/office/drawing/2014/main" id="{2146065F-879D-5B68-9484-25417388F1C1}"/>
+              </a:ext>
+            </a:extLst>
+          </p:cNvPr>
+          <p:cNvPicPr>
+            <a:picLocks noChangeAspect="1"/>
+          </p:cNvPicPr>
+          <p:nvPr/>
+        </p:nvPicPr>
+        <p:blipFill rotWithShape="1">
+          <a:blip r:embed="rId2">
+            <a:extLst>
+              <a:ext uri="{28A0092B-C50C-407E-A947-70E740481C1C}">
+                <a14:useLocalDpi xmlns:a14="http://schemas.microsoft.com/office/drawing/2010/main" val="0"/>
+              </a:ext>
+            </a:extLst>
+          </a:blip>
+          <a:srcRect t="633" r="-2" b="-2"/>
+          <a:stretch/>
+        </p:blipFill>
+        <p:spPr>
+          <a:xfrm>
+            <a:off x="20" y="10"/>
+            <a:ext cx="6901711" cy="6857990"/>
+          </a:xfrm>
+          <a:custGeom>
+            <a:avLst/>
+            <a:gdLst/>
+            <a:ahLst/>
+            <a:cxnLst/>
+            <a:rect l="l" t="t" r="r" b="b"/>
+            <a:pathLst>
+              <a:path w="6901731" h="6858000">
+                <a:moveTo>
+                  <a:pt x="0" y="0"/>
+                </a:moveTo>
+                <a:lnTo>
+                  <a:pt x="6897896" y="5958"/>
+                </a:lnTo>
+                <a:lnTo>
+                  <a:pt x="6866823" y="62592"/>
+                </a:lnTo>
+                <a:lnTo>
+                  <a:pt x="6901731" y="89476"/>
+                </a:lnTo>
+                <a:lnTo>
+                  <a:pt x="6901731" y="103833"/>
+                </a:lnTo>
+                <a:lnTo>
+                  <a:pt x="6900034" y="110092"/>
+                </a:lnTo>
+                <a:lnTo>
+                  <a:pt x="6901731" y="113679"/>
+                </a:lnTo>
+                <a:lnTo>
+                  <a:pt x="6901731" y="405560"/>
+                </a:lnTo>
+                <a:lnTo>
+                  <a:pt x="6900456" y="429509"/>
+                </a:lnTo>
+                <a:cubicBezTo>
+                  <a:pt x="6892773" y="535647"/>
+                  <a:pt x="6878314" y="537918"/>
+                  <a:pt x="6886342" y="636808"/>
+                </a:cubicBezTo>
+                <a:cubicBezTo>
+                  <a:pt x="6892506" y="756883"/>
+                  <a:pt x="6864504" y="771443"/>
+                  <a:pt x="6851784" y="839073"/>
+                </a:cubicBezTo>
+                <a:cubicBezTo>
+                  <a:pt x="6838675" y="892655"/>
+                  <a:pt x="6864124" y="961738"/>
+                  <a:pt x="6845760" y="994930"/>
+                </a:cubicBezTo>
+                <a:cubicBezTo>
+                  <a:pt x="6833572" y="1024166"/>
+                  <a:pt x="6859282" y="1058905"/>
+                  <a:pt x="6845601" y="1112932"/>
+                </a:cubicBezTo>
+                <a:cubicBezTo>
+                  <a:pt x="6838700" y="1149910"/>
+                  <a:pt x="6829138" y="1151035"/>
+                  <a:pt x="6820235" y="1187433"/>
+                </a:cubicBezTo>
+                <a:cubicBezTo>
+                  <a:pt x="6815504" y="1196464"/>
+                  <a:pt x="6777707" y="1338549"/>
+                  <a:pt x="6759643" y="1337010"/>
+                </a:cubicBezTo>
+                <a:cubicBezTo>
+                  <a:pt x="6737660" y="1337296"/>
+                  <a:pt x="6760650" y="1396341"/>
+                  <a:pt x="6736375" y="1382272"/>
+                </a:cubicBezTo>
+                <a:cubicBezTo>
+                  <a:pt x="6755741" y="1415836"/>
+                  <a:pt x="6714675" y="1414567"/>
+                  <a:pt x="6701292" y="1432111"/>
+                </a:cubicBezTo>
+                <a:cubicBezTo>
+                  <a:pt x="6721110" y="1460185"/>
+                  <a:pt x="6692106" y="1490815"/>
+                  <a:pt x="6686578" y="1518624"/>
+                </a:cubicBezTo>
+                <a:cubicBezTo>
+                  <a:pt x="6682512" y="1567002"/>
+                  <a:pt x="6679579" y="1571443"/>
+                  <a:pt x="6670824" y="1607743"/>
+                </a:cubicBezTo>
+                <a:cubicBezTo>
+                  <a:pt x="6671133" y="1629590"/>
+                  <a:pt x="6663161" y="1656870"/>
+                  <a:pt x="6664392" y="1696405"/>
+                </a:cubicBezTo>
+                <a:cubicBezTo>
+                  <a:pt x="6655686" y="1770486"/>
+                  <a:pt x="6641938" y="1757082"/>
+                  <a:pt x="6642880" y="1812372"/>
+                </a:cubicBezTo>
+                <a:cubicBezTo>
+                  <a:pt x="6638579" y="1872475"/>
+                  <a:pt x="6619231" y="1825476"/>
+                  <a:pt x="6612547" y="1876437"/>
+                </a:cubicBezTo>
+                <a:cubicBezTo>
+                  <a:pt x="6600695" y="1913834"/>
+                  <a:pt x="6591061" y="1923231"/>
+                  <a:pt x="6571760" y="1953331"/>
+                </a:cubicBezTo>
+                <a:cubicBezTo>
+                  <a:pt x="6561039" y="1989021"/>
+                  <a:pt x="6544090" y="2087896"/>
+                  <a:pt x="6520213" y="2096455"/>
+                </a:cubicBezTo>
+                <a:lnTo>
+                  <a:pt x="6492461" y="2188148"/>
+                </a:lnTo>
+                <a:cubicBezTo>
+                  <a:pt x="6504372" y="2211333"/>
+                  <a:pt x="6489131" y="2253220"/>
+                  <a:pt x="6471854" y="2259117"/>
+                </a:cubicBezTo>
+                <a:cubicBezTo>
+                  <a:pt x="6466151" y="2287829"/>
+                  <a:pt x="6440452" y="2301346"/>
+                  <a:pt x="6439832" y="2328334"/>
+                </a:cubicBezTo>
+                <a:cubicBezTo>
+                  <a:pt x="6431013" y="2351201"/>
+                  <a:pt x="6444250" y="2396409"/>
+                  <a:pt x="6425162" y="2408211"/>
+                </a:cubicBezTo>
+                <a:lnTo>
+                  <a:pt x="6417221" y="2427382"/>
+                </a:lnTo>
+                <a:lnTo>
+                  <a:pt x="6425030" y="2464387"/>
+                </a:lnTo>
+                <a:lnTo>
+                  <a:pt x="6406293" y="2472223"/>
+                </a:lnTo>
+                <a:cubicBezTo>
+                  <a:pt x="6406862" y="2477277"/>
+                  <a:pt x="6406486" y="2491723"/>
+                  <a:pt x="6405400" y="2493547"/>
+                </a:cubicBezTo>
+                <a:lnTo>
+                  <a:pt x="6374829" y="2532070"/>
+                </a:lnTo>
+                <a:cubicBezTo>
+                  <a:pt x="6374597" y="2545374"/>
+                  <a:pt x="6360976" y="2563797"/>
+                  <a:pt x="6350864" y="2577422"/>
+                </a:cubicBezTo>
+                <a:cubicBezTo>
+                  <a:pt x="6327056" y="2632768"/>
+                  <a:pt x="6341262" y="2616275"/>
+                  <a:pt x="6329174" y="2663854"/>
+                </a:cubicBezTo>
+                <a:cubicBezTo>
+                  <a:pt x="6326303" y="2703642"/>
+                  <a:pt x="6332854" y="2709643"/>
+                  <a:pt x="6315095" y="2741507"/>
+                </a:cubicBezTo>
+                <a:cubicBezTo>
+                  <a:pt x="6319921" y="2740191"/>
+                  <a:pt x="6321925" y="2742004"/>
+                  <a:pt x="6322463" y="2745641"/>
+                </a:cubicBezTo>
+                <a:cubicBezTo>
+                  <a:pt x="6322245" y="2747982"/>
+                  <a:pt x="6322027" y="2750323"/>
+                  <a:pt x="6321808" y="2752663"/>
+                </a:cubicBezTo>
+                <a:lnTo>
+                  <a:pt x="6314569" y="2756718"/>
+                </a:lnTo>
+                <a:cubicBezTo>
+                  <a:pt x="6289324" y="2773686"/>
+                  <a:pt x="6317551" y="2780051"/>
+                  <a:pt x="6315211" y="2811618"/>
+                </a:cubicBezTo>
+                <a:cubicBezTo>
+                  <a:pt x="6315620" y="2826627"/>
+                  <a:pt x="6296047" y="2885298"/>
+                  <a:pt x="6302211" y="2882314"/>
+                </a:cubicBezTo>
+                <a:lnTo>
+                  <a:pt x="6286167" y="2949597"/>
+                </a:lnTo>
+                <a:cubicBezTo>
+                  <a:pt x="6286401" y="2994618"/>
+                  <a:pt x="6286615" y="2971464"/>
+                  <a:pt x="6287037" y="3008578"/>
+                </a:cubicBezTo>
+                <a:cubicBezTo>
+                  <a:pt x="6293795" y="3029535"/>
+                  <a:pt x="6274405" y="3114154"/>
+                  <a:pt x="6259150" y="3123139"/>
+                </a:cubicBezTo>
+                <a:cubicBezTo>
+                  <a:pt x="6250085" y="3189063"/>
+                  <a:pt x="6269067" y="3151280"/>
+                  <a:pt x="6272249" y="3227854"/>
+                </a:cubicBezTo>
+                <a:cubicBezTo>
+                  <a:pt x="6278775" y="3295842"/>
+                  <a:pt x="6289216" y="3303765"/>
+                  <a:pt x="6292288" y="3378383"/>
+                </a:cubicBezTo>
+                <a:cubicBezTo>
+                  <a:pt x="6303894" y="3395995"/>
+                  <a:pt x="6287498" y="3432581"/>
+                  <a:pt x="6288328" y="3459618"/>
+                </a:cubicBezTo>
+                <a:cubicBezTo>
+                  <a:pt x="6289158" y="3486653"/>
+                  <a:pt x="6299937" y="3538735"/>
+                  <a:pt x="6297272" y="3540603"/>
+                </a:cubicBezTo>
+                <a:cubicBezTo>
+                  <a:pt x="6296849" y="3577379"/>
+                  <a:pt x="6294184" y="3587943"/>
+                  <a:pt x="6291001" y="3638374"/>
+                </a:cubicBezTo>
+                <a:cubicBezTo>
+                  <a:pt x="6283026" y="3666794"/>
+                  <a:pt x="6265833" y="3731744"/>
+                  <a:pt x="6283592" y="3763609"/>
+                </a:cubicBezTo>
+                <a:cubicBezTo>
+                  <a:pt x="6264286" y="3758340"/>
+                  <a:pt x="6290177" y="3803150"/>
+                  <a:pt x="6274068" y="3814506"/>
+                </a:cubicBezTo>
+                <a:cubicBezTo>
+                  <a:pt x="6260645" y="3821643"/>
+                  <a:pt x="6265372" y="3836902"/>
+                  <a:pt x="6262850" y="3850454"/>
+                </a:cubicBezTo>
+                <a:cubicBezTo>
+                  <a:pt x="6250418" y="3863479"/>
+                  <a:pt x="6250660" y="3955243"/>
+                  <a:pt x="6257357" y="3975474"/>
+                </a:cubicBezTo>
+                <a:cubicBezTo>
+                  <a:pt x="6245091" y="4036737"/>
+                  <a:pt x="6237535" y="4029237"/>
+                  <a:pt x="6257889" y="4073155"/>
+                </a:cubicBezTo>
+                <a:cubicBezTo>
+                  <a:pt x="6259272" y="4085906"/>
+                  <a:pt x="6239882" y="4116397"/>
+                  <a:pt x="6237441" y="4126638"/>
+                </a:cubicBezTo>
+                <a:lnTo>
+                  <a:pt x="6245587" y="4172738"/>
+                </a:lnTo>
+                <a:lnTo>
+                  <a:pt x="6235772" y="4176721"/>
+                </a:lnTo>
+                <a:lnTo>
+                  <a:pt x="6233287" y="4195136"/>
+                </a:lnTo>
+                <a:lnTo>
+                  <a:pt x="6234619" y="4280850"/>
+                </a:lnTo>
+                <a:cubicBezTo>
+                  <a:pt x="6239453" y="4320763"/>
+                  <a:pt x="6223309" y="4337596"/>
+                  <a:pt x="6219318" y="4402526"/>
+                </a:cubicBezTo>
+                <a:cubicBezTo>
+                  <a:pt x="6205466" y="4516209"/>
+                  <a:pt x="6216183" y="4588729"/>
+                  <a:pt x="6216810" y="4651172"/>
+                </a:cubicBezTo>
+                <a:cubicBezTo>
+                  <a:pt x="6217673" y="4756959"/>
+                  <a:pt x="6228654" y="4824005"/>
+                  <a:pt x="6225945" y="4916779"/>
+                </a:cubicBezTo>
+                <a:cubicBezTo>
+                  <a:pt x="6217032" y="4993010"/>
+                  <a:pt x="6264271" y="4984591"/>
+                  <a:pt x="6230174" y="5051379"/>
+                </a:cubicBezTo>
+                <a:cubicBezTo>
+                  <a:pt x="6235713" y="5056951"/>
+                  <a:pt x="6239420" y="5163714"/>
+                  <a:pt x="6242600" y="5170879"/>
+                </a:cubicBezTo>
+                <a:lnTo>
+                  <a:pt x="6235996" y="5216428"/>
+                </a:lnTo>
+                <a:lnTo>
+                  <a:pt x="6214638" y="5285298"/>
+                </a:lnTo>
+                <a:cubicBezTo>
+                  <a:pt x="6211392" y="5297492"/>
+                  <a:pt x="6225576" y="5312063"/>
+                  <a:pt x="6228432" y="5317696"/>
+                </a:cubicBezTo>
+                <a:lnTo>
+                  <a:pt x="6246496" y="5398787"/>
+                </a:lnTo>
+                <a:lnTo>
+                  <a:pt x="6244793" y="5399530"/>
+                </a:lnTo>
+                <a:lnTo>
+                  <a:pt x="6241695" y="5406948"/>
+                </a:lnTo>
+                <a:lnTo>
+                  <a:pt x="6267461" y="5499413"/>
+                </a:lnTo>
+                <a:cubicBezTo>
+                  <a:pt x="6285387" y="5533848"/>
+                  <a:pt x="6284888" y="5550029"/>
+                  <a:pt x="6295987" y="5582659"/>
+                </a:cubicBezTo>
+                <a:cubicBezTo>
+                  <a:pt x="6311253" y="5681724"/>
+                  <a:pt x="6295439" y="5695558"/>
+                  <a:pt x="6364803" y="5784263"/>
+                </a:cubicBezTo>
+                <a:cubicBezTo>
+                  <a:pt x="6379348" y="5818651"/>
+                  <a:pt x="6412475" y="5906802"/>
+                  <a:pt x="6423050" y="5922637"/>
+                </a:cubicBezTo>
+                <a:cubicBezTo>
+                  <a:pt x="6445210" y="5973612"/>
+                  <a:pt x="6468179" y="6023873"/>
+                  <a:pt x="6497767" y="6090108"/>
+                </a:cubicBezTo>
+                <a:cubicBezTo>
+                  <a:pt x="6571895" y="6150548"/>
+                  <a:pt x="6572491" y="6236583"/>
+                  <a:pt x="6606710" y="6281543"/>
+                </a:cubicBezTo>
+                <a:cubicBezTo>
+                  <a:pt x="6633675" y="6335892"/>
+                  <a:pt x="6654357" y="6388782"/>
+                  <a:pt x="6667540" y="6443715"/>
+                </a:cubicBezTo>
+                <a:cubicBezTo>
+                  <a:pt x="6685192" y="6466826"/>
+                  <a:pt x="6650500" y="6508701"/>
+                  <a:pt x="6659722" y="6550105"/>
+                </a:cubicBezTo>
+                <a:cubicBezTo>
+                  <a:pt x="6665926" y="6645044"/>
+                  <a:pt x="6669126" y="6627536"/>
+                  <a:pt x="6671805" y="6687397"/>
+                </a:cubicBezTo>
+                <a:cubicBezTo>
+                  <a:pt x="6682671" y="6733683"/>
+                  <a:pt x="6665210" y="6772117"/>
+                  <a:pt x="6669658" y="6806602"/>
+                </a:cubicBezTo>
+                <a:cubicBezTo>
+                  <a:pt x="6661174" y="6812658"/>
+                  <a:pt x="6667097" y="6831470"/>
+                  <a:pt x="6675783" y="6850325"/>
+                </a:cubicBezTo>
+                <a:lnTo>
+                  <a:pt x="6679704" y="6858000"/>
+                </a:lnTo>
+                <a:lnTo>
+                  <a:pt x="4532241" y="6858000"/>
+                </a:lnTo>
+                <a:lnTo>
+                  <a:pt x="1208596" y="6858000"/>
+                </a:lnTo>
+                <a:lnTo>
+                  <a:pt x="0" y="6858000"/>
+                </a:lnTo>
+                <a:close/>
+              </a:path>
+            </a:pathLst>
+          </a:custGeom>
+        </p:spPr>
+      </p:pic>
       <p:sp>
         <p:nvSpPr>
           <p:cNvPr id="3" name="Subtítulo 2">
             <a:extLst>
               <a:ext uri="{FF2B5EF4-FFF2-40B4-BE49-F238E27FC236}">
                 <a16:creationId xmlns:a16="http://schemas.microsoft.com/office/drawing/2014/main" id="{0F74CDDD-EBC8-8BF3-B37B-CC6169AF034A}"/>
+              </a:ext>
+              <a:ext uri="{C183D7F6-B498-43B3-948B-1728B52AA6E4}">
+                <adec:decorative xmlns:adec="http://schemas.microsoft.com/office/drawing/2017/decorative" val="0"/>
               </a:ext>
             </a:extLst>
           </p:cNvPr>
@@ -3386,80 +9791,98 @@
         </p:nvSpPr>
         <p:spPr>
           <a:xfrm>
-            <a:off x="263038" y="2789073"/>
-            <a:ext cx="12025152" cy="2358979"/>
+            <a:off x="7320467" y="2625902"/>
+            <a:ext cx="4140013" cy="3908586"/>
           </a:xfrm>
         </p:spPr>
         <p:txBody>
-          <a:bodyPr>
-            <a:normAutofit fontScale="85000" lnSpcReduction="20000"/>
+          <a:bodyPr vert="horz" lIns="91440" tIns="45720" rIns="91440" bIns="45720" rtlCol="0">
+            <a:normAutofit/>
           </a:bodyPr>
           <a:lstStyle/>
           <a:p>
-            <a:pPr>
+            <a:pPr algn="l">
               <a:spcBef>
                 <a:spcPts val="0"/>
               </a:spcBef>
             </a:pPr>
             <a:r>
-              <a:rPr lang="pt-PT" b="1" dirty="0"/>
+              <a:rPr lang="en-US" sz="2000" b="1" dirty="0"/>
               <a:t>Autores:</a:t>
             </a:r>
-            <a:br>
-              <a:rPr lang="pt-PT" dirty="0"/>
-            </a:br>
-            <a:r>
-              <a:rPr lang="pt-PT" dirty="0"/>
-              <a:t>Filipe Jorge</a:t>
-            </a:r>
-            <a:br>
-              <a:rPr lang="pt-PT" dirty="0"/>
-            </a:br>
-            <a:r>
-              <a:rPr lang="pt-PT" dirty="0"/>
-              <a:t>David Gomes</a:t>
-            </a:r>
-          </a:p>
-          <a:p>
-            <a:pPr>
+          </a:p>
+          <a:p>
+            <a:pPr marL="342900" indent="-342900" algn="l">
               <a:spcBef>
                 <a:spcPts val="0"/>
               </a:spcBef>
+              <a:buFont typeface="Arial" panose="020B0604020202020204" pitchFamily="34" charset="0"/>
+              <a:buChar char="•"/>
             </a:pPr>
             <a:r>
-              <a:rPr lang="pt-PT" dirty="0"/>
-              <a:t>Sérgio Gomes</a:t>
+              <a:rPr lang="en-US" sz="2000" dirty="0"/>
+              <a:t>Filipe Jorge</a:t>
             </a:r>
           </a:p>
           <a:p>
+            <a:pPr marL="342900" indent="-342900" algn="l">
+              <a:spcBef>
+                <a:spcPts val="0"/>
+              </a:spcBef>
+              <a:buFont typeface="Arial" panose="020B0604020202020204" pitchFamily="34" charset="0"/>
+              <a:buChar char="•"/>
+            </a:pPr>
             <a:r>
-              <a:rPr lang="pt-PT" b="1" dirty="0"/>
+              <a:rPr lang="en-US" sz="2000" dirty="0"/>
+              <a:t>David Gomes</a:t>
+            </a:r>
+          </a:p>
+          <a:p>
+            <a:pPr indent="-228600" algn="l">
+              <a:spcBef>
+                <a:spcPts val="0"/>
+              </a:spcBef>
+              <a:buFont typeface="Arial" panose="020B0604020202020204" pitchFamily="34" charset="0"/>
+              <a:buChar char="•"/>
+            </a:pPr>
+            <a:r>
+              <a:rPr lang="en-US" sz="2000" dirty="0"/>
+              <a:t>  Sérgio Gomes</a:t>
+            </a:r>
+          </a:p>
+          <a:p>
+            <a:pPr algn="l"/>
+            <a:r>
+              <a:rPr lang="en-US" sz="2000" b="1" dirty="0"/>
               <a:t>Orientador:</a:t>
             </a:r>
           </a:p>
           <a:p>
+            <a:pPr indent="-228600" algn="l">
+              <a:buFont typeface="Arial" panose="020B0604020202020204" pitchFamily="34" charset="0"/>
+              <a:buChar char="•"/>
+            </a:pPr>
             <a:r>
-              <a:rPr lang="pt-PT" dirty="0"/>
+              <a:rPr lang="en-US" sz="2000" dirty="0"/>
               <a:t>João Trindade</a:t>
             </a:r>
           </a:p>
           <a:p>
+            <a:pPr algn="l"/>
             <a:r>
-              <a:rPr lang="pt-PT" b="1" dirty="0"/>
+              <a:rPr lang="en-US" sz="2000" b="1" dirty="0"/>
               <a:t>Data:</a:t>
             </a:r>
           </a:p>
           <a:p>
+            <a:pPr indent="-228600" algn="l">
+              <a:buFont typeface="Arial" panose="020B0604020202020204" pitchFamily="34" charset="0"/>
+              <a:buChar char="•"/>
+            </a:pPr>
             <a:r>
-              <a:rPr lang="pt-PT" dirty="0"/>
+              <a:rPr lang="en-US" sz="2000" dirty="0"/>
               <a:t>26 de Março de 2024</a:t>
             </a:r>
-          </a:p>
-          <a:p>
-            <a:endParaRPr lang="pt-PT" dirty="0"/>
-          </a:p>
-          <a:p>
-            <a:endParaRPr lang="pt-PT" dirty="0"/>
           </a:p>
         </p:txBody>
       </p:sp>
@@ -3479,6 +9902,14 @@
 <file path=ppt/slides/slide2.xml><?xml version="1.0" encoding="utf-8"?>
 <p:sld xmlns:a="http://schemas.openxmlformats.org/drawingml/2006/main" xmlns:r="http://schemas.openxmlformats.org/officeDocument/2006/relationships" xmlns:p="http://schemas.openxmlformats.org/presentationml/2006/main">
   <p:cSld>
+    <p:bg>
+      <p:bgPr>
+        <a:solidFill>
+          <a:schemeClr val="bg1"/>
+        </a:solidFill>
+        <a:effectLst/>
+      </p:bgPr>
+    </p:bg>
     <p:spTree>
       <p:nvGrpSpPr>
         <p:cNvPr id="1" name=""/>
@@ -3515,84 +9946,44 @@
           <a:lstStyle/>
           <a:p>
             <a:r>
-              <a:rPr lang="pt-PT" dirty="0"/>
+              <a:rPr lang="pt-PT"/>
               <a:t>Introdução</a:t>
             </a:r>
+            <a:endParaRPr lang="pt-PT" dirty="0"/>
           </a:p>
         </p:txBody>
       </p:sp>
-      <p:sp>
-        <p:nvSpPr>
-          <p:cNvPr id="3" name="Marcador de Posição de Conteúdo 2">
+      <p:graphicFrame>
+        <p:nvGraphicFramePr>
+          <p:cNvPr id="5" name="Marcador de Posição de Conteúdo 2">
             <a:extLst>
               <a:ext uri="{FF2B5EF4-FFF2-40B4-BE49-F238E27FC236}">
-                <a16:creationId xmlns:a16="http://schemas.microsoft.com/office/drawing/2014/main" id="{FABA516D-DACF-287F-F0E0-7B22D6CC15BD}"/>
+                <a16:creationId xmlns:a16="http://schemas.microsoft.com/office/drawing/2014/main" id="{21ECDD55-B7CA-5A7C-4CBB-C8D56AD1DDEA}"/>
               </a:ext>
             </a:extLst>
           </p:cNvPr>
-          <p:cNvSpPr>
-            <a:spLocks noGrp="1"/>
-          </p:cNvSpPr>
+          <p:cNvGraphicFramePr>
+            <a:graphicFrameLocks noGrp="1"/>
+          </p:cNvGraphicFramePr>
           <p:nvPr>
             <p:ph idx="1"/>
+            <p:extLst>
+              <p:ext uri="{D42A27DB-BD31-4B8C-83A1-F6EECF244321}">
+                <p14:modId xmlns:p14="http://schemas.microsoft.com/office/powerpoint/2010/main" val="4192644775"/>
+              </p:ext>
+            </p:extLst>
           </p:nvPr>
-        </p:nvSpPr>
-        <p:spPr/>
-        <p:txBody>
-          <a:bodyPr/>
-          <a:lstStyle/>
-          <a:p>
-            <a:pPr algn="l">
-              <a:buFont typeface="Arial" panose="020B0604020202020204" pitchFamily="34" charset="0"/>
-              <a:buChar char="•"/>
-            </a:pPr>
-            <a:r>
-              <a:rPr lang="pt-PT" sz="2000" dirty="0"/>
-              <a:t>Considera-se muito relevante para a experiência académica dos alunos do ISEL a divulgação eficaz dos horários e localização das salas de aula e locais de convivência.</a:t>
-            </a:r>
-          </a:p>
-          <a:p>
-            <a:pPr algn="l">
-              <a:buFont typeface="Arial" panose="020B0604020202020204" pitchFamily="34" charset="0"/>
-              <a:buChar char="•"/>
-            </a:pPr>
-            <a:r>
-              <a:rPr lang="pt-PT" sz="2000" b="1" dirty="0"/>
-              <a:t>Problema atual: </a:t>
-            </a:r>
-          </a:p>
-          <a:p>
-            <a:pPr lvl="1"/>
-            <a:r>
-              <a:rPr lang="pt-PT" sz="2000" dirty="0"/>
-              <a:t>Horários de difícil legibilidade e falta de informação sobre locais de interesse.</a:t>
-            </a:r>
-          </a:p>
-          <a:p>
-            <a:pPr algn="l">
-              <a:buFont typeface="Arial" panose="020B0604020202020204" pitchFamily="34" charset="0"/>
-              <a:buChar char="•"/>
-            </a:pPr>
-            <a:r>
-              <a:rPr lang="pt-PT" sz="2000" b="1" dirty="0"/>
-              <a:t>Objetivo do projeto: </a:t>
-            </a:r>
-          </a:p>
-          <a:p>
-            <a:pPr lvl="1"/>
-            <a:r>
-              <a:rPr lang="pt-PT" sz="2000" dirty="0"/>
-              <a:t>Desenvolver uma aplicação que permita aos alunos visualizar os horários de forma dinâmica e obter informações sobre a localização de pontos de interesse no campus.</a:t>
-            </a:r>
-          </a:p>
-          <a:p>
-            <a:pPr marL="0" indent="0">
-              <a:buNone/>
-            </a:pPr>
-            <a:endParaRPr lang="pt-PT" dirty="0"/>
-          </a:p>
-        </p:txBody>
-      </p:sp>
+        </p:nvGraphicFramePr>
+        <p:xfrm>
+          <a:off x="838200" y="1825625"/>
+          <a:ext cx="10515600" cy="4351338"/>
+        </p:xfrm>
+        <a:graphic>
+          <a:graphicData uri="http://schemas.openxmlformats.org/drawingml/2006/diagram">
+            <dgm:relIds xmlns:dgm="http://schemas.openxmlformats.org/drawingml/2006/diagram" xmlns:r="http://schemas.openxmlformats.org/officeDocument/2006/relationships" r:dm="rId3" r:lo="rId4" r:qs="rId5" r:cs="rId6"/>
+          </a:graphicData>
+        </a:graphic>
+      </p:graphicFrame>
     </p:spTree>
     <p:extLst>
       <p:ext uri="{BB962C8B-B14F-4D97-AF65-F5344CB8AC3E}">
@@ -3601,7 +9992,7 @@
     </p:extLst>
   </p:cSld>
   <p:clrMapOvr>
-    <a:masterClrMapping/>
+    <a:overrideClrMapping bg1="lt1" tx1="dk1" bg2="lt2" tx2="dk2" accent1="accent1" accent2="accent2" accent3="accent3" accent4="accent4" accent5="accent5" accent6="accent6" hlink="hlink" folHlink="folHlink"/>
   </p:clrMapOvr>
 </p:sld>
 </file>
@@ -3609,6 +10000,14 @@
 <file path=ppt/slides/slide3.xml><?xml version="1.0" encoding="utf-8"?>
 <p:sld xmlns:a="http://schemas.openxmlformats.org/drawingml/2006/main" xmlns:r="http://schemas.openxmlformats.org/officeDocument/2006/relationships" xmlns:p="http://schemas.openxmlformats.org/presentationml/2006/main">
   <p:cSld>
+    <p:bg>
+      <p:bgPr>
+        <a:solidFill>
+          <a:schemeClr val="bg1"/>
+        </a:solidFill>
+        <a:effectLst/>
+      </p:bgPr>
+    </p:bg>
     <p:spTree>
       <p:nvGrpSpPr>
         <p:cNvPr id="1" name=""/>
@@ -3623,6 +10022,147 @@
           <a:chExt cx="0" cy="0"/>
         </a:xfrm>
       </p:grpSpPr>
+      <p:sp useBgFill="1">
+        <p:nvSpPr>
+          <p:cNvPr id="9" name="Rectangle 8">
+            <a:extLst>
+              <a:ext uri="{FF2B5EF4-FFF2-40B4-BE49-F238E27FC236}">
+                <a16:creationId xmlns:a16="http://schemas.microsoft.com/office/drawing/2014/main" id="{23E547B5-89CF-4EC0-96DE-25771AED0799}"/>
+              </a:ext>
+              <a:ext uri="{C183D7F6-B498-43B3-948B-1728B52AA6E4}">
+                <adec:decorative xmlns:adec="http://schemas.microsoft.com/office/drawing/2017/decorative" val="1"/>
+              </a:ext>
+            </a:extLst>
+          </p:cNvPr>
+          <p:cNvSpPr>
+            <a:spLocks noGrp="1" noRot="1" noChangeAspect="1" noMove="1" noResize="1" noEditPoints="1" noAdjustHandles="1" noChangeArrowheads="1" noChangeShapeType="1" noTextEdit="1"/>
+          </p:cNvSpPr>
+          <p:nvPr>
+            <p:extLst>
+              <p:ext uri="{386F3935-93C4-4BCD-93E2-E3B085C9AB24}">
+                <p16:designElem xmlns:p16="http://schemas.microsoft.com/office/powerpoint/2015/main" val="1"/>
+              </p:ext>
+            </p:extLst>
+          </p:nvPr>
+        </p:nvSpPr>
+        <p:spPr>
+          <a:xfrm>
+            <a:off x="0" y="0"/>
+            <a:ext cx="12192000" cy="6858000"/>
+          </a:xfrm>
+          <a:prstGeom prst="rect">
+            <a:avLst/>
+          </a:prstGeom>
+          <a:ln w="12700" cap="flat" cmpd="sng" algn="ctr">
+            <a:noFill/>
+            <a:prstDash val="solid"/>
+            <a:miter lim="800000"/>
+          </a:ln>
+          <a:effectLst/>
+          <a:extLst>
+            <a:ext uri="{91240B29-F687-4F45-9708-019B960494DF}">
+              <a14:hiddenLine xmlns:a14="http://schemas.microsoft.com/office/drawing/2010/main" w="12700" cap="flat" cmpd="sng" algn="ctr">
+                <a:solidFill>
+                  <a:schemeClr val="accent1">
+                    <a:shade val="50000"/>
+                  </a:schemeClr>
+                </a:solidFill>
+                <a:prstDash val="solid"/>
+                <a:miter lim="800000"/>
+              </a14:hiddenLine>
+            </a:ext>
+          </a:extLst>
+        </p:spPr>
+        <p:style>
+          <a:lnRef idx="2">
+            <a:schemeClr val="accent1">
+              <a:shade val="50000"/>
+            </a:schemeClr>
+          </a:lnRef>
+          <a:fillRef idx="1">
+            <a:schemeClr val="accent1"/>
+          </a:fillRef>
+          <a:effectRef idx="0">
+            <a:schemeClr val="accent1"/>
+          </a:effectRef>
+          <a:fontRef idx="minor">
+            <a:schemeClr val="lt1"/>
+          </a:fontRef>
+        </p:style>
+        <p:txBody>
+          <a:bodyPr rtlCol="0" anchor="ctr"/>
+          <a:lstStyle/>
+          <a:p>
+            <a:pPr algn="ctr"/>
+            <a:endParaRPr lang="en-US"/>
+          </a:p>
+        </p:txBody>
+      </p:sp>
+      <p:sp>
+        <p:nvSpPr>
+          <p:cNvPr id="11" name="Rectangle 10">
+            <a:extLst>
+              <a:ext uri="{FF2B5EF4-FFF2-40B4-BE49-F238E27FC236}">
+                <a16:creationId xmlns:a16="http://schemas.microsoft.com/office/drawing/2014/main" id="{3F0B8CEB-8279-4E5E-A0CE-1FC9F71736F2}"/>
+              </a:ext>
+              <a:ext uri="{C183D7F6-B498-43B3-948B-1728B52AA6E4}">
+                <adec:decorative xmlns:adec="http://schemas.microsoft.com/office/drawing/2017/decorative" val="1"/>
+              </a:ext>
+            </a:extLst>
+          </p:cNvPr>
+          <p:cNvSpPr>
+            <a:spLocks noGrp="1" noRot="1" noChangeAspect="1" noMove="1" noResize="1" noEditPoints="1" noAdjustHandles="1" noChangeArrowheads="1" noChangeShapeType="1" noTextEdit="1"/>
+          </p:cNvSpPr>
+          <p:nvPr>
+            <p:extLst>
+              <p:ext uri="{386F3935-93C4-4BCD-93E2-E3B085C9AB24}">
+                <p16:designElem xmlns:p16="http://schemas.microsoft.com/office/powerpoint/2015/main" val="1"/>
+              </p:ext>
+            </p:extLst>
+          </p:nvPr>
+        </p:nvSpPr>
+        <p:spPr>
+          <a:xfrm>
+            <a:off x="4770782" y="0"/>
+            <a:ext cx="7421217" cy="6857999"/>
+          </a:xfrm>
+          <a:prstGeom prst="rect">
+            <a:avLst/>
+          </a:prstGeom>
+          <a:solidFill>
+            <a:srgbClr val="82766A">
+              <a:alpha val="15000"/>
+            </a:srgbClr>
+          </a:solidFill>
+          <a:ln>
+            <a:noFill/>
+          </a:ln>
+        </p:spPr>
+        <p:style>
+          <a:lnRef idx="2">
+            <a:schemeClr val="accent1">
+              <a:shade val="50000"/>
+            </a:schemeClr>
+          </a:lnRef>
+          <a:fillRef idx="1">
+            <a:schemeClr val="accent1"/>
+          </a:fillRef>
+          <a:effectRef idx="0">
+            <a:schemeClr val="accent1"/>
+          </a:effectRef>
+          <a:fontRef idx="minor">
+            <a:schemeClr val="lt1"/>
+          </a:fontRef>
+        </p:style>
+        <p:txBody>
+          <a:bodyPr rtlCol="0" anchor="ctr"/>
+          <a:lstStyle/>
+          <a:p>
+            <a:pPr algn="ctr"/>
+            <a:endParaRPr lang="en-US"/>
+          </a:p>
+        </p:txBody>
+      </p:sp>
       <p:sp>
         <p:nvSpPr>
           <p:cNvPr id="2" name="Título 1">
@@ -3639,18 +10179,429 @@
             <p:ph type="title"/>
           </p:nvPr>
         </p:nvSpPr>
-        <p:spPr/>
+        <p:spPr>
+          <a:xfrm>
+            <a:off x="7320466" y="609600"/>
+            <a:ext cx="4140014" cy="1330839"/>
+          </a:xfrm>
+        </p:spPr>
         <p:txBody>
-          <a:bodyPr/>
+          <a:bodyPr>
+            <a:normAutofit/>
+          </a:bodyPr>
           <a:lstStyle/>
           <a:p>
             <a:r>
-              <a:rPr lang="pt-PT" dirty="0"/>
+              <a:rPr lang="pt-PT"/>
               <a:t>Análise</a:t>
             </a:r>
+            <a:endParaRPr lang="pt-PT" dirty="0"/>
           </a:p>
         </p:txBody>
       </p:sp>
+      <p:pic>
+        <p:nvPicPr>
+          <p:cNvPr id="5" name="Picture 4" descr="Lâmpada num fundo amarelo com um cabo e raios de luz desenhados">
+            <a:extLst>
+              <a:ext uri="{FF2B5EF4-FFF2-40B4-BE49-F238E27FC236}">
+                <a16:creationId xmlns:a16="http://schemas.microsoft.com/office/drawing/2014/main" id="{83895FAF-8715-7C6B-6648-682FA3B1ECF2}"/>
+              </a:ext>
+            </a:extLst>
+          </p:cNvPr>
+          <p:cNvPicPr>
+            <a:picLocks noChangeAspect="1"/>
+          </p:cNvPicPr>
+          <p:nvPr/>
+        </p:nvPicPr>
+        <p:blipFill rotWithShape="1">
+          <a:blip r:embed="rId2"/>
+          <a:srcRect l="38108"/>
+          <a:stretch/>
+        </p:blipFill>
+        <p:spPr>
+          <a:xfrm>
+            <a:off x="20" y="10"/>
+            <a:ext cx="6901711" cy="6857990"/>
+          </a:xfrm>
+          <a:custGeom>
+            <a:avLst/>
+            <a:gdLst/>
+            <a:ahLst/>
+            <a:cxnLst/>
+            <a:rect l="l" t="t" r="r" b="b"/>
+            <a:pathLst>
+              <a:path w="6901731" h="6858000">
+                <a:moveTo>
+                  <a:pt x="0" y="0"/>
+                </a:moveTo>
+                <a:lnTo>
+                  <a:pt x="6897896" y="5958"/>
+                </a:lnTo>
+                <a:lnTo>
+                  <a:pt x="6866823" y="62592"/>
+                </a:lnTo>
+                <a:lnTo>
+                  <a:pt x="6901731" y="89476"/>
+                </a:lnTo>
+                <a:lnTo>
+                  <a:pt x="6901731" y="103833"/>
+                </a:lnTo>
+                <a:lnTo>
+                  <a:pt x="6900034" y="110092"/>
+                </a:lnTo>
+                <a:lnTo>
+                  <a:pt x="6901731" y="113679"/>
+                </a:lnTo>
+                <a:lnTo>
+                  <a:pt x="6901731" y="405560"/>
+                </a:lnTo>
+                <a:lnTo>
+                  <a:pt x="6900456" y="429509"/>
+                </a:lnTo>
+                <a:cubicBezTo>
+                  <a:pt x="6892773" y="535647"/>
+                  <a:pt x="6878314" y="537918"/>
+                  <a:pt x="6886342" y="636808"/>
+                </a:cubicBezTo>
+                <a:cubicBezTo>
+                  <a:pt x="6892506" y="756883"/>
+                  <a:pt x="6864504" y="771443"/>
+                  <a:pt x="6851784" y="839073"/>
+                </a:cubicBezTo>
+                <a:cubicBezTo>
+                  <a:pt x="6838675" y="892655"/>
+                  <a:pt x="6864124" y="961738"/>
+                  <a:pt x="6845760" y="994930"/>
+                </a:cubicBezTo>
+                <a:cubicBezTo>
+                  <a:pt x="6833572" y="1024166"/>
+                  <a:pt x="6859282" y="1058905"/>
+                  <a:pt x="6845601" y="1112932"/>
+                </a:cubicBezTo>
+                <a:cubicBezTo>
+                  <a:pt x="6838700" y="1149910"/>
+                  <a:pt x="6829138" y="1151035"/>
+                  <a:pt x="6820235" y="1187433"/>
+                </a:cubicBezTo>
+                <a:cubicBezTo>
+                  <a:pt x="6815504" y="1196464"/>
+                  <a:pt x="6777707" y="1338549"/>
+                  <a:pt x="6759643" y="1337010"/>
+                </a:cubicBezTo>
+                <a:cubicBezTo>
+                  <a:pt x="6737660" y="1337296"/>
+                  <a:pt x="6760650" y="1396341"/>
+                  <a:pt x="6736375" y="1382272"/>
+                </a:cubicBezTo>
+                <a:cubicBezTo>
+                  <a:pt x="6755741" y="1415836"/>
+                  <a:pt x="6714675" y="1414567"/>
+                  <a:pt x="6701292" y="1432111"/>
+                </a:cubicBezTo>
+                <a:cubicBezTo>
+                  <a:pt x="6721110" y="1460185"/>
+                  <a:pt x="6692106" y="1490815"/>
+                  <a:pt x="6686578" y="1518624"/>
+                </a:cubicBezTo>
+                <a:cubicBezTo>
+                  <a:pt x="6682512" y="1567002"/>
+                  <a:pt x="6679579" y="1571443"/>
+                  <a:pt x="6670824" y="1607743"/>
+                </a:cubicBezTo>
+                <a:cubicBezTo>
+                  <a:pt x="6671133" y="1629590"/>
+                  <a:pt x="6663161" y="1656870"/>
+                  <a:pt x="6664392" y="1696405"/>
+                </a:cubicBezTo>
+                <a:cubicBezTo>
+                  <a:pt x="6655686" y="1770486"/>
+                  <a:pt x="6641938" y="1757082"/>
+                  <a:pt x="6642880" y="1812372"/>
+                </a:cubicBezTo>
+                <a:cubicBezTo>
+                  <a:pt x="6638579" y="1872475"/>
+                  <a:pt x="6619231" y="1825476"/>
+                  <a:pt x="6612547" y="1876437"/>
+                </a:cubicBezTo>
+                <a:cubicBezTo>
+                  <a:pt x="6600695" y="1913834"/>
+                  <a:pt x="6591061" y="1923231"/>
+                  <a:pt x="6571760" y="1953331"/>
+                </a:cubicBezTo>
+                <a:cubicBezTo>
+                  <a:pt x="6561039" y="1989021"/>
+                  <a:pt x="6544090" y="2087896"/>
+                  <a:pt x="6520213" y="2096455"/>
+                </a:cubicBezTo>
+                <a:lnTo>
+                  <a:pt x="6492461" y="2188148"/>
+                </a:lnTo>
+                <a:cubicBezTo>
+                  <a:pt x="6504372" y="2211333"/>
+                  <a:pt x="6489131" y="2253220"/>
+                  <a:pt x="6471854" y="2259117"/>
+                </a:cubicBezTo>
+                <a:cubicBezTo>
+                  <a:pt x="6466151" y="2287829"/>
+                  <a:pt x="6440452" y="2301346"/>
+                  <a:pt x="6439832" y="2328334"/>
+                </a:cubicBezTo>
+                <a:cubicBezTo>
+                  <a:pt x="6431013" y="2351201"/>
+                  <a:pt x="6444250" y="2396409"/>
+                  <a:pt x="6425162" y="2408211"/>
+                </a:cubicBezTo>
+                <a:lnTo>
+                  <a:pt x="6417221" y="2427382"/>
+                </a:lnTo>
+                <a:lnTo>
+                  <a:pt x="6425030" y="2464387"/>
+                </a:lnTo>
+                <a:lnTo>
+                  <a:pt x="6406293" y="2472223"/>
+                </a:lnTo>
+                <a:cubicBezTo>
+                  <a:pt x="6406862" y="2477277"/>
+                  <a:pt x="6406486" y="2491723"/>
+                  <a:pt x="6405400" y="2493547"/>
+                </a:cubicBezTo>
+                <a:lnTo>
+                  <a:pt x="6374829" y="2532070"/>
+                </a:lnTo>
+                <a:cubicBezTo>
+                  <a:pt x="6374597" y="2545374"/>
+                  <a:pt x="6360976" y="2563797"/>
+                  <a:pt x="6350864" y="2577422"/>
+                </a:cubicBezTo>
+                <a:cubicBezTo>
+                  <a:pt x="6327056" y="2632768"/>
+                  <a:pt x="6341262" y="2616275"/>
+                  <a:pt x="6329174" y="2663854"/>
+                </a:cubicBezTo>
+                <a:cubicBezTo>
+                  <a:pt x="6326303" y="2703642"/>
+                  <a:pt x="6332854" y="2709643"/>
+                  <a:pt x="6315095" y="2741507"/>
+                </a:cubicBezTo>
+                <a:cubicBezTo>
+                  <a:pt x="6319921" y="2740191"/>
+                  <a:pt x="6321925" y="2742004"/>
+                  <a:pt x="6322463" y="2745641"/>
+                </a:cubicBezTo>
+                <a:cubicBezTo>
+                  <a:pt x="6322245" y="2747982"/>
+                  <a:pt x="6322027" y="2750323"/>
+                  <a:pt x="6321808" y="2752663"/>
+                </a:cubicBezTo>
+                <a:lnTo>
+                  <a:pt x="6314569" y="2756718"/>
+                </a:lnTo>
+                <a:cubicBezTo>
+                  <a:pt x="6289324" y="2773686"/>
+                  <a:pt x="6317551" y="2780051"/>
+                  <a:pt x="6315211" y="2811618"/>
+                </a:cubicBezTo>
+                <a:cubicBezTo>
+                  <a:pt x="6315620" y="2826627"/>
+                  <a:pt x="6296047" y="2885298"/>
+                  <a:pt x="6302211" y="2882314"/>
+                </a:cubicBezTo>
+                <a:lnTo>
+                  <a:pt x="6286167" y="2949597"/>
+                </a:lnTo>
+                <a:cubicBezTo>
+                  <a:pt x="6286401" y="2994618"/>
+                  <a:pt x="6286615" y="2971464"/>
+                  <a:pt x="6287037" y="3008578"/>
+                </a:cubicBezTo>
+                <a:cubicBezTo>
+                  <a:pt x="6293795" y="3029535"/>
+                  <a:pt x="6274405" y="3114154"/>
+                  <a:pt x="6259150" y="3123139"/>
+                </a:cubicBezTo>
+                <a:cubicBezTo>
+                  <a:pt x="6250085" y="3189063"/>
+                  <a:pt x="6269067" y="3151280"/>
+                  <a:pt x="6272249" y="3227854"/>
+                </a:cubicBezTo>
+                <a:cubicBezTo>
+                  <a:pt x="6278775" y="3295842"/>
+                  <a:pt x="6289216" y="3303765"/>
+                  <a:pt x="6292288" y="3378383"/>
+                </a:cubicBezTo>
+                <a:cubicBezTo>
+                  <a:pt x="6303894" y="3395995"/>
+                  <a:pt x="6287498" y="3432581"/>
+                  <a:pt x="6288328" y="3459618"/>
+                </a:cubicBezTo>
+                <a:cubicBezTo>
+                  <a:pt x="6289158" y="3486653"/>
+                  <a:pt x="6299937" y="3538735"/>
+                  <a:pt x="6297272" y="3540603"/>
+                </a:cubicBezTo>
+                <a:cubicBezTo>
+                  <a:pt x="6296849" y="3577379"/>
+                  <a:pt x="6294184" y="3587943"/>
+                  <a:pt x="6291001" y="3638374"/>
+                </a:cubicBezTo>
+                <a:cubicBezTo>
+                  <a:pt x="6283026" y="3666794"/>
+                  <a:pt x="6265833" y="3731744"/>
+                  <a:pt x="6283592" y="3763609"/>
+                </a:cubicBezTo>
+                <a:cubicBezTo>
+                  <a:pt x="6264286" y="3758340"/>
+                  <a:pt x="6290177" y="3803150"/>
+                  <a:pt x="6274068" y="3814506"/>
+                </a:cubicBezTo>
+                <a:cubicBezTo>
+                  <a:pt x="6260645" y="3821643"/>
+                  <a:pt x="6265372" y="3836902"/>
+                  <a:pt x="6262850" y="3850454"/>
+                </a:cubicBezTo>
+                <a:cubicBezTo>
+                  <a:pt x="6250418" y="3863479"/>
+                  <a:pt x="6250660" y="3955243"/>
+                  <a:pt x="6257357" y="3975474"/>
+                </a:cubicBezTo>
+                <a:cubicBezTo>
+                  <a:pt x="6245091" y="4036737"/>
+                  <a:pt x="6237535" y="4029237"/>
+                  <a:pt x="6257889" y="4073155"/>
+                </a:cubicBezTo>
+                <a:cubicBezTo>
+                  <a:pt x="6259272" y="4085906"/>
+                  <a:pt x="6239882" y="4116397"/>
+                  <a:pt x="6237441" y="4126638"/>
+                </a:cubicBezTo>
+                <a:lnTo>
+                  <a:pt x="6245587" y="4172738"/>
+                </a:lnTo>
+                <a:lnTo>
+                  <a:pt x="6235772" y="4176721"/>
+                </a:lnTo>
+                <a:lnTo>
+                  <a:pt x="6233287" y="4195136"/>
+                </a:lnTo>
+                <a:lnTo>
+                  <a:pt x="6234619" y="4280850"/>
+                </a:lnTo>
+                <a:cubicBezTo>
+                  <a:pt x="6239453" y="4320763"/>
+                  <a:pt x="6223309" y="4337596"/>
+                  <a:pt x="6219318" y="4402526"/>
+                </a:cubicBezTo>
+                <a:cubicBezTo>
+                  <a:pt x="6205466" y="4516209"/>
+                  <a:pt x="6216183" y="4588729"/>
+                  <a:pt x="6216810" y="4651172"/>
+                </a:cubicBezTo>
+                <a:cubicBezTo>
+                  <a:pt x="6217673" y="4756959"/>
+                  <a:pt x="6228654" y="4824005"/>
+                  <a:pt x="6225945" y="4916779"/>
+                </a:cubicBezTo>
+                <a:cubicBezTo>
+                  <a:pt x="6217032" y="4993010"/>
+                  <a:pt x="6264271" y="4984591"/>
+                  <a:pt x="6230174" y="5051379"/>
+                </a:cubicBezTo>
+                <a:cubicBezTo>
+                  <a:pt x="6235713" y="5056951"/>
+                  <a:pt x="6239420" y="5163714"/>
+                  <a:pt x="6242600" y="5170879"/>
+                </a:cubicBezTo>
+                <a:lnTo>
+                  <a:pt x="6235996" y="5216428"/>
+                </a:lnTo>
+                <a:lnTo>
+                  <a:pt x="6214638" y="5285298"/>
+                </a:lnTo>
+                <a:cubicBezTo>
+                  <a:pt x="6211392" y="5297492"/>
+                  <a:pt x="6225576" y="5312063"/>
+                  <a:pt x="6228432" y="5317696"/>
+                </a:cubicBezTo>
+                <a:lnTo>
+                  <a:pt x="6246496" y="5398787"/>
+                </a:lnTo>
+                <a:lnTo>
+                  <a:pt x="6244793" y="5399530"/>
+                </a:lnTo>
+                <a:lnTo>
+                  <a:pt x="6241695" y="5406948"/>
+                </a:lnTo>
+                <a:lnTo>
+                  <a:pt x="6267461" y="5499413"/>
+                </a:lnTo>
+                <a:cubicBezTo>
+                  <a:pt x="6285387" y="5533848"/>
+                  <a:pt x="6284888" y="5550029"/>
+                  <a:pt x="6295987" y="5582659"/>
+                </a:cubicBezTo>
+                <a:cubicBezTo>
+                  <a:pt x="6311253" y="5681724"/>
+                  <a:pt x="6295439" y="5695558"/>
+                  <a:pt x="6364803" y="5784263"/>
+                </a:cubicBezTo>
+                <a:cubicBezTo>
+                  <a:pt x="6379348" y="5818651"/>
+                  <a:pt x="6412475" y="5906802"/>
+                  <a:pt x="6423050" y="5922637"/>
+                </a:cubicBezTo>
+                <a:cubicBezTo>
+                  <a:pt x="6445210" y="5973612"/>
+                  <a:pt x="6468179" y="6023873"/>
+                  <a:pt x="6497767" y="6090108"/>
+                </a:cubicBezTo>
+                <a:cubicBezTo>
+                  <a:pt x="6571895" y="6150548"/>
+                  <a:pt x="6572491" y="6236583"/>
+                  <a:pt x="6606710" y="6281543"/>
+                </a:cubicBezTo>
+                <a:cubicBezTo>
+                  <a:pt x="6633675" y="6335892"/>
+                  <a:pt x="6654357" y="6388782"/>
+                  <a:pt x="6667540" y="6443715"/>
+                </a:cubicBezTo>
+                <a:cubicBezTo>
+                  <a:pt x="6685192" y="6466826"/>
+                  <a:pt x="6650500" y="6508701"/>
+                  <a:pt x="6659722" y="6550105"/>
+                </a:cubicBezTo>
+                <a:cubicBezTo>
+                  <a:pt x="6665926" y="6645044"/>
+                  <a:pt x="6669126" y="6627536"/>
+                  <a:pt x="6671805" y="6687397"/>
+                </a:cubicBezTo>
+                <a:cubicBezTo>
+                  <a:pt x="6682671" y="6733683"/>
+                  <a:pt x="6665210" y="6772117"/>
+                  <a:pt x="6669658" y="6806602"/>
+                </a:cubicBezTo>
+                <a:cubicBezTo>
+                  <a:pt x="6661174" y="6812658"/>
+                  <a:pt x="6667097" y="6831470"/>
+                  <a:pt x="6675783" y="6850325"/>
+                </a:cubicBezTo>
+                <a:lnTo>
+                  <a:pt x="6679704" y="6858000"/>
+                </a:lnTo>
+                <a:lnTo>
+                  <a:pt x="4532241" y="6858000"/>
+                </a:lnTo>
+                <a:lnTo>
+                  <a:pt x="1208596" y="6858000"/>
+                </a:lnTo>
+                <a:lnTo>
+                  <a:pt x="0" y="6858000"/>
+                </a:lnTo>
+                <a:close/>
+              </a:path>
+            </a:pathLst>
+          </a:custGeom>
+        </p:spPr>
+      </p:pic>
       <p:sp>
         <p:nvSpPr>
           <p:cNvPr id="3" name="Marcador de Posição de Conteúdo 2">
@@ -3667,55 +10618,62 @@
             <p:ph idx="1"/>
           </p:nvPr>
         </p:nvSpPr>
-        <p:spPr/>
+        <p:spPr>
+          <a:xfrm>
+            <a:off x="7320465" y="2194102"/>
+            <a:ext cx="4140013" cy="3908586"/>
+          </a:xfrm>
+        </p:spPr>
         <p:txBody>
-          <a:bodyPr/>
+          <a:bodyPr>
+            <a:normAutofit/>
+          </a:bodyPr>
           <a:lstStyle/>
           <a:p>
             <a:r>
-              <a:rPr lang="pt-PT" sz="2000" dirty="0"/>
+              <a:rPr lang="pt-PT" sz="1700"/>
               <a:t>Problemas a Resolver:</a:t>
             </a:r>
           </a:p>
           <a:p>
             <a:pPr lvl="1"/>
             <a:r>
-              <a:rPr lang="pt-PT" sz="2000" dirty="0"/>
+              <a:rPr lang="pt-PT" sz="1700"/>
               <a:t>Extração automatizada de dados dos PDF de horários.</a:t>
             </a:r>
           </a:p>
           <a:p>
             <a:pPr lvl="1"/>
             <a:r>
-              <a:rPr lang="pt-PT" sz="2000" dirty="0"/>
+              <a:rPr lang="pt-PT" sz="1700"/>
               <a:t>Estrutura genérica para suportar horários de outras instituições.</a:t>
             </a:r>
           </a:p>
           <a:p>
             <a:pPr lvl="1"/>
             <a:r>
-              <a:rPr lang="pt-PT" sz="2000" dirty="0"/>
+              <a:rPr lang="pt-PT" sz="1700"/>
               <a:t>Processamento e armazenamento eficiente dos dados.</a:t>
             </a:r>
           </a:p>
           <a:p>
             <a:pPr lvl="1"/>
             <a:r>
-              <a:rPr lang="pt-PT" sz="2000" dirty="0"/>
+              <a:rPr lang="pt-PT" sz="1700"/>
               <a:t>Desenvolvimento de uma Web API robusta.</a:t>
             </a:r>
           </a:p>
           <a:p>
             <a:pPr lvl="1"/>
             <a:r>
-              <a:rPr lang="pt-PT" sz="2000" dirty="0"/>
+              <a:rPr lang="pt-PT" sz="1700"/>
               <a:t>Implementação de interfaces intuitivas e responsivas.</a:t>
             </a:r>
           </a:p>
           <a:p>
             <a:pPr lvl="1"/>
             <a:r>
-              <a:rPr lang="pt-PT" sz="2000" dirty="0"/>
+              <a:rPr lang="pt-PT" sz="1700"/>
               <a:t>Integração de funcionalidades de visualização dinâmica de horários e localização de recursos.</a:t>
             </a:r>
           </a:p>
@@ -3723,7 +10681,7 @@
             <a:pPr marL="0" indent="0">
               <a:buNone/>
             </a:pPr>
-            <a:endParaRPr lang="pt-PT" dirty="0"/>
+            <a:endParaRPr lang="pt-PT" sz="1700"/>
           </a:p>
         </p:txBody>
       </p:sp>
@@ -3743,6 +10701,14 @@
 <file path=ppt/slides/slide4.xml><?xml version="1.0" encoding="utf-8"?>
 <p:sld xmlns:a="http://schemas.openxmlformats.org/drawingml/2006/main" xmlns:r="http://schemas.openxmlformats.org/officeDocument/2006/relationships" xmlns:p="http://schemas.openxmlformats.org/presentationml/2006/main">
   <p:cSld>
+    <p:bg>
+      <p:bgPr>
+        <a:solidFill>
+          <a:schemeClr val="bg1"/>
+        </a:solidFill>
+        <a:effectLst/>
+      </p:bgPr>
+    </p:bg>
     <p:spTree>
       <p:nvGrpSpPr>
         <p:cNvPr id="1" name=""/>
@@ -3757,6 +10723,147 @@
           <a:chExt cx="0" cy="0"/>
         </a:xfrm>
       </p:grpSpPr>
+      <p:sp useBgFill="1">
+        <p:nvSpPr>
+          <p:cNvPr id="9" name="Rectangle 8">
+            <a:extLst>
+              <a:ext uri="{FF2B5EF4-FFF2-40B4-BE49-F238E27FC236}">
+                <a16:creationId xmlns:a16="http://schemas.microsoft.com/office/drawing/2014/main" id="{23E547B5-89CF-4EC0-96DE-25771AED0799}"/>
+              </a:ext>
+              <a:ext uri="{C183D7F6-B498-43B3-948B-1728B52AA6E4}">
+                <adec:decorative xmlns:adec="http://schemas.microsoft.com/office/drawing/2017/decorative" val="1"/>
+              </a:ext>
+            </a:extLst>
+          </p:cNvPr>
+          <p:cNvSpPr>
+            <a:spLocks noGrp="1" noRot="1" noChangeAspect="1" noMove="1" noResize="1" noEditPoints="1" noAdjustHandles="1" noChangeArrowheads="1" noChangeShapeType="1" noTextEdit="1"/>
+          </p:cNvSpPr>
+          <p:nvPr>
+            <p:extLst>
+              <p:ext uri="{386F3935-93C4-4BCD-93E2-E3B085C9AB24}">
+                <p16:designElem xmlns:p16="http://schemas.microsoft.com/office/powerpoint/2015/main" val="1"/>
+              </p:ext>
+            </p:extLst>
+          </p:nvPr>
+        </p:nvSpPr>
+        <p:spPr>
+          <a:xfrm>
+            <a:off x="0" y="0"/>
+            <a:ext cx="12192000" cy="6858000"/>
+          </a:xfrm>
+          <a:prstGeom prst="rect">
+            <a:avLst/>
+          </a:prstGeom>
+          <a:ln w="12700" cap="flat" cmpd="sng" algn="ctr">
+            <a:noFill/>
+            <a:prstDash val="solid"/>
+            <a:miter lim="800000"/>
+          </a:ln>
+          <a:effectLst/>
+          <a:extLst>
+            <a:ext uri="{91240B29-F687-4F45-9708-019B960494DF}">
+              <a14:hiddenLine xmlns:a14="http://schemas.microsoft.com/office/drawing/2010/main" w="12700" cap="flat" cmpd="sng" algn="ctr">
+                <a:solidFill>
+                  <a:schemeClr val="accent1">
+                    <a:shade val="50000"/>
+                  </a:schemeClr>
+                </a:solidFill>
+                <a:prstDash val="solid"/>
+                <a:miter lim="800000"/>
+              </a14:hiddenLine>
+            </a:ext>
+          </a:extLst>
+        </p:spPr>
+        <p:style>
+          <a:lnRef idx="2">
+            <a:schemeClr val="accent1">
+              <a:shade val="50000"/>
+            </a:schemeClr>
+          </a:lnRef>
+          <a:fillRef idx="1">
+            <a:schemeClr val="accent1"/>
+          </a:fillRef>
+          <a:effectRef idx="0">
+            <a:schemeClr val="accent1"/>
+          </a:effectRef>
+          <a:fontRef idx="minor">
+            <a:schemeClr val="lt1"/>
+          </a:fontRef>
+        </p:style>
+        <p:txBody>
+          <a:bodyPr rtlCol="0" anchor="ctr"/>
+          <a:lstStyle/>
+          <a:p>
+            <a:pPr algn="ctr"/>
+            <a:endParaRPr lang="en-US"/>
+          </a:p>
+        </p:txBody>
+      </p:sp>
+      <p:sp>
+        <p:nvSpPr>
+          <p:cNvPr id="18" name="Rectangle 10">
+            <a:extLst>
+              <a:ext uri="{FF2B5EF4-FFF2-40B4-BE49-F238E27FC236}">
+                <a16:creationId xmlns:a16="http://schemas.microsoft.com/office/drawing/2014/main" id="{3F0B8CEB-8279-4E5E-A0CE-1FC9F71736F2}"/>
+              </a:ext>
+              <a:ext uri="{C183D7F6-B498-43B3-948B-1728B52AA6E4}">
+                <adec:decorative xmlns:adec="http://schemas.microsoft.com/office/drawing/2017/decorative" val="1"/>
+              </a:ext>
+            </a:extLst>
+          </p:cNvPr>
+          <p:cNvSpPr>
+            <a:spLocks noGrp="1" noRot="1" noChangeAspect="1" noMove="1" noResize="1" noEditPoints="1" noAdjustHandles="1" noChangeArrowheads="1" noChangeShapeType="1" noTextEdit="1"/>
+          </p:cNvSpPr>
+          <p:nvPr>
+            <p:extLst>
+              <p:ext uri="{386F3935-93C4-4BCD-93E2-E3B085C9AB24}">
+                <p16:designElem xmlns:p16="http://schemas.microsoft.com/office/powerpoint/2015/main" val="1"/>
+              </p:ext>
+            </p:extLst>
+          </p:nvPr>
+        </p:nvSpPr>
+        <p:spPr>
+          <a:xfrm>
+            <a:off x="4770782" y="0"/>
+            <a:ext cx="7421217" cy="6857999"/>
+          </a:xfrm>
+          <a:prstGeom prst="rect">
+            <a:avLst/>
+          </a:prstGeom>
+          <a:solidFill>
+            <a:srgbClr val="82766A">
+              <a:alpha val="15000"/>
+            </a:srgbClr>
+          </a:solidFill>
+          <a:ln>
+            <a:noFill/>
+          </a:ln>
+        </p:spPr>
+        <p:style>
+          <a:lnRef idx="2">
+            <a:schemeClr val="accent1">
+              <a:shade val="50000"/>
+            </a:schemeClr>
+          </a:lnRef>
+          <a:fillRef idx="1">
+            <a:schemeClr val="accent1"/>
+          </a:fillRef>
+          <a:effectRef idx="0">
+            <a:schemeClr val="accent1"/>
+          </a:effectRef>
+          <a:fontRef idx="minor">
+            <a:schemeClr val="lt1"/>
+          </a:fontRef>
+        </p:style>
+        <p:txBody>
+          <a:bodyPr rtlCol="0" anchor="ctr"/>
+          <a:lstStyle/>
+          <a:p>
+            <a:pPr algn="ctr"/>
+            <a:endParaRPr lang="en-US"/>
+          </a:p>
+        </p:txBody>
+      </p:sp>
       <p:sp>
         <p:nvSpPr>
           <p:cNvPr id="2" name="Título 1">
@@ -3773,18 +10880,429 @@
             <p:ph type="title"/>
           </p:nvPr>
         </p:nvSpPr>
-        <p:spPr/>
+        <p:spPr>
+          <a:xfrm>
+            <a:off x="7320466" y="609600"/>
+            <a:ext cx="4140014" cy="1330839"/>
+          </a:xfrm>
+        </p:spPr>
         <p:txBody>
-          <a:bodyPr/>
+          <a:bodyPr>
+            <a:normAutofit/>
+          </a:bodyPr>
           <a:lstStyle/>
           <a:p>
+            <a:pPr algn="ctr"/>
             <a:r>
-              <a:rPr lang="pt-PT" dirty="0"/>
+              <a:rPr lang="pt-PT" sz="3400" dirty="0"/>
               <a:t>Técnicas e ferramentas utilizadas</a:t>
             </a:r>
           </a:p>
         </p:txBody>
       </p:sp>
+      <p:pic>
+        <p:nvPicPr>
+          <p:cNvPr id="5" name="Picture 4" descr="Script de computador num ecrã">
+            <a:extLst>
+              <a:ext uri="{FF2B5EF4-FFF2-40B4-BE49-F238E27FC236}">
+                <a16:creationId xmlns:a16="http://schemas.microsoft.com/office/drawing/2014/main" id="{50CE0B1C-C530-2CC5-4925-25D366915E44}"/>
+              </a:ext>
+            </a:extLst>
+          </p:cNvPr>
+          <p:cNvPicPr>
+            <a:picLocks noChangeAspect="1"/>
+          </p:cNvPicPr>
+          <p:nvPr/>
+        </p:nvPicPr>
+        <p:blipFill rotWithShape="1">
+          <a:blip r:embed="rId2"/>
+          <a:srcRect r="32824" b="-1"/>
+          <a:stretch/>
+        </p:blipFill>
+        <p:spPr>
+          <a:xfrm>
+            <a:off x="20" y="10"/>
+            <a:ext cx="6901711" cy="6857990"/>
+          </a:xfrm>
+          <a:custGeom>
+            <a:avLst/>
+            <a:gdLst/>
+            <a:ahLst/>
+            <a:cxnLst/>
+            <a:rect l="l" t="t" r="r" b="b"/>
+            <a:pathLst>
+              <a:path w="6901731" h="6858000">
+                <a:moveTo>
+                  <a:pt x="0" y="0"/>
+                </a:moveTo>
+                <a:lnTo>
+                  <a:pt x="6897896" y="5958"/>
+                </a:lnTo>
+                <a:lnTo>
+                  <a:pt x="6866823" y="62592"/>
+                </a:lnTo>
+                <a:lnTo>
+                  <a:pt x="6901731" y="89476"/>
+                </a:lnTo>
+                <a:lnTo>
+                  <a:pt x="6901731" y="103833"/>
+                </a:lnTo>
+                <a:lnTo>
+                  <a:pt x="6900034" y="110092"/>
+                </a:lnTo>
+                <a:lnTo>
+                  <a:pt x="6901731" y="113679"/>
+                </a:lnTo>
+                <a:lnTo>
+                  <a:pt x="6901731" y="405560"/>
+                </a:lnTo>
+                <a:lnTo>
+                  <a:pt x="6900456" y="429509"/>
+                </a:lnTo>
+                <a:cubicBezTo>
+                  <a:pt x="6892773" y="535647"/>
+                  <a:pt x="6878314" y="537918"/>
+                  <a:pt x="6886342" y="636808"/>
+                </a:cubicBezTo>
+                <a:cubicBezTo>
+                  <a:pt x="6892506" y="756883"/>
+                  <a:pt x="6864504" y="771443"/>
+                  <a:pt x="6851784" y="839073"/>
+                </a:cubicBezTo>
+                <a:cubicBezTo>
+                  <a:pt x="6838675" y="892655"/>
+                  <a:pt x="6864124" y="961738"/>
+                  <a:pt x="6845760" y="994930"/>
+                </a:cubicBezTo>
+                <a:cubicBezTo>
+                  <a:pt x="6833572" y="1024166"/>
+                  <a:pt x="6859282" y="1058905"/>
+                  <a:pt x="6845601" y="1112932"/>
+                </a:cubicBezTo>
+                <a:cubicBezTo>
+                  <a:pt x="6838700" y="1149910"/>
+                  <a:pt x="6829138" y="1151035"/>
+                  <a:pt x="6820235" y="1187433"/>
+                </a:cubicBezTo>
+                <a:cubicBezTo>
+                  <a:pt x="6815504" y="1196464"/>
+                  <a:pt x="6777707" y="1338549"/>
+                  <a:pt x="6759643" y="1337010"/>
+                </a:cubicBezTo>
+                <a:cubicBezTo>
+                  <a:pt x="6737660" y="1337296"/>
+                  <a:pt x="6760650" y="1396341"/>
+                  <a:pt x="6736375" y="1382272"/>
+                </a:cubicBezTo>
+                <a:cubicBezTo>
+                  <a:pt x="6755741" y="1415836"/>
+                  <a:pt x="6714675" y="1414567"/>
+                  <a:pt x="6701292" y="1432111"/>
+                </a:cubicBezTo>
+                <a:cubicBezTo>
+                  <a:pt x="6721110" y="1460185"/>
+                  <a:pt x="6692106" y="1490815"/>
+                  <a:pt x="6686578" y="1518624"/>
+                </a:cubicBezTo>
+                <a:cubicBezTo>
+                  <a:pt x="6682512" y="1567002"/>
+                  <a:pt x="6679579" y="1571443"/>
+                  <a:pt x="6670824" y="1607743"/>
+                </a:cubicBezTo>
+                <a:cubicBezTo>
+                  <a:pt x="6671133" y="1629590"/>
+                  <a:pt x="6663161" y="1656870"/>
+                  <a:pt x="6664392" y="1696405"/>
+                </a:cubicBezTo>
+                <a:cubicBezTo>
+                  <a:pt x="6655686" y="1770486"/>
+                  <a:pt x="6641938" y="1757082"/>
+                  <a:pt x="6642880" y="1812372"/>
+                </a:cubicBezTo>
+                <a:cubicBezTo>
+                  <a:pt x="6638579" y="1872475"/>
+                  <a:pt x="6619231" y="1825476"/>
+                  <a:pt x="6612547" y="1876437"/>
+                </a:cubicBezTo>
+                <a:cubicBezTo>
+                  <a:pt x="6600695" y="1913834"/>
+                  <a:pt x="6591061" y="1923231"/>
+                  <a:pt x="6571760" y="1953331"/>
+                </a:cubicBezTo>
+                <a:cubicBezTo>
+                  <a:pt x="6561039" y="1989021"/>
+                  <a:pt x="6544090" y="2087896"/>
+                  <a:pt x="6520213" y="2096455"/>
+                </a:cubicBezTo>
+                <a:lnTo>
+                  <a:pt x="6492461" y="2188148"/>
+                </a:lnTo>
+                <a:cubicBezTo>
+                  <a:pt x="6504372" y="2211333"/>
+                  <a:pt x="6489131" y="2253220"/>
+                  <a:pt x="6471854" y="2259117"/>
+                </a:cubicBezTo>
+                <a:cubicBezTo>
+                  <a:pt x="6466151" y="2287829"/>
+                  <a:pt x="6440452" y="2301346"/>
+                  <a:pt x="6439832" y="2328334"/>
+                </a:cubicBezTo>
+                <a:cubicBezTo>
+                  <a:pt x="6431013" y="2351201"/>
+                  <a:pt x="6444250" y="2396409"/>
+                  <a:pt x="6425162" y="2408211"/>
+                </a:cubicBezTo>
+                <a:lnTo>
+                  <a:pt x="6417221" y="2427382"/>
+                </a:lnTo>
+                <a:lnTo>
+                  <a:pt x="6425030" y="2464387"/>
+                </a:lnTo>
+                <a:lnTo>
+                  <a:pt x="6406293" y="2472223"/>
+                </a:lnTo>
+                <a:cubicBezTo>
+                  <a:pt x="6406862" y="2477277"/>
+                  <a:pt x="6406486" y="2491723"/>
+                  <a:pt x="6405400" y="2493547"/>
+                </a:cubicBezTo>
+                <a:lnTo>
+                  <a:pt x="6374829" y="2532070"/>
+                </a:lnTo>
+                <a:cubicBezTo>
+                  <a:pt x="6374597" y="2545374"/>
+                  <a:pt x="6360976" y="2563797"/>
+                  <a:pt x="6350864" y="2577422"/>
+                </a:cubicBezTo>
+                <a:cubicBezTo>
+                  <a:pt x="6327056" y="2632768"/>
+                  <a:pt x="6341262" y="2616275"/>
+                  <a:pt x="6329174" y="2663854"/>
+                </a:cubicBezTo>
+                <a:cubicBezTo>
+                  <a:pt x="6326303" y="2703642"/>
+                  <a:pt x="6332854" y="2709643"/>
+                  <a:pt x="6315095" y="2741507"/>
+                </a:cubicBezTo>
+                <a:cubicBezTo>
+                  <a:pt x="6319921" y="2740191"/>
+                  <a:pt x="6321925" y="2742004"/>
+                  <a:pt x="6322463" y="2745641"/>
+                </a:cubicBezTo>
+                <a:cubicBezTo>
+                  <a:pt x="6322245" y="2747982"/>
+                  <a:pt x="6322027" y="2750323"/>
+                  <a:pt x="6321808" y="2752663"/>
+                </a:cubicBezTo>
+                <a:lnTo>
+                  <a:pt x="6314569" y="2756718"/>
+                </a:lnTo>
+                <a:cubicBezTo>
+                  <a:pt x="6289324" y="2773686"/>
+                  <a:pt x="6317551" y="2780051"/>
+                  <a:pt x="6315211" y="2811618"/>
+                </a:cubicBezTo>
+                <a:cubicBezTo>
+                  <a:pt x="6315620" y="2826627"/>
+                  <a:pt x="6296047" y="2885298"/>
+                  <a:pt x="6302211" y="2882314"/>
+                </a:cubicBezTo>
+                <a:lnTo>
+                  <a:pt x="6286167" y="2949597"/>
+                </a:lnTo>
+                <a:cubicBezTo>
+                  <a:pt x="6286401" y="2994618"/>
+                  <a:pt x="6286615" y="2971464"/>
+                  <a:pt x="6287037" y="3008578"/>
+                </a:cubicBezTo>
+                <a:cubicBezTo>
+                  <a:pt x="6293795" y="3029535"/>
+                  <a:pt x="6274405" y="3114154"/>
+                  <a:pt x="6259150" y="3123139"/>
+                </a:cubicBezTo>
+                <a:cubicBezTo>
+                  <a:pt x="6250085" y="3189063"/>
+                  <a:pt x="6269067" y="3151280"/>
+                  <a:pt x="6272249" y="3227854"/>
+                </a:cubicBezTo>
+                <a:cubicBezTo>
+                  <a:pt x="6278775" y="3295842"/>
+                  <a:pt x="6289216" y="3303765"/>
+                  <a:pt x="6292288" y="3378383"/>
+                </a:cubicBezTo>
+                <a:cubicBezTo>
+                  <a:pt x="6303894" y="3395995"/>
+                  <a:pt x="6287498" y="3432581"/>
+                  <a:pt x="6288328" y="3459618"/>
+                </a:cubicBezTo>
+                <a:cubicBezTo>
+                  <a:pt x="6289158" y="3486653"/>
+                  <a:pt x="6299937" y="3538735"/>
+                  <a:pt x="6297272" y="3540603"/>
+                </a:cubicBezTo>
+                <a:cubicBezTo>
+                  <a:pt x="6296849" y="3577379"/>
+                  <a:pt x="6294184" y="3587943"/>
+                  <a:pt x="6291001" y="3638374"/>
+                </a:cubicBezTo>
+                <a:cubicBezTo>
+                  <a:pt x="6283026" y="3666794"/>
+                  <a:pt x="6265833" y="3731744"/>
+                  <a:pt x="6283592" y="3763609"/>
+                </a:cubicBezTo>
+                <a:cubicBezTo>
+                  <a:pt x="6264286" y="3758340"/>
+                  <a:pt x="6290177" y="3803150"/>
+                  <a:pt x="6274068" y="3814506"/>
+                </a:cubicBezTo>
+                <a:cubicBezTo>
+                  <a:pt x="6260645" y="3821643"/>
+                  <a:pt x="6265372" y="3836902"/>
+                  <a:pt x="6262850" y="3850454"/>
+                </a:cubicBezTo>
+                <a:cubicBezTo>
+                  <a:pt x="6250418" y="3863479"/>
+                  <a:pt x="6250660" y="3955243"/>
+                  <a:pt x="6257357" y="3975474"/>
+                </a:cubicBezTo>
+                <a:cubicBezTo>
+                  <a:pt x="6245091" y="4036737"/>
+                  <a:pt x="6237535" y="4029237"/>
+                  <a:pt x="6257889" y="4073155"/>
+                </a:cubicBezTo>
+                <a:cubicBezTo>
+                  <a:pt x="6259272" y="4085906"/>
+                  <a:pt x="6239882" y="4116397"/>
+                  <a:pt x="6237441" y="4126638"/>
+                </a:cubicBezTo>
+                <a:lnTo>
+                  <a:pt x="6245587" y="4172738"/>
+                </a:lnTo>
+                <a:lnTo>
+                  <a:pt x="6235772" y="4176721"/>
+                </a:lnTo>
+                <a:lnTo>
+                  <a:pt x="6233287" y="4195136"/>
+                </a:lnTo>
+                <a:lnTo>
+                  <a:pt x="6234619" y="4280850"/>
+                </a:lnTo>
+                <a:cubicBezTo>
+                  <a:pt x="6239453" y="4320763"/>
+                  <a:pt x="6223309" y="4337596"/>
+                  <a:pt x="6219318" y="4402526"/>
+                </a:cubicBezTo>
+                <a:cubicBezTo>
+                  <a:pt x="6205466" y="4516209"/>
+                  <a:pt x="6216183" y="4588729"/>
+                  <a:pt x="6216810" y="4651172"/>
+                </a:cubicBezTo>
+                <a:cubicBezTo>
+                  <a:pt x="6217673" y="4756959"/>
+                  <a:pt x="6228654" y="4824005"/>
+                  <a:pt x="6225945" y="4916779"/>
+                </a:cubicBezTo>
+                <a:cubicBezTo>
+                  <a:pt x="6217032" y="4993010"/>
+                  <a:pt x="6264271" y="4984591"/>
+                  <a:pt x="6230174" y="5051379"/>
+                </a:cubicBezTo>
+                <a:cubicBezTo>
+                  <a:pt x="6235713" y="5056951"/>
+                  <a:pt x="6239420" y="5163714"/>
+                  <a:pt x="6242600" y="5170879"/>
+                </a:cubicBezTo>
+                <a:lnTo>
+                  <a:pt x="6235996" y="5216428"/>
+                </a:lnTo>
+                <a:lnTo>
+                  <a:pt x="6214638" y="5285298"/>
+                </a:lnTo>
+                <a:cubicBezTo>
+                  <a:pt x="6211392" y="5297492"/>
+                  <a:pt x="6225576" y="5312063"/>
+                  <a:pt x="6228432" y="5317696"/>
+                </a:cubicBezTo>
+                <a:lnTo>
+                  <a:pt x="6246496" y="5398787"/>
+                </a:lnTo>
+                <a:lnTo>
+                  <a:pt x="6244793" y="5399530"/>
+                </a:lnTo>
+                <a:lnTo>
+                  <a:pt x="6241695" y="5406948"/>
+                </a:lnTo>
+                <a:lnTo>
+                  <a:pt x="6267461" y="5499413"/>
+                </a:lnTo>
+                <a:cubicBezTo>
+                  <a:pt x="6285387" y="5533848"/>
+                  <a:pt x="6284888" y="5550029"/>
+                  <a:pt x="6295987" y="5582659"/>
+                </a:cubicBezTo>
+                <a:cubicBezTo>
+                  <a:pt x="6311253" y="5681724"/>
+                  <a:pt x="6295439" y="5695558"/>
+                  <a:pt x="6364803" y="5784263"/>
+                </a:cubicBezTo>
+                <a:cubicBezTo>
+                  <a:pt x="6379348" y="5818651"/>
+                  <a:pt x="6412475" y="5906802"/>
+                  <a:pt x="6423050" y="5922637"/>
+                </a:cubicBezTo>
+                <a:cubicBezTo>
+                  <a:pt x="6445210" y="5973612"/>
+                  <a:pt x="6468179" y="6023873"/>
+                  <a:pt x="6497767" y="6090108"/>
+                </a:cubicBezTo>
+                <a:cubicBezTo>
+                  <a:pt x="6571895" y="6150548"/>
+                  <a:pt x="6572491" y="6236583"/>
+                  <a:pt x="6606710" y="6281543"/>
+                </a:cubicBezTo>
+                <a:cubicBezTo>
+                  <a:pt x="6633675" y="6335892"/>
+                  <a:pt x="6654357" y="6388782"/>
+                  <a:pt x="6667540" y="6443715"/>
+                </a:cubicBezTo>
+                <a:cubicBezTo>
+                  <a:pt x="6685192" y="6466826"/>
+                  <a:pt x="6650500" y="6508701"/>
+                  <a:pt x="6659722" y="6550105"/>
+                </a:cubicBezTo>
+                <a:cubicBezTo>
+                  <a:pt x="6665926" y="6645044"/>
+                  <a:pt x="6669126" y="6627536"/>
+                  <a:pt x="6671805" y="6687397"/>
+                </a:cubicBezTo>
+                <a:cubicBezTo>
+                  <a:pt x="6682671" y="6733683"/>
+                  <a:pt x="6665210" y="6772117"/>
+                  <a:pt x="6669658" y="6806602"/>
+                </a:cubicBezTo>
+                <a:cubicBezTo>
+                  <a:pt x="6661174" y="6812658"/>
+                  <a:pt x="6667097" y="6831470"/>
+                  <a:pt x="6675783" y="6850325"/>
+                </a:cubicBezTo>
+                <a:lnTo>
+                  <a:pt x="6679704" y="6858000"/>
+                </a:lnTo>
+                <a:lnTo>
+                  <a:pt x="4532241" y="6858000"/>
+                </a:lnTo>
+                <a:lnTo>
+                  <a:pt x="1208596" y="6858000"/>
+                </a:lnTo>
+                <a:lnTo>
+                  <a:pt x="0" y="6858000"/>
+                </a:lnTo>
+                <a:close/>
+              </a:path>
+            </a:pathLst>
+          </a:custGeom>
+        </p:spPr>
+      </p:pic>
       <p:sp>
         <p:nvSpPr>
           <p:cNvPr id="3" name="Marcador de Posição de Conteúdo 2">
@@ -3801,154 +11319,74 @@
             <p:ph idx="1"/>
           </p:nvPr>
         </p:nvSpPr>
-        <p:spPr/>
+        <p:spPr>
+          <a:xfrm>
+            <a:off x="7320465" y="2194102"/>
+            <a:ext cx="4140013" cy="3908586"/>
+          </a:xfrm>
+        </p:spPr>
         <p:txBody>
           <a:bodyPr>
             <a:normAutofit/>
           </a:bodyPr>
           <a:lstStyle/>
           <a:p>
-            <a:pPr>
-              <a:lnSpc>
-                <a:spcPct val="100000"/>
-              </a:lnSpc>
-            </a:pPr>
             <a:r>
-              <a:rPr lang="pt-PT" sz="2000" dirty="0"/>
+              <a:rPr lang="pt-PT" sz="1400"/>
               <a:t>Utilizaremos diversas técnicas e ferramentas para enfrentar os desafios propostos:</a:t>
             </a:r>
           </a:p>
           <a:p>
-            <a:pPr lvl="1">
-              <a:lnSpc>
-                <a:spcPct val="100000"/>
-              </a:lnSpc>
-            </a:pPr>
+            <a:pPr lvl="1"/>
             <a:r>
-              <a:rPr lang="pt-PT" sz="2000" dirty="0"/>
-              <a:t>Linguagem de programação </a:t>
+              <a:rPr lang="pt-PT" sz="1400"/>
+              <a:t>Linguagem de programação Kotlin para o back-end e aplicativo Android.</a:t>
             </a:r>
+          </a:p>
+          <a:p>
+            <a:pPr lvl="1"/>
             <a:r>
-              <a:rPr lang="pt-PT" sz="2000" dirty="0" err="1"/>
-              <a:t>Kotlin</a:t>
+              <a:rPr lang="pt-PT" sz="1400"/>
+              <a:t>TypeScript para o front-end do navegador.</a:t>
             </a:r>
+          </a:p>
+          <a:p>
+            <a:pPr lvl="1"/>
             <a:r>
-              <a:rPr lang="pt-PT" sz="2000" dirty="0"/>
-              <a:t> para o </a:t>
+              <a:rPr lang="pt-PT" sz="1400"/>
+              <a:t>Tabula para extração de dados dos PDFs de horários.</a:t>
             </a:r>
+          </a:p>
+          <a:p>
+            <a:pPr lvl="1"/>
             <a:r>
-              <a:rPr lang="pt-PT" sz="2000" dirty="0" err="1"/>
-              <a:t>back-end</a:t>
+              <a:rPr lang="pt-PT" sz="1400"/>
+              <a:t>PostgreSQL para armazenamento de dados.</a:t>
             </a:r>
+          </a:p>
+          <a:p>
+            <a:pPr lvl="1"/>
             <a:r>
-              <a:rPr lang="pt-PT" sz="2000" dirty="0"/>
-              <a:t> e aplicativo Android.</a:t>
-            </a:r>
-          </a:p>
-          <a:p>
-            <a:pPr lvl="1">
-              <a:lnSpc>
-                <a:spcPct val="100000"/>
-              </a:lnSpc>
-            </a:pPr>
-            <a:r>
-              <a:rPr lang="pt-PT" sz="2000" dirty="0" err="1"/>
-              <a:t>TypeScript</a:t>
-            </a:r>
-            <a:r>
-              <a:rPr lang="pt-PT" sz="2000" dirty="0"/>
-              <a:t> para o </a:t>
-            </a:r>
-            <a:r>
-              <a:rPr lang="pt-PT" sz="2000" dirty="0" err="1"/>
-              <a:t>front-end</a:t>
-            </a:r>
-            <a:r>
-              <a:rPr lang="pt-PT" sz="2000" dirty="0"/>
-              <a:t> do navegador.</a:t>
-            </a:r>
-          </a:p>
-          <a:p>
-            <a:pPr lvl="1">
-              <a:lnSpc>
-                <a:spcPct val="100000"/>
-              </a:lnSpc>
-            </a:pPr>
-            <a:r>
-              <a:rPr lang="pt-PT" sz="2000" dirty="0"/>
-              <a:t>Tabula para extração de dados dos </a:t>
-            </a:r>
-            <a:r>
-              <a:rPr lang="pt-PT" sz="2000" dirty="0" err="1"/>
-              <a:t>PDFs</a:t>
-            </a:r>
-            <a:r>
-              <a:rPr lang="pt-PT" sz="2000" dirty="0"/>
-              <a:t> de horários.</a:t>
-            </a:r>
-          </a:p>
-          <a:p>
-            <a:pPr lvl="1">
-              <a:lnSpc>
-                <a:spcPct val="100000"/>
-              </a:lnSpc>
-            </a:pPr>
-            <a:r>
-              <a:rPr lang="pt-PT" sz="2000" dirty="0" err="1"/>
-              <a:t>PostgreSQL</a:t>
-            </a:r>
-            <a:r>
-              <a:rPr lang="pt-PT" sz="2000" dirty="0"/>
-              <a:t> para armazenamento de dados.</a:t>
-            </a:r>
-          </a:p>
-          <a:p>
-            <a:pPr lvl="1">
-              <a:lnSpc>
-                <a:spcPct val="100000"/>
-              </a:lnSpc>
-            </a:pPr>
-            <a:r>
-              <a:rPr lang="pt-PT" sz="2000" dirty="0"/>
+              <a:rPr lang="pt-PT" sz="1400"/>
               <a:t>Spring MVC para o desenvolvimento da Web API.</a:t>
             </a:r>
           </a:p>
           <a:p>
-            <a:pPr lvl="1">
-              <a:lnSpc>
-                <a:spcPct val="100000"/>
-              </a:lnSpc>
-            </a:pPr>
+            <a:pPr lvl="1"/>
             <a:r>
-              <a:rPr lang="pt-PT" sz="2000" dirty="0" err="1"/>
-              <a:t>React</a:t>
+              <a:rPr lang="pt-PT" sz="1400"/>
+              <a:t>React para o desenvolvimento da interface do navegador web.</a:t>
             </a:r>
+          </a:p>
+          <a:p>
+            <a:pPr lvl="1"/>
             <a:r>
-              <a:rPr lang="pt-PT" sz="2000" dirty="0"/>
-              <a:t> para o desenvolvimento da interface do navegador web.</a:t>
+              <a:rPr lang="pt-PT" sz="1400"/>
+              <a:t>Jetpack Compose para o desenvolvimento da interface do aplicativo Android.</a:t>
             </a:r>
           </a:p>
           <a:p>
-            <a:pPr lvl="1">
-              <a:lnSpc>
-                <a:spcPct val="100000"/>
-              </a:lnSpc>
-            </a:pPr>
-            <a:r>
-              <a:rPr lang="pt-PT" sz="2000" dirty="0"/>
-              <a:t>Jetpack </a:t>
-            </a:r>
-            <a:r>
-              <a:rPr lang="pt-PT" sz="2000" dirty="0" err="1"/>
-              <a:t>Compose</a:t>
-            </a:r>
-            <a:r>
-              <a:rPr lang="pt-PT" sz="2000" dirty="0"/>
-              <a:t> para o desenvolvimento da interface do aplicativo Android.</a:t>
-            </a:r>
-          </a:p>
-          <a:p>
-            <a:endParaRPr lang="pt-PT" dirty="0"/>
+            <a:endParaRPr lang="pt-PT" sz="1400"/>
           </a:p>
         </p:txBody>
       </p:sp>
@@ -4010,109 +11448,32 @@
           </a:p>
         </p:txBody>
       </p:sp>
-      <p:sp>
-        <p:nvSpPr>
-          <p:cNvPr id="3" name="Marcador de Posição de Conteúdo 2">
+      <p:graphicFrame>
+        <p:nvGraphicFramePr>
+          <p:cNvPr id="5" name="Marcador de Posição de Conteúdo 2">
             <a:extLst>
               <a:ext uri="{FF2B5EF4-FFF2-40B4-BE49-F238E27FC236}">
-                <a16:creationId xmlns:a16="http://schemas.microsoft.com/office/drawing/2014/main" id="{BCDE8FE0-720A-E1C6-DED9-90CA5014CDA1}"/>
+                <a16:creationId xmlns:a16="http://schemas.microsoft.com/office/drawing/2014/main" id="{FA12D8C3-A0A4-45AC-2E34-8A241F3A8CBD}"/>
               </a:ext>
             </a:extLst>
           </p:cNvPr>
-          <p:cNvSpPr>
-            <a:spLocks noGrp="1"/>
-          </p:cNvSpPr>
+          <p:cNvGraphicFramePr>
+            <a:graphicFrameLocks noGrp="1"/>
+          </p:cNvGraphicFramePr>
           <p:nvPr>
             <p:ph idx="1"/>
           </p:nvPr>
-        </p:nvSpPr>
-        <p:spPr/>
-        <p:txBody>
-          <a:bodyPr/>
-          <a:lstStyle/>
-          <a:p>
-            <a:pPr algn="l">
-              <a:buFont typeface="Arial" panose="020B0604020202020204" pitchFamily="34" charset="0"/>
-              <a:buChar char="•"/>
-            </a:pPr>
-            <a:r>
-              <a:rPr lang="pt-PT" sz="2000" b="1" dirty="0"/>
-              <a:t>Riscos:</a:t>
-            </a:r>
-          </a:p>
-          <a:p>
-            <a:pPr marL="742950" lvl="1" indent="-285750" algn="l">
-              <a:buFont typeface="Arial" panose="020B0604020202020204" pitchFamily="34" charset="0"/>
-              <a:buChar char="•"/>
-            </a:pPr>
-            <a:r>
-              <a:rPr lang="pt-PT" sz="2000" dirty="0"/>
-              <a:t>Utilização de novas técnicas e ferramentas.</a:t>
-            </a:r>
-          </a:p>
-          <a:p>
-            <a:pPr marL="742950" lvl="1" indent="-285750" algn="l">
-              <a:buFont typeface="Arial" panose="020B0604020202020204" pitchFamily="34" charset="0"/>
-              <a:buChar char="•"/>
-            </a:pPr>
-            <a:r>
-              <a:rPr lang="pt-PT" sz="2000" dirty="0"/>
-              <a:t>Aquisição de dados reais.</a:t>
-            </a:r>
-          </a:p>
-          <a:p>
-            <a:pPr marL="742950" lvl="1" indent="-285750" algn="l">
-              <a:buFont typeface="Arial" panose="020B0604020202020204" pitchFamily="34" charset="0"/>
-              <a:buChar char="•"/>
-            </a:pPr>
-            <a:r>
-              <a:rPr lang="pt-PT" sz="2000" dirty="0"/>
-              <a:t>Desafios na implementação da localização de pontos de interesse.</a:t>
-            </a:r>
-          </a:p>
-          <a:p>
-            <a:pPr algn="l">
-              <a:buFont typeface="Arial" panose="020B0604020202020204" pitchFamily="34" charset="0"/>
-              <a:buChar char="•"/>
-            </a:pPr>
-            <a:r>
-              <a:rPr lang="pt-PT" sz="2000" b="1" dirty="0"/>
-              <a:t>Conclusão:</a:t>
-            </a:r>
-          </a:p>
-          <a:p>
-            <a:pPr marL="742950" lvl="1" indent="-285750" algn="l">
-              <a:buFont typeface="Arial" panose="020B0604020202020204" pitchFamily="34" charset="0"/>
-              <a:buChar char="•"/>
-            </a:pPr>
-            <a:r>
-              <a:rPr lang="pt-PT" sz="2000" dirty="0"/>
-              <a:t>A aplicação </a:t>
-            </a:r>
-            <a:r>
-              <a:rPr lang="pt-PT" sz="2000" dirty="0" err="1"/>
-              <a:t>ISELper</a:t>
-            </a:r>
-            <a:r>
-              <a:rPr lang="pt-PT" sz="2000" dirty="0"/>
-              <a:t> tem o potencial de melhorar significativamente a experiência dos alunos do ISEL.</a:t>
-            </a:r>
-          </a:p>
-          <a:p>
-            <a:pPr marL="742950" lvl="1" indent="-285750" algn="l">
-              <a:buFont typeface="Arial" panose="020B0604020202020204" pitchFamily="34" charset="0"/>
-              <a:buChar char="•"/>
-            </a:pPr>
-            <a:r>
-              <a:rPr lang="pt-PT" sz="2000" dirty="0"/>
-              <a:t>Estamos comprometidos em enfrentar os desafios e desenvolver uma solução eficaz e robusta e possivelmente escalável.</a:t>
-            </a:r>
-          </a:p>
-          <a:p>
-            <a:endParaRPr lang="pt-PT" dirty="0"/>
-          </a:p>
-        </p:txBody>
-      </p:sp>
+        </p:nvGraphicFramePr>
+        <p:xfrm>
+          <a:off x="838200" y="1825625"/>
+          <a:ext cx="10515600" cy="4351338"/>
+        </p:xfrm>
+        <a:graphic>
+          <a:graphicData uri="http://schemas.openxmlformats.org/drawingml/2006/diagram">
+            <dgm:relIds xmlns:dgm="http://schemas.openxmlformats.org/drawingml/2006/diagram" xmlns:r="http://schemas.openxmlformats.org/officeDocument/2006/relationships" r:dm="rId2" r:lo="rId3" r:qs="rId4" r:cs="rId5"/>
+          </a:graphicData>
+        </a:graphic>
+      </p:graphicFrame>
     </p:spTree>
     <p:extLst>
       <p:ext uri="{BB962C8B-B14F-4D97-AF65-F5344CB8AC3E}">
@@ -4439,4 +11800,47 @@
     </a:ext>
   </a:extLst>
 </a:theme>
+</file>
+
+<file path=ppt/theme/themeOverride1.xml><?xml version="1.0" encoding="utf-8"?>
+<a:themeOverride xmlns:a="http://schemas.openxmlformats.org/drawingml/2006/main">
+  <a:clrScheme name="Office">
+    <a:dk1>
+      <a:sysClr val="windowText" lastClr="000000"/>
+    </a:dk1>
+    <a:lt1>
+      <a:sysClr val="window" lastClr="FFFFFF"/>
+    </a:lt1>
+    <a:dk2>
+      <a:srgbClr val="0E2841"/>
+    </a:dk2>
+    <a:lt2>
+      <a:srgbClr val="E8E8E8"/>
+    </a:lt2>
+    <a:accent1>
+      <a:srgbClr val="156082"/>
+    </a:accent1>
+    <a:accent2>
+      <a:srgbClr val="E97132"/>
+    </a:accent2>
+    <a:accent3>
+      <a:srgbClr val="196B24"/>
+    </a:accent3>
+    <a:accent4>
+      <a:srgbClr val="0F9ED5"/>
+    </a:accent4>
+    <a:accent5>
+      <a:srgbClr val="A02B93"/>
+    </a:accent5>
+    <a:accent6>
+      <a:srgbClr val="4EA72E"/>
+    </a:accent6>
+    <a:hlink>
+      <a:srgbClr val="467886"/>
+    </a:hlink>
+    <a:folHlink>
+      <a:srgbClr val="96607D"/>
+    </a:folHlink>
+  </a:clrScheme>
+</a:themeOverride>
 </file>